--- a/posdealers/presentations/tech/media/posdealer-tech-rollout.pptx
+++ b/posdealers/presentations/tech/media/posdealer-tech-rollout.pptx
@@ -9289,7 +9289,7 @@
           <a:p>
             <a:fld id="{878DCA2D-ADC9-4D7A-A916-9A90AC8F3FDD}" type="datetimeFigureOut">
               <a:rPr lang="de-DE" smtClean="0"/>
-              <a:t>08.10.20</a:t>
+              <a:t>09.02.2021</a:t>
             </a:fld>
             <a:endParaRPr lang="de-DE"/>
           </a:p>
@@ -9447,7 +9447,7 @@
           <a:p>
             <a:fld id="{87FB5468-8034-4A81-91AF-9E789D7C7320}" type="slidenum">
               <a:rPr lang="de-DE" smtClean="0"/>
-              <a:t>‹#›</a:t>
+              <a:t>‹Nr.›</a:t>
             </a:fld>
             <a:endParaRPr lang="de-DE"/>
           </a:p>
@@ -13703,7 +13703,7 @@
             <a:fld id="{F9CF9B13-D011-40B4-B116-4AFF51B22AA5}" type="datetime1">
               <a:rPr lang="de-DE" smtClean="0"/>
               <a:pPr/>
-              <a:t>08.10.20</a:t>
+              <a:t>09.02.2021</a:t>
             </a:fld>
             <a:r>
               <a:rPr lang="de-DE"/>
@@ -13712,7 +13712,7 @@
             <a:fld id="{4D3E4D3B-16BA-4843-8361-4E45D113E984}" type="slidenum">
               <a:rPr lang="de-DE" smtClean="0"/>
               <a:pPr/>
-              <a:t>‹#›</a:t>
+              <a:t>‹Nr.›</a:t>
             </a:fld>
             <a:endParaRPr lang="de-DE"/>
           </a:p>
@@ -14063,7 +14063,7 @@
             <a:fld id="{F9CF9B13-D011-40B4-B116-4AFF51B22AA5}" type="datetime1">
               <a:rPr lang="de-DE" smtClean="0"/>
               <a:pPr/>
-              <a:t>08.10.20</a:t>
+              <a:t>09.02.2021</a:t>
             </a:fld>
             <a:r>
               <a:rPr lang="de-DE"/>
@@ -14072,7 +14072,7 @@
             <a:fld id="{4D3E4D3B-16BA-4843-8361-4E45D113E984}" type="slidenum">
               <a:rPr lang="de-DE" smtClean="0"/>
               <a:pPr/>
-              <a:t>‹#›</a:t>
+              <a:t>‹Nr.›</a:t>
             </a:fld>
             <a:endParaRPr lang="de-DE"/>
           </a:p>
@@ -14285,7 +14285,7 @@
             <a:fld id="{EDCB950E-FDB1-4BA4-AE2E-92802DA17835}" type="datetime1">
               <a:rPr lang="de-DE" smtClean="0"/>
               <a:pPr/>
-              <a:t>08.10.20</a:t>
+              <a:t>09.02.2021</a:t>
             </a:fld>
             <a:endParaRPr lang="de-DE"/>
           </a:p>
@@ -14349,7 +14349,7 @@
             <a:fld id="{4D3E4D3B-16BA-4843-8361-4E45D113E984}" type="slidenum">
               <a:rPr lang="de-DE" smtClean="0"/>
               <a:pPr/>
-              <a:t>‹#›</a:t>
+              <a:t>‹Nr.›</a:t>
             </a:fld>
             <a:endParaRPr lang="de-DE"/>
           </a:p>
@@ -14743,7 +14743,7 @@
           <a:p>
             <a:fld id="{EA38D6C4-32A5-4B1B-BEC5-546FAB3E61DF}" type="datetime1">
               <a:rPr lang="de-DE" smtClean="0"/>
-              <a:t>08.10.20</a:t>
+              <a:t>09.02.2021</a:t>
             </a:fld>
             <a:endParaRPr lang="de-DE"/>
           </a:p>
@@ -14838,7 +14838,7 @@
             <a:fld id="{4D3E4D3B-16BA-4843-8361-4E45D113E984}" type="slidenum">
               <a:rPr lang="de-DE" smtClean="0"/>
               <a:pPr/>
-              <a:t>‹#›</a:t>
+              <a:t>‹Nr.›</a:t>
             </a:fld>
             <a:endParaRPr lang="de-DE"/>
           </a:p>
@@ -15256,7 +15256,7 @@
             <a:fld id="{F9CF9B13-D011-40B4-B116-4AFF51B22AA5}" type="datetime1">
               <a:rPr lang="de-DE"/>
               <a:pPr/>
-              <a:t>08.10.20</a:t>
+              <a:t>09.02.2021</a:t>
             </a:fld>
             <a:r>
               <a:rPr lang="de-DE"/>
@@ -15367,7 +15367,7 @@
             <a:fld id="{F9CF9B13-D011-40B4-B116-4AFF51B22AA5}" type="datetime1">
               <a:rPr lang="de-DE" smtClean="0"/>
               <a:pPr/>
-              <a:t>08.10.20</a:t>
+              <a:t>09.02.2021</a:t>
             </a:fld>
             <a:r>
               <a:rPr lang="de-DE"/>
@@ -15578,7 +15578,7 @@
             <a:fld id="{F9CF9B13-D011-40B4-B116-4AFF51B22AA5}" type="datetime1">
               <a:rPr lang="de-DE" smtClean="0"/>
               <a:pPr/>
-              <a:t>08.10.20</a:t>
+              <a:t>09.02.2021</a:t>
             </a:fld>
             <a:r>
               <a:rPr lang="de-DE"/>
@@ -15767,7 +15767,7 @@
             <a:fld id="{F9CF9B13-D011-40B4-B116-4AFF51B22AA5}" type="datetime1">
               <a:rPr lang="de-DE" smtClean="0"/>
               <a:pPr/>
-              <a:t>08.10.20</a:t>
+              <a:t>09.02.2021</a:t>
             </a:fld>
             <a:r>
               <a:rPr lang="de-DE"/>
@@ -16278,7 +16278,7 @@
             <a:fld id="{F9CF9B13-D011-40B4-B116-4AFF51B22AA5}" type="datetime1">
               <a:rPr lang="de-DE" smtClean="0"/>
               <a:pPr/>
-              <a:t>08.10.20</a:t>
+              <a:t>09.02.2021</a:t>
             </a:fld>
             <a:r>
               <a:rPr lang="de-DE"/>
@@ -16444,7 +16444,7 @@
             <a:fld id="{F9CF9B13-D011-40B4-B116-4AFF51B22AA5}" type="datetime1">
               <a:rPr lang="de-DE" smtClean="0"/>
               <a:pPr/>
-              <a:t>08.10.20</a:t>
+              <a:t>09.02.2021</a:t>
             </a:fld>
             <a:r>
               <a:rPr lang="de-DE"/>
@@ -16750,7 +16750,7 @@
             <a:fld id="{F9CF9B13-D011-40B4-B116-4AFF51B22AA5}" type="datetime1">
               <a:rPr lang="de-DE" smtClean="0"/>
               <a:pPr/>
-              <a:t>08.10.20</a:t>
+              <a:t>09.02.2021</a:t>
             </a:fld>
             <a:r>
               <a:rPr lang="de-DE"/>
@@ -16927,7 +16927,7 @@
             <a:fld id="{F9CF9B13-D011-40B4-B116-4AFF51B22AA5}" type="datetime1">
               <a:rPr lang="de-DE" smtClean="0"/>
               <a:pPr/>
-              <a:t>08.10.20</a:t>
+              <a:t>09.02.2021</a:t>
             </a:fld>
             <a:r>
               <a:rPr lang="de-DE"/>
@@ -17132,7 +17132,7 @@
             <a:fld id="{F9CF9B13-D011-40B4-B116-4AFF51B22AA5}" type="datetime1">
               <a:rPr lang="de-DE" smtClean="0"/>
               <a:pPr/>
-              <a:t>08.10.20</a:t>
+              <a:t>09.02.2021</a:t>
             </a:fld>
             <a:r>
               <a:rPr lang="de-DE"/>
@@ -17304,7 +17304,7 @@
             <a:fld id="{F9CF9B13-D011-40B4-B116-4AFF51B22AA5}" type="datetime1">
               <a:rPr lang="de-DE" smtClean="0"/>
               <a:pPr/>
-              <a:t>08.10.20</a:t>
+              <a:t>09.02.2021</a:t>
             </a:fld>
             <a:r>
               <a:rPr lang="de-DE"/>
@@ -17500,7 +17500,7 @@
             <a:fld id="{F9CF9B13-D011-40B4-B116-4AFF51B22AA5}" type="datetime1">
               <a:rPr lang="de-DE" smtClean="0"/>
               <a:pPr/>
-              <a:t>08.10.20</a:t>
+              <a:t>09.02.2021</a:t>
             </a:fld>
             <a:r>
               <a:rPr lang="de-DE"/>
@@ -17713,7 +17713,7 @@
             <a:fld id="{F9CF9B13-D011-40B4-B116-4AFF51B22AA5}" type="datetime1">
               <a:rPr lang="de-DE" smtClean="0"/>
               <a:pPr/>
-              <a:t>08.10.20</a:t>
+              <a:t>09.02.2021</a:t>
             </a:fld>
             <a:r>
               <a:rPr lang="de-DE"/>
@@ -17923,7 +17923,7 @@
             <a:fld id="{F9CF9B13-D011-40B4-B116-4AFF51B22AA5}" type="datetime1">
               <a:rPr lang="de-DE" smtClean="0"/>
               <a:pPr/>
-              <a:t>08.10.20</a:t>
+              <a:t>09.02.2021</a:t>
             </a:fld>
             <a:r>
               <a:rPr lang="de-DE"/>
@@ -18127,7 +18127,7 @@
             <a:fld id="{F9CF9B13-D011-40B4-B116-4AFF51B22AA5}" type="datetime1">
               <a:rPr lang="de-DE" smtClean="0"/>
               <a:pPr/>
-              <a:t>08.10.20</a:t>
+              <a:t>09.02.2021</a:t>
             </a:fld>
             <a:r>
               <a:rPr lang="de-DE"/>
@@ -18283,7 +18283,7 @@
             <a:fld id="{F9CF9B13-D011-40B4-B116-4AFF51B22AA5}" type="datetime1">
               <a:rPr lang="de-DE" smtClean="0"/>
               <a:pPr/>
-              <a:t>08.10.20</a:t>
+              <a:t>09.02.2021</a:t>
             </a:fld>
             <a:r>
               <a:rPr lang="de-DE"/>
@@ -18437,7 +18437,7 @@
             <a:fld id="{F9CF9B13-D011-40B4-B116-4AFF51B22AA5}" type="datetime1">
               <a:rPr lang="de-DE" smtClean="0"/>
               <a:pPr/>
-              <a:t>08.10.20</a:t>
+              <a:t>09.02.2021</a:t>
             </a:fld>
             <a:r>
               <a:rPr lang="de-DE"/>
@@ -18539,7 +18539,7 @@
             <a:fld id="{F9CF9B13-D011-40B4-B116-4AFF51B22AA5}" type="datetime1">
               <a:rPr lang="de-DE" smtClean="0"/>
               <a:pPr/>
-              <a:t>08.10.20</a:t>
+              <a:t>09.02.2021</a:t>
             </a:fld>
             <a:r>
               <a:rPr lang="de-DE"/>
@@ -21164,7 +21164,7 @@
             <a:fld id="{F9CF9B13-D011-40B4-B116-4AFF51B22AA5}" type="datetime1">
               <a:rPr lang="de-DE" smtClean="0"/>
               <a:pPr/>
-              <a:t>08.10.20</a:t>
+              <a:t>09.02.2021</a:t>
             </a:fld>
             <a:r>
               <a:rPr lang="de-DE"/>
@@ -21275,7 +21275,7 @@
             <a:fld id="{F9CF9B13-D011-40B4-B116-4AFF51B22AA5}" type="datetime1">
               <a:rPr lang="de-DE" smtClean="0"/>
               <a:pPr/>
-              <a:t>08.10.20</a:t>
+              <a:t>09.02.2021</a:t>
             </a:fld>
             <a:r>
               <a:rPr lang="de-DE"/>
@@ -21416,7 +21416,7 @@
             <a:fld id="{F9CF9B13-D011-40B4-B116-4AFF51B22AA5}" type="datetime1">
               <a:rPr lang="de-DE" smtClean="0"/>
               <a:pPr/>
-              <a:t>12.10.20</a:t>
+              <a:t>09.02.2021</a:t>
             </a:fld>
             <a:r>
               <a:rPr lang="de-DE"/>
@@ -21563,7 +21563,7 @@
             <a:fld id="{F9CF9B13-D011-40B4-B116-4AFF51B22AA5}" type="datetime1">
               <a:rPr lang="de-DE" smtClean="0"/>
               <a:pPr/>
-              <a:t>12.10.20</a:t>
+              <a:t>09.02.2021</a:t>
             </a:fld>
             <a:r>
               <a:rPr lang="de-DE"/>
@@ -21614,6 +21614,153 @@
           </a:prstGeom>
         </p:spPr>
       </p:pic>
+      <p:sp>
+        <p:nvSpPr>
+          <p:cNvPr id="2" name="Rechteck 1">
+            <a:extLst>
+              <a:ext uri="{FF2B5EF4-FFF2-40B4-BE49-F238E27FC236}">
+                <a16:creationId xmlns:a16="http://schemas.microsoft.com/office/drawing/2014/main" id="{ABFC0FFC-4BF3-4778-B6F3-0FDF2DAC062D}"/>
+              </a:ext>
+            </a:extLst>
+          </p:cNvPr>
+          <p:cNvSpPr/>
+          <p:nvPr/>
+        </p:nvSpPr>
+        <p:spPr>
+          <a:xfrm>
+            <a:off x="4385569" y="2148396"/>
+            <a:ext cx="1873188" cy="221942"/>
+          </a:xfrm>
+          <a:prstGeom prst="rect">
+            <a:avLst/>
+          </a:prstGeom>
+          <a:solidFill>
+            <a:schemeClr val="bg1"/>
+          </a:solidFill>
+          <a:ln>
+            <a:solidFill>
+              <a:schemeClr val="bg1"/>
+            </a:solidFill>
+          </a:ln>
+        </p:spPr>
+        <p:style>
+          <a:lnRef idx="2">
+            <a:schemeClr val="accent1">
+              <a:shade val="50000"/>
+            </a:schemeClr>
+          </a:lnRef>
+          <a:fillRef idx="1">
+            <a:schemeClr val="accent1"/>
+          </a:fillRef>
+          <a:effectRef idx="0">
+            <a:schemeClr val="accent1"/>
+          </a:effectRef>
+          <a:fontRef idx="minor">
+            <a:schemeClr val="lt1"/>
+          </a:fontRef>
+        </p:style>
+        <p:txBody>
+          <a:bodyPr rtlCol="0" anchor="ctr"/>
+          <a:lstStyle/>
+          <a:p>
+            <a:pPr algn="ctr"/>
+            <a:endParaRPr lang="de-DE"/>
+          </a:p>
+        </p:txBody>
+      </p:sp>
+      <p:sp>
+        <p:nvSpPr>
+          <p:cNvPr id="3" name="Rechteck 2">
+            <a:extLst>
+              <a:ext uri="{FF2B5EF4-FFF2-40B4-BE49-F238E27FC236}">
+                <a16:creationId xmlns:a16="http://schemas.microsoft.com/office/drawing/2014/main" id="{CA28BD5A-6D6A-40F6-8FAB-0B12FD7E4610}"/>
+              </a:ext>
+            </a:extLst>
+          </p:cNvPr>
+          <p:cNvSpPr/>
+          <p:nvPr/>
+        </p:nvSpPr>
+        <p:spPr>
+          <a:xfrm>
+            <a:off x="6258757" y="2148396"/>
+            <a:ext cx="133165" cy="221942"/>
+          </a:xfrm>
+          <a:prstGeom prst="rect">
+            <a:avLst/>
+          </a:prstGeom>
+          <a:solidFill>
+            <a:srgbClr val="D9F2F8"/>
+          </a:solidFill>
+          <a:ln>
+            <a:solidFill>
+              <a:srgbClr val="D9F2F8"/>
+            </a:solidFill>
+          </a:ln>
+        </p:spPr>
+        <p:style>
+          <a:lnRef idx="2">
+            <a:schemeClr val="accent1">
+              <a:shade val="50000"/>
+            </a:schemeClr>
+          </a:lnRef>
+          <a:fillRef idx="1">
+            <a:schemeClr val="accent1"/>
+          </a:fillRef>
+          <a:effectRef idx="0">
+            <a:schemeClr val="accent1"/>
+          </a:effectRef>
+          <a:fontRef idx="minor">
+            <a:schemeClr val="lt1"/>
+          </a:fontRef>
+        </p:style>
+        <p:txBody>
+          <a:bodyPr rtlCol="0" anchor="ctr"/>
+          <a:lstStyle/>
+          <a:p>
+            <a:pPr algn="ctr"/>
+            <a:endParaRPr lang="de-DE"/>
+          </a:p>
+        </p:txBody>
+      </p:sp>
+      <p:cxnSp>
+        <p:nvCxnSpPr>
+          <p:cNvPr id="7" name="Gerader Verbinder 6">
+            <a:extLst>
+              <a:ext uri="{FF2B5EF4-FFF2-40B4-BE49-F238E27FC236}">
+                <a16:creationId xmlns:a16="http://schemas.microsoft.com/office/drawing/2014/main" id="{9CEB7865-E8E6-4D75-BB7B-2348C3BB29D9}"/>
+              </a:ext>
+            </a:extLst>
+          </p:cNvPr>
+          <p:cNvCxnSpPr>
+            <a:cxnSpLocks/>
+          </p:cNvCxnSpPr>
+          <p:nvPr/>
+        </p:nvCxnSpPr>
+        <p:spPr>
+          <a:xfrm>
+            <a:off x="2481263" y="2370338"/>
+            <a:ext cx="6272120" cy="0"/>
+          </a:xfrm>
+          <a:prstGeom prst="line">
+            <a:avLst/>
+          </a:prstGeom>
+          <a:ln w="19050"/>
+        </p:spPr>
+        <p:style>
+          <a:lnRef idx="1">
+            <a:schemeClr val="dk1"/>
+          </a:lnRef>
+          <a:fillRef idx="0">
+            <a:schemeClr val="dk1"/>
+          </a:fillRef>
+          <a:effectRef idx="0">
+            <a:schemeClr val="dk1"/>
+          </a:effectRef>
+          <a:fontRef idx="minor">
+            <a:schemeClr val="tx1"/>
+          </a:fontRef>
+        </p:style>
+      </p:cxnSp>
     </p:spTree>
     <p:extLst>
       <p:ext uri="{BB962C8B-B14F-4D97-AF65-F5344CB8AC3E}">
@@ -21780,7 +21927,7 @@
             <a:fld id="{F9CF9B13-D011-40B4-B116-4AFF51B22AA5}" type="datetime1">
               <a:rPr lang="de-DE" smtClean="0"/>
               <a:pPr/>
-              <a:t>08.10.20</a:t>
+              <a:t>09.02.2021</a:t>
             </a:fld>
             <a:r>
               <a:rPr lang="de-DE"/>
@@ -21955,7 +22102,7 @@
             <a:fld id="{F9CF9B13-D011-40B4-B116-4AFF51B22AA5}" type="datetime1">
               <a:rPr lang="de-DE" smtClean="0"/>
               <a:pPr/>
-              <a:t>08.10.20</a:t>
+              <a:t>09.02.2021</a:t>
             </a:fld>
             <a:r>
               <a:rPr lang="de-DE"/>
@@ -22148,7 +22295,7 @@
             <a:fld id="{F9CF9B13-D011-40B4-B116-4AFF51B22AA5}" type="datetime1">
               <a:rPr lang="de-DE" smtClean="0"/>
               <a:pPr/>
-              <a:t>08.10.20</a:t>
+              <a:t>09.02.2021</a:t>
             </a:fld>
             <a:r>
               <a:rPr lang="de-DE"/>
@@ -22767,18 +22914,18 @@
 </file>
 
 <file path=customXml/item1.xml><?xml version="1.0" encoding="utf-8"?>
-<p:properties xmlns:p="http://schemas.microsoft.com/office/2006/metadata/properties" xmlns:xsi="http://www.w3.org/2001/XMLSchema-instance" xmlns:pc="http://schemas.microsoft.com/office/infopath/2007/PartnerControls">
-  <documentManagement/>
-</p:properties>
-</file>
-
-<file path=customXml/item2.xml><?xml version="1.0" encoding="utf-8"?>
 <?mso-contentType ?>
 <FormTemplates xmlns="http://schemas.microsoft.com/sharepoint/v3/contenttype/forms">
   <Display>DocumentLibraryForm</Display>
   <Edit>DocumentLibraryForm</Edit>
   <New>DocumentLibraryForm</New>
 </FormTemplates>
+</file>
+
+<file path=customXml/item2.xml><?xml version="1.0" encoding="utf-8"?>
+<p:properties xmlns:p="http://schemas.microsoft.com/office/2006/metadata/properties" xmlns:xsi="http://www.w3.org/2001/XMLSchema-instance" xmlns:pc="http://schemas.microsoft.com/office/infopath/2007/PartnerControls">
+  <documentManagement/>
+</p:properties>
 </file>
 
 <file path=customXml/item3.xml><?xml version="1.0" encoding="utf-8"?>
@@ -22960,6 +23107,14 @@
 </file>
 
 <file path=customXml/itemProps1.xml><?xml version="1.0" encoding="utf-8"?>
+<ds:datastoreItem xmlns:ds="http://schemas.openxmlformats.org/officeDocument/2006/customXml" ds:itemID="{13D6CB1D-6628-4D5C-8ECC-C7DF45EC7E07}">
+  <ds:schemaRefs>
+    <ds:schemaRef ds:uri="http://schemas.microsoft.com/sharepoint/v3/contenttype/forms"/>
+  </ds:schemaRefs>
+</ds:datastoreItem>
+</file>
+
+<file path=customXml/itemProps2.xml><?xml version="1.0" encoding="utf-8"?>
 <ds:datastoreItem xmlns:ds="http://schemas.openxmlformats.org/officeDocument/2006/customXml" ds:itemID="{5AF2D8DD-AF33-4A08-A2E3-2004F6A6957D}">
   <ds:schemaRefs>
     <ds:schemaRef ds:uri="http://www.w3.org/XML/1998/namespace"/>
@@ -22972,14 +23127,6 @@
     <ds:schemaRef ds:uri="http://schemas.microsoft.com/office/2006/metadata/properties"/>
     <ds:schemaRef ds:uri="http://purl.org/dc/terms/"/>
     <ds:schemaRef ds:uri="http://schemas.openxmlformats.org/package/2006/metadata/core-properties"/>
-  </ds:schemaRefs>
-</ds:datastoreItem>
-</file>
-
-<file path=customXml/itemProps2.xml><?xml version="1.0" encoding="utf-8"?>
-<ds:datastoreItem xmlns:ds="http://schemas.openxmlformats.org/officeDocument/2006/customXml" ds:itemID="{13D6CB1D-6628-4D5C-8ECC-C7DF45EC7E07}">
-  <ds:schemaRefs>
-    <ds:schemaRef ds:uri="http://schemas.microsoft.com/sharepoint/v3/contenttype/forms"/>
   </ds:schemaRefs>
 </ds:datastoreItem>
 </file>

--- a/posdealers/presentations/tech/media/posdealer-tech-rollout.pptx
+++ b/posdealers/presentations/tech/media/posdealer-tech-rollout.pptx
@@ -5,7 +5,7 @@
     <p:sldMasterId id="2147483648" r:id="rId4"/>
   </p:sldMasterIdLst>
   <p:notesMasterIdLst>
-    <p:notesMasterId r:id="rId29"/>
+    <p:notesMasterId r:id="rId17"/>
   </p:notesMasterIdLst>
   <p:sldIdLst>
     <p:sldId id="271" r:id="rId5"/>
@@ -16,22 +16,10 @@
     <p:sldId id="310" r:id="rId10"/>
     <p:sldId id="293" r:id="rId11"/>
     <p:sldId id="294" r:id="rId12"/>
-    <p:sldId id="295" r:id="rId13"/>
-    <p:sldId id="296" r:id="rId14"/>
-    <p:sldId id="297" r:id="rId15"/>
-    <p:sldId id="298" r:id="rId16"/>
-    <p:sldId id="299" r:id="rId17"/>
-    <p:sldId id="300" r:id="rId18"/>
-    <p:sldId id="301" r:id="rId19"/>
-    <p:sldId id="302" r:id="rId20"/>
-    <p:sldId id="303" r:id="rId21"/>
-    <p:sldId id="304" r:id="rId22"/>
-    <p:sldId id="305" r:id="rId23"/>
-    <p:sldId id="306" r:id="rId24"/>
-    <p:sldId id="307" r:id="rId25"/>
-    <p:sldId id="308" r:id="rId26"/>
-    <p:sldId id="309" r:id="rId27"/>
-    <p:sldId id="288" r:id="rId28"/>
+    <p:sldId id="308" r:id="rId13"/>
+    <p:sldId id="295" r:id="rId14"/>
+    <p:sldId id="309" r:id="rId15"/>
+    <p:sldId id="288" r:id="rId16"/>
   </p:sldIdLst>
   <p:sldSz cx="12192000" cy="6858000"/>
   <p:notesSz cx="6858000" cy="9144000"/>
@@ -6513,7 +6501,7 @@
               <a:latin typeface="Roboto" panose="02000000000000000000" pitchFamily="2" charset="0"/>
               <a:ea typeface="Roboto" panose="02000000000000000000" pitchFamily="2" charset="0"/>
             </a:rPr>
-            <a:t>Einladungs-E-Mail</a:t>
+            <a:t>Zugriffsrechte vorkonfigurieren (Surrogate)</a:t>
           </a:r>
         </a:p>
       </dgm:t>
@@ -6681,7 +6669,7 @@
               <a:latin typeface="Roboto" panose="02000000000000000000" pitchFamily="2" charset="0"/>
               <a:ea typeface="Roboto" panose="02000000000000000000" pitchFamily="2" charset="0"/>
             </a:rPr>
-            <a:t>Anfordern von Zugriffsrechten (Surrogation)</a:t>
+            <a:t>Surrogate = Zugriff auf das Betreiberkonto für den Rollout und für den Support </a:t>
           </a:r>
         </a:p>
       </dgm:t>
@@ -6783,6 +6771,45 @@
         <a:lstStyle/>
         <a:p>
           <a:endParaRPr lang="en-DE"/>
+        </a:p>
+      </dgm:t>
+    </dgm:pt>
+    <dgm:pt modelId="{2DB2FE62-004D-5B48-8041-186B54F131BB}">
+      <dgm:prSet phldrT="[Text]"/>
+      <dgm:spPr/>
+      <dgm:t>
+        <a:bodyPr/>
+        <a:lstStyle/>
+        <a:p>
+          <a:r>
+            <a:rPr lang="de-DE" dirty="0">
+              <a:latin typeface="Roboto" panose="02000000000000000000" pitchFamily="2" charset="0"/>
+              <a:ea typeface="Roboto" panose="02000000000000000000" pitchFamily="2" charset="0"/>
+            </a:rPr>
+            <a:t>Einladungs-E-Mail</a:t>
+          </a:r>
+        </a:p>
+      </dgm:t>
+    </dgm:pt>
+    <dgm:pt modelId="{A7840466-EE9F-5E49-802A-FA4596A9EBA3}" type="parTrans" cxnId="{64AD8B68-EA5C-1541-89B7-DEF922376EC6}">
+      <dgm:prSet/>
+      <dgm:spPr/>
+      <dgm:t>
+        <a:bodyPr/>
+        <a:lstStyle/>
+        <a:p>
+          <a:endParaRPr lang="en-GB"/>
+        </a:p>
+      </dgm:t>
+    </dgm:pt>
+    <dgm:pt modelId="{892A29A1-08E0-8E48-BDDF-1762CE664469}" type="sibTrans" cxnId="{64AD8B68-EA5C-1541-89B7-DEF922376EC6}">
+      <dgm:prSet/>
+      <dgm:spPr/>
+      <dgm:t>
+        <a:bodyPr/>
+        <a:lstStyle/>
+        <a:p>
+          <a:endParaRPr lang="en-GB"/>
         </a:p>
       </dgm:t>
     </dgm:pt>
@@ -6933,10 +6960,13 @@
     <dgm:cxn modelId="{31D2DC0D-C645-4A8F-BD2D-791BA058829D}" type="presOf" srcId="{1D659693-0E7A-4638-9B8A-23A860592A72}" destId="{67EE90C8-39C2-4B24-A6E2-73ED47BE406D}" srcOrd="0" destOrd="0" presId="urn:microsoft.com/office/officeart/2005/8/layout/hProcess4"/>
     <dgm:cxn modelId="{5D331F0E-96E0-4ED9-B4BD-7AE6B5393A2E}" type="presOf" srcId="{939A1577-2324-43EB-B7C5-B0BEC8FE22DE}" destId="{DD0A6EF8-9419-4735-9241-1BAB89D1DEB0}" srcOrd="0" destOrd="0" presId="urn:microsoft.com/office/officeart/2005/8/layout/hProcess4"/>
     <dgm:cxn modelId="{9F266C11-4F12-4715-BFC3-C05D1FFA9EBB}" type="presOf" srcId="{A4305718-53E2-4A7F-804A-6F3B3A68EDA1}" destId="{188C989C-C17C-4448-9807-3BC6ED139629}" srcOrd="1" destOrd="1" presId="urn:microsoft.com/office/officeart/2005/8/layout/hProcess4"/>
+    <dgm:cxn modelId="{633D9826-CC5B-4140-B5C4-FA4FDFB90F8C}" type="presOf" srcId="{2DB2FE62-004D-5B48-8041-186B54F131BB}" destId="{4BA1B2B1-C1B8-47F2-8C0E-ADA73BC9C811}" srcOrd="1" destOrd="2" presId="urn:microsoft.com/office/officeart/2005/8/layout/hProcess4"/>
     <dgm:cxn modelId="{CF1A5B2B-6757-4E79-8DEE-189266BA7C37}" type="presOf" srcId="{15D92C2D-5742-4574-B3E7-79598663529D}" destId="{FDF54E9C-0750-422B-BCCE-276BE25C71B1}" srcOrd="0" destOrd="0" presId="urn:microsoft.com/office/officeart/2005/8/layout/hProcess4"/>
     <dgm:cxn modelId="{50D9952B-0DAF-4F69-90DE-629AD4575039}" type="presOf" srcId="{626115E6-AD47-4869-966A-CE8E61220F0A}" destId="{4BA1B2B1-C1B8-47F2-8C0E-ADA73BC9C811}" srcOrd="1" destOrd="0" presId="urn:microsoft.com/office/officeart/2005/8/layout/hProcess4"/>
     <dgm:cxn modelId="{E4B85944-C4C9-475A-A222-B3E54630BC40}" type="presOf" srcId="{D690E6B1-ED93-4978-AC10-25C06B709E1D}" destId="{4BA1B2B1-C1B8-47F2-8C0E-ADA73BC9C811}" srcOrd="1" destOrd="1" presId="urn:microsoft.com/office/officeart/2005/8/layout/hProcess4"/>
     <dgm:cxn modelId="{D90BB746-0804-4898-BF96-356E2B873EAA}" srcId="{F0F6B17E-9533-4727-B3CC-A6D0466AC596}" destId="{939A1577-2324-43EB-B7C5-B0BEC8FE22DE}" srcOrd="2" destOrd="0" parTransId="{54852552-1083-4F9C-9B1F-503522ABD84C}" sibTransId="{5D2CC7DE-FDA6-4D6E-A5F3-358AE7439C44}"/>
+    <dgm:cxn modelId="{353B5355-8A24-BD4B-8992-6160B394A1BC}" type="presOf" srcId="{2DB2FE62-004D-5B48-8041-186B54F131BB}" destId="{B02BE0EB-C330-4F32-8D7C-9CA39266E853}" srcOrd="0" destOrd="2" presId="urn:microsoft.com/office/officeart/2005/8/layout/hProcess4"/>
+    <dgm:cxn modelId="{64AD8B68-EA5C-1541-89B7-DEF922376EC6}" srcId="{A127E4B3-65AD-4248-95B2-95D5289D7EA9}" destId="{2DB2FE62-004D-5B48-8041-186B54F131BB}" srcOrd="2" destOrd="0" parTransId="{A7840466-EE9F-5E49-802A-FA4596A9EBA3}" sibTransId="{892A29A1-08E0-8E48-BDDF-1762CE664469}"/>
     <dgm:cxn modelId="{7AF1A46B-8C9C-49F7-A8C3-D781ADC1DF61}" srcId="{939A1577-2324-43EB-B7C5-B0BEC8FE22DE}" destId="{EAAEEAC4-C2C6-4028-807F-BC6BBE918253}" srcOrd="0" destOrd="0" parTransId="{292A3486-B733-4327-90E8-F23FDDCC573D}" sibTransId="{161BD47E-7386-4BB1-8A0E-FA4BBD79F0B5}"/>
     <dgm:cxn modelId="{AC0A3E75-DFB3-48EF-9626-AFA919C3ACD5}" type="presOf" srcId="{15D92C2D-5742-4574-B3E7-79598663529D}" destId="{188C989C-C17C-4448-9807-3BC6ED139629}" srcOrd="1" destOrd="0" presId="urn:microsoft.com/office/officeart/2005/8/layout/hProcess4"/>
     <dgm:cxn modelId="{011F547E-6C54-49FB-AD63-F6A700C9F57B}" srcId="{A127E4B3-65AD-4248-95B2-95D5289D7EA9}" destId="{626115E6-AD47-4869-966A-CE8E61220F0A}" srcOrd="0" destOrd="0" parTransId="{3403EA9F-FE87-4C1D-9769-729877F19A03}" sibTransId="{BF0B59F1-50F3-42AA-B12F-CBB0F79E4BC3}"/>
@@ -7049,12 +7079,12 @@
         <a:fontRef idx="minor"/>
       </dsp:style>
       <dsp:txBody>
-        <a:bodyPr spcFirstLastPara="0" vert="horz" wrap="square" lIns="28575" tIns="28575" rIns="28575" bIns="28575" numCol="1" spcCol="1270" anchor="t" anchorCtr="0">
+        <a:bodyPr spcFirstLastPara="0" vert="horz" wrap="square" lIns="26670" tIns="26670" rIns="26670" bIns="26670" numCol="1" spcCol="1270" anchor="t" anchorCtr="0">
           <a:noAutofit/>
         </a:bodyPr>
         <a:lstStyle/>
         <a:p>
-          <a:pPr marL="114300" lvl="1" indent="-114300" algn="l" defTabSz="666750">
+          <a:pPr marL="114300" lvl="1" indent="-114300" algn="l" defTabSz="622300">
             <a:lnSpc>
               <a:spcPct val="90000"/>
             </a:lnSpc>
@@ -7067,7 +7097,7 @@
             <a:buChar char="•"/>
           </a:pPr>
           <a:r>
-            <a:rPr lang="de-DE" sz="1500" kern="1200" dirty="0">
+            <a:rPr lang="de-DE" sz="1400" kern="1200" dirty="0">
               <a:latin typeface="Roboto" panose="02000000000000000000" pitchFamily="2" charset="0"/>
               <a:ea typeface="Roboto" panose="02000000000000000000" pitchFamily="2" charset="0"/>
             </a:rPr>
@@ -7075,7 +7105,7 @@
           </a:r>
         </a:p>
         <a:p>
-          <a:pPr marL="114300" lvl="1" indent="-114300" algn="l" defTabSz="666750">
+          <a:pPr marL="114300" lvl="1" indent="-114300" algn="l" defTabSz="622300">
             <a:lnSpc>
               <a:spcPct val="90000"/>
             </a:lnSpc>
@@ -7088,7 +7118,28 @@
             <a:buChar char="•"/>
           </a:pPr>
           <a:r>
-            <a:rPr lang="de-DE" sz="1500" kern="1200" dirty="0">
+            <a:rPr lang="de-DE" sz="1400" kern="1200" dirty="0">
+              <a:latin typeface="Roboto" panose="02000000000000000000" pitchFamily="2" charset="0"/>
+              <a:ea typeface="Roboto" panose="02000000000000000000" pitchFamily="2" charset="0"/>
+            </a:rPr>
+            <a:t>Zugriffsrechte vorkonfigurieren (Surrogate)</a:t>
+          </a:r>
+        </a:p>
+        <a:p>
+          <a:pPr marL="114300" lvl="1" indent="-114300" algn="l" defTabSz="622300">
+            <a:lnSpc>
+              <a:spcPct val="90000"/>
+            </a:lnSpc>
+            <a:spcBef>
+              <a:spcPct val="0"/>
+            </a:spcBef>
+            <a:spcAft>
+              <a:spcPct val="15000"/>
+            </a:spcAft>
+            <a:buChar char="•"/>
+          </a:pPr>
+          <a:r>
+            <a:rPr lang="de-DE" sz="1400" kern="1200" dirty="0">
               <a:latin typeface="Roboto" panose="02000000000000000000" pitchFamily="2" charset="0"/>
               <a:ea typeface="Roboto" panose="02000000000000000000" pitchFamily="2" charset="0"/>
             </a:rPr>
@@ -7272,12 +7323,12 @@
         <a:fontRef idx="minor"/>
       </dsp:style>
       <dsp:txBody>
-        <a:bodyPr spcFirstLastPara="0" vert="horz" wrap="square" lIns="28575" tIns="28575" rIns="28575" bIns="28575" numCol="1" spcCol="1270" anchor="t" anchorCtr="0">
+        <a:bodyPr spcFirstLastPara="0" vert="horz" wrap="square" lIns="26670" tIns="26670" rIns="26670" bIns="26670" numCol="1" spcCol="1270" anchor="t" anchorCtr="0">
           <a:noAutofit/>
         </a:bodyPr>
         <a:lstStyle/>
         <a:p>
-          <a:pPr marL="114300" lvl="1" indent="-114300" algn="l" defTabSz="666750">
+          <a:pPr marL="114300" lvl="1" indent="-114300" algn="l" defTabSz="622300">
             <a:lnSpc>
               <a:spcPct val="90000"/>
             </a:lnSpc>
@@ -7290,7 +7341,7 @@
             <a:buChar char="•"/>
           </a:pPr>
           <a:r>
-            <a:rPr lang="de-DE" sz="1500" kern="1200" dirty="0">
+            <a:rPr lang="de-DE" sz="1400" kern="1200" dirty="0">
               <a:latin typeface="Roboto" panose="02000000000000000000" pitchFamily="2" charset="0"/>
               <a:ea typeface="Roboto" panose="02000000000000000000" pitchFamily="2" charset="0"/>
             </a:rPr>
@@ -7298,7 +7349,7 @@
           </a:r>
         </a:p>
         <a:p>
-          <a:pPr marL="114300" lvl="1" indent="-114300" algn="l" defTabSz="666750">
+          <a:pPr marL="114300" lvl="1" indent="-114300" algn="l" defTabSz="622300">
             <a:lnSpc>
               <a:spcPct val="90000"/>
             </a:lnSpc>
@@ -7311,7 +7362,7 @@
             <a:buChar char="•"/>
           </a:pPr>
           <a:r>
-            <a:rPr lang="de-DE" sz="1500" kern="1200" dirty="0">
+            <a:rPr lang="de-DE" sz="1400" kern="1200" dirty="0">
               <a:latin typeface="Roboto" panose="02000000000000000000" pitchFamily="2" charset="0"/>
               <a:ea typeface="Roboto" panose="02000000000000000000" pitchFamily="2" charset="0"/>
             </a:rPr>
@@ -7319,7 +7370,7 @@
           </a:r>
         </a:p>
         <a:p>
-          <a:pPr marL="114300" lvl="1" indent="-114300" algn="l" defTabSz="666750">
+          <a:pPr marL="114300" lvl="1" indent="-114300" algn="l" defTabSz="622300">
             <a:lnSpc>
               <a:spcPct val="90000"/>
             </a:lnSpc>
@@ -7332,7 +7383,7 @@
             <a:buChar char="•"/>
           </a:pPr>
           <a:r>
-            <a:rPr lang="de-DE" sz="1500" kern="1200" dirty="0">
+            <a:rPr lang="de-DE" sz="1400" kern="1200" dirty="0">
               <a:latin typeface="Roboto" panose="02000000000000000000" pitchFamily="2" charset="0"/>
               <a:ea typeface="Roboto" panose="02000000000000000000" pitchFamily="2" charset="0"/>
             </a:rPr>
@@ -7516,12 +7567,12 @@
         <a:fontRef idx="minor"/>
       </dsp:style>
       <dsp:txBody>
-        <a:bodyPr spcFirstLastPara="0" vert="horz" wrap="square" lIns="28575" tIns="28575" rIns="28575" bIns="28575" numCol="1" spcCol="1270" anchor="t" anchorCtr="0">
+        <a:bodyPr spcFirstLastPara="0" vert="horz" wrap="square" lIns="26670" tIns="26670" rIns="26670" bIns="26670" numCol="1" spcCol="1270" anchor="t" anchorCtr="0">
           <a:noAutofit/>
         </a:bodyPr>
         <a:lstStyle/>
         <a:p>
-          <a:pPr marL="114300" lvl="1" indent="-114300" algn="l" defTabSz="666750">
+          <a:pPr marL="114300" lvl="1" indent="-114300" algn="l" defTabSz="622300">
             <a:lnSpc>
               <a:spcPct val="90000"/>
             </a:lnSpc>
@@ -7534,11 +7585,11 @@
             <a:buChar char="•"/>
           </a:pPr>
           <a:r>
-            <a:rPr lang="de-DE" sz="1500" kern="1200" dirty="0">
+            <a:rPr lang="de-DE" sz="1400" kern="1200" dirty="0">
               <a:latin typeface="Roboto" panose="02000000000000000000" pitchFamily="2" charset="0"/>
               <a:ea typeface="Roboto" panose="02000000000000000000" pitchFamily="2" charset="0"/>
             </a:rPr>
-            <a:t>Anfordern von Zugriffsrechten (Surrogation)</a:t>
+            <a:t>Surrogate = Zugriff auf das Betreiberkonto für den Rollout und für den Support </a:t>
           </a:r>
         </a:p>
       </dsp:txBody>
@@ -9289,7 +9340,7 @@
           <a:p>
             <a:fld id="{878DCA2D-ADC9-4D7A-A916-9A90AC8F3FDD}" type="datetimeFigureOut">
               <a:rPr lang="de-DE" smtClean="0"/>
-              <a:t>09.02.2021</a:t>
+              <a:t>25.05.21</a:t>
             </a:fld>
             <a:endParaRPr lang="de-DE"/>
           </a:p>
@@ -9447,7 +9498,7 @@
           <a:p>
             <a:fld id="{87FB5468-8034-4A81-91AF-9E789D7C7320}" type="slidenum">
               <a:rPr lang="de-DE" smtClean="0"/>
-              <a:t>‹Nr.›</a:t>
+              <a:t>‹#›</a:t>
             </a:fld>
             <a:endParaRPr lang="de-DE"/>
           </a:p>
@@ -9690,24 +9741,60 @@
           <a:p>
             <a:r>
               <a:rPr lang="de-DE" dirty="0"/>
-              <a:t>Update des SQL Package auf Version 1.3.5 für aller Cashboxen die aktuell mit der Version 1.3.3 konfiguriert sind + </a:t>
+              <a:t>Für Massenrollouts bietet fiskaltrust diverse Automatisierungsoptionen. Wir werden im Folgenden die aufgelisteten Punkte vorstellen.</a:t>
+            </a:r>
+          </a:p>
+          <a:p>
+            <a:endParaRPr lang="de-DE" dirty="0"/>
+          </a:p>
+          <a:p>
+            <a:r>
+              <a:rPr lang="de-DE" dirty="0"/>
+              <a:t>Für die weiteren Inhalte zur Präsentation der Automatisierung wird als Vorlage folgende Dokumentation verwendet:</a:t>
+            </a:r>
+          </a:p>
+          <a:p>
+            <a:r>
+              <a:rPr lang="de-DE" dirty="0"/>
+              <a:t>https://</a:t>
             </a:r>
             <a:r>
               <a:rPr lang="de-DE" dirty="0" err="1"/>
-              <a:t>Rebuild</a:t>
+              <a:t>docs.fiskaltrust.cloud</a:t>
             </a:r>
             <a:r>
               <a:rPr lang="de-DE" dirty="0"/>
-              <a:t> </a:t>
+              <a:t>/de/</a:t>
             </a:r>
             <a:r>
               <a:rPr lang="de-DE" dirty="0" err="1"/>
-              <a:t>Configuration</a:t>
+              <a:t>docs</a:t>
             </a:r>
             <a:r>
               <a:rPr lang="de-DE" dirty="0"/>
-              <a:t> </a:t>
-            </a:r>
+              <a:t>/</a:t>
+            </a:r>
+            <a:r>
+              <a:rPr lang="de-DE" dirty="0" err="1"/>
+              <a:t>posdealers</a:t>
+            </a:r>
+            <a:r>
+              <a:rPr lang="de-DE" dirty="0"/>
+              <a:t>/rollout-</a:t>
+            </a:r>
+            <a:r>
+              <a:rPr lang="de-DE" dirty="0" err="1"/>
+              <a:t>doc</a:t>
+            </a:r>
+            <a:r>
+              <a:rPr lang="de-DE" dirty="0"/>
+              <a:t>/</a:t>
+            </a:r>
+            <a:r>
+              <a:rPr lang="de-DE" dirty="0" err="1"/>
+              <a:t>middleware#automatisierung-des-rollout</a:t>
+            </a:r>
+            <a:endParaRPr lang="de-DE" dirty="0"/>
           </a:p>
         </p:txBody>
       </p:sp>
@@ -9737,7 +9824,7 @@
     </p:spTree>
     <p:extLst>
       <p:ext uri="{BB962C8B-B14F-4D97-AF65-F5344CB8AC3E}">
-        <p14:creationId xmlns:p14="http://schemas.microsoft.com/office/powerpoint/2010/main" val="3864017454"/>
+        <p14:creationId xmlns:p14="http://schemas.microsoft.com/office/powerpoint/2010/main" val="4271929920"/>
       </p:ext>
     </p:extLst>
   </p:cSld>
@@ -9793,12 +9880,6 @@
           <a:p>
             <a:r>
               <a:rPr lang="de-DE" dirty="0"/>
-              <a:t>Vorführung Anhand:</a:t>
-            </a:r>
-          </a:p>
-          <a:p>
-            <a:r>
-              <a:rPr lang="de-DE" dirty="0"/>
               <a:t>https://</a:t>
             </a:r>
             <a:r>
@@ -9807,11 +9888,11 @@
             </a:r>
             <a:r>
               <a:rPr lang="de-DE" dirty="0"/>
-              <a:t>/</a:t>
+              <a:t>/de/</a:t>
             </a:r>
             <a:r>
               <a:rPr lang="de-DE" dirty="0" err="1"/>
-              <a:t>doc</a:t>
+              <a:t>docs</a:t>
             </a:r>
             <a:r>
               <a:rPr lang="de-DE" dirty="0"/>
@@ -9819,15 +9900,7 @@
             </a:r>
             <a:r>
               <a:rPr lang="de-DE" dirty="0" err="1"/>
-              <a:t>productdescription</a:t>
-            </a:r>
-            <a:r>
-              <a:rPr lang="de-DE" dirty="0"/>
-              <a:t>-de-</a:t>
-            </a:r>
-            <a:r>
-              <a:rPr lang="de-DE" dirty="0" err="1"/>
-              <a:t>doc</a:t>
+              <a:t>posdealers</a:t>
             </a:r>
             <a:r>
               <a:rPr lang="de-DE" dirty="0"/>
@@ -9835,17 +9908,12 @@
             </a:r>
             <a:r>
               <a:rPr lang="de-DE" dirty="0" err="1"/>
-              <a:t>for-posdealers</a:t>
+              <a:t>get</a:t>
             </a:r>
             <a:r>
               <a:rPr lang="de-DE" dirty="0"/>
-              <a:t>/02-pre-sales/automatisierter-</a:t>
-            </a:r>
-            <a:r>
-              <a:rPr lang="de-DE" dirty="0" err="1"/>
-              <a:t>rollout.html</a:t>
-            </a:r>
-            <a:endParaRPr lang="de-DE" dirty="0"/>
+              <a:t>-started</a:t>
+            </a:r>
           </a:p>
         </p:txBody>
       </p:sp>
@@ -9875,7 +9943,7 @@
     </p:spTree>
     <p:extLst>
       <p:ext uri="{BB962C8B-B14F-4D97-AF65-F5344CB8AC3E}">
-        <p14:creationId xmlns:p14="http://schemas.microsoft.com/office/powerpoint/2010/main" val="555986351"/>
+        <p14:creationId xmlns:p14="http://schemas.microsoft.com/office/powerpoint/2010/main" val="453208936"/>
       </p:ext>
     </p:extLst>
   </p:cSld>
@@ -9929,61 +9997,7 @@
           <a:bodyPr/>
           <a:lstStyle/>
           <a:p>
-            <a:r>
-              <a:rPr lang="de-DE" dirty="0"/>
-              <a:t>Vorführung Anhand:</a:t>
-            </a:r>
-          </a:p>
-          <a:p>
-            <a:r>
-              <a:rPr lang="de-DE" dirty="0"/>
-              <a:t>https://</a:t>
-            </a:r>
-            <a:r>
-              <a:rPr lang="de-DE" dirty="0" err="1"/>
-              <a:t>docs.fiskaltrust.cloud</a:t>
-            </a:r>
-            <a:r>
-              <a:rPr lang="de-DE" dirty="0"/>
-              <a:t>/</a:t>
-            </a:r>
-            <a:r>
-              <a:rPr lang="de-DE" dirty="0" err="1"/>
-              <a:t>doc</a:t>
-            </a:r>
-            <a:r>
-              <a:rPr lang="de-DE" dirty="0"/>
-              <a:t>/</a:t>
-            </a:r>
-            <a:r>
-              <a:rPr lang="de-DE" dirty="0" err="1"/>
-              <a:t>productdescription</a:t>
-            </a:r>
-            <a:r>
-              <a:rPr lang="de-DE" dirty="0"/>
-              <a:t>-de-</a:t>
-            </a:r>
-            <a:r>
-              <a:rPr lang="de-DE" dirty="0" err="1"/>
-              <a:t>doc</a:t>
-            </a:r>
-            <a:r>
-              <a:rPr lang="de-DE" dirty="0"/>
-              <a:t>/</a:t>
-            </a:r>
-            <a:r>
-              <a:rPr lang="de-DE" dirty="0" err="1"/>
-              <a:t>for-posdealers</a:t>
-            </a:r>
-            <a:r>
-              <a:rPr lang="de-DE" dirty="0"/>
-              <a:t>/02-pre-sales/automatisierter-</a:t>
-            </a:r>
-            <a:r>
-              <a:rPr lang="de-DE" dirty="0" err="1"/>
-              <a:t>rollout.html</a:t>
-            </a:r>
-            <a:endParaRPr lang="de-DE" dirty="0"/>
+            <a:endParaRPr lang="en-US" dirty="0"/>
           </a:p>
         </p:txBody>
       </p:sp>
@@ -10013,990 +10027,7 @@
     </p:spTree>
     <p:extLst>
       <p:ext uri="{BB962C8B-B14F-4D97-AF65-F5344CB8AC3E}">
-        <p14:creationId xmlns:p14="http://schemas.microsoft.com/office/powerpoint/2010/main" val="937297756"/>
-      </p:ext>
-    </p:extLst>
-  </p:cSld>
-  <p:clrMapOvr>
-    <a:masterClrMapping/>
-  </p:clrMapOvr>
-</p:notes>
-</file>
-
-<file path=ppt/notesSlides/notesSlide13.xml><?xml version="1.0" encoding="utf-8"?>
-<p:notes xmlns:a="http://schemas.openxmlformats.org/drawingml/2006/main" xmlns:r="http://schemas.openxmlformats.org/officeDocument/2006/relationships" xmlns:p="http://schemas.openxmlformats.org/presentationml/2006/main">
-  <p:cSld>
-    <p:spTree>
-      <p:nvGrpSpPr>
-        <p:cNvPr id="1" name=""/>
-        <p:cNvGrpSpPr/>
-        <p:nvPr/>
-      </p:nvGrpSpPr>
-      <p:grpSpPr>
-        <a:xfrm>
-          <a:off x="0" y="0"/>
-          <a:ext cx="0" cy="0"/>
-          <a:chOff x="0" y="0"/>
-          <a:chExt cx="0" cy="0"/>
-        </a:xfrm>
-      </p:grpSpPr>
-      <p:sp>
-        <p:nvSpPr>
-          <p:cNvPr id="2" name="Slide Image Placeholder 1"/>
-          <p:cNvSpPr>
-            <a:spLocks noGrp="1" noRot="1" noChangeAspect="1"/>
-          </p:cNvSpPr>
-          <p:nvPr>
-            <p:ph type="sldImg"/>
-          </p:nvPr>
-        </p:nvSpPr>
-        <p:spPr/>
-      </p:sp>
-      <p:sp>
-        <p:nvSpPr>
-          <p:cNvPr id="3" name="Notes Placeholder 2"/>
-          <p:cNvSpPr>
-            <a:spLocks noGrp="1"/>
-          </p:cNvSpPr>
-          <p:nvPr>
-            <p:ph type="body" idx="1"/>
-          </p:nvPr>
-        </p:nvSpPr>
-        <p:spPr/>
-        <p:txBody>
-          <a:bodyPr/>
-          <a:lstStyle/>
-          <a:p>
-            <a:r>
-              <a:rPr lang="de-DE" dirty="0"/>
-              <a:t>Vorführung Anhand:</a:t>
-            </a:r>
-          </a:p>
-          <a:p>
-            <a:r>
-              <a:rPr lang="de-DE" dirty="0"/>
-              <a:t>https://</a:t>
-            </a:r>
-            <a:r>
-              <a:rPr lang="de-DE" dirty="0" err="1"/>
-              <a:t>docs.fiskaltrust.cloud</a:t>
-            </a:r>
-            <a:r>
-              <a:rPr lang="de-DE" dirty="0"/>
-              <a:t>/</a:t>
-            </a:r>
-            <a:r>
-              <a:rPr lang="de-DE" dirty="0" err="1"/>
-              <a:t>doc</a:t>
-            </a:r>
-            <a:r>
-              <a:rPr lang="de-DE" dirty="0"/>
-              <a:t>/</a:t>
-            </a:r>
-            <a:r>
-              <a:rPr lang="de-DE" dirty="0" err="1"/>
-              <a:t>productdescription</a:t>
-            </a:r>
-            <a:r>
-              <a:rPr lang="de-DE" dirty="0"/>
-              <a:t>-de-</a:t>
-            </a:r>
-            <a:r>
-              <a:rPr lang="de-DE" dirty="0" err="1"/>
-              <a:t>doc</a:t>
-            </a:r>
-            <a:r>
-              <a:rPr lang="de-DE" dirty="0"/>
-              <a:t>/</a:t>
-            </a:r>
-            <a:r>
-              <a:rPr lang="de-DE" dirty="0" err="1"/>
-              <a:t>for-posdealers</a:t>
-            </a:r>
-            <a:r>
-              <a:rPr lang="de-DE" dirty="0"/>
-              <a:t>/02-pre-sales/automatisierter-</a:t>
-            </a:r>
-            <a:r>
-              <a:rPr lang="de-DE" dirty="0" err="1"/>
-              <a:t>rollout.html</a:t>
-            </a:r>
-            <a:endParaRPr lang="de-DE" dirty="0"/>
-          </a:p>
-        </p:txBody>
-      </p:sp>
-      <p:sp>
-        <p:nvSpPr>
-          <p:cNvPr id="4" name="Slide Number Placeholder 3"/>
-          <p:cNvSpPr>
-            <a:spLocks noGrp="1"/>
-          </p:cNvSpPr>
-          <p:nvPr>
-            <p:ph type="sldNum" sz="quarter" idx="5"/>
-          </p:nvPr>
-        </p:nvSpPr>
-        <p:spPr/>
-        <p:txBody>
-          <a:bodyPr/>
-          <a:lstStyle/>
-          <a:p>
-            <a:fld id="{87FB5468-8034-4A81-91AF-9E789D7C7320}" type="slidenum">
-              <a:rPr lang="de-DE" smtClean="0"/>
-              <a:t>13</a:t>
-            </a:fld>
-            <a:endParaRPr lang="de-DE"/>
-          </a:p>
-        </p:txBody>
-      </p:sp>
-    </p:spTree>
-    <p:extLst>
-      <p:ext uri="{BB962C8B-B14F-4D97-AF65-F5344CB8AC3E}">
-        <p14:creationId xmlns:p14="http://schemas.microsoft.com/office/powerpoint/2010/main" val="708752320"/>
-      </p:ext>
-    </p:extLst>
-  </p:cSld>
-  <p:clrMapOvr>
-    <a:masterClrMapping/>
-  </p:clrMapOvr>
-</p:notes>
-</file>
-
-<file path=ppt/notesSlides/notesSlide14.xml><?xml version="1.0" encoding="utf-8"?>
-<p:notes xmlns:a="http://schemas.openxmlformats.org/drawingml/2006/main" xmlns:r="http://schemas.openxmlformats.org/officeDocument/2006/relationships" xmlns:p="http://schemas.openxmlformats.org/presentationml/2006/main">
-  <p:cSld>
-    <p:spTree>
-      <p:nvGrpSpPr>
-        <p:cNvPr id="1" name=""/>
-        <p:cNvGrpSpPr/>
-        <p:nvPr/>
-      </p:nvGrpSpPr>
-      <p:grpSpPr>
-        <a:xfrm>
-          <a:off x="0" y="0"/>
-          <a:ext cx="0" cy="0"/>
-          <a:chOff x="0" y="0"/>
-          <a:chExt cx="0" cy="0"/>
-        </a:xfrm>
-      </p:grpSpPr>
-      <p:sp>
-        <p:nvSpPr>
-          <p:cNvPr id="2" name="Slide Image Placeholder 1"/>
-          <p:cNvSpPr>
-            <a:spLocks noGrp="1" noRot="1" noChangeAspect="1"/>
-          </p:cNvSpPr>
-          <p:nvPr>
-            <p:ph type="sldImg"/>
-          </p:nvPr>
-        </p:nvSpPr>
-        <p:spPr/>
-      </p:sp>
-      <p:sp>
-        <p:nvSpPr>
-          <p:cNvPr id="3" name="Notes Placeholder 2"/>
-          <p:cNvSpPr>
-            <a:spLocks noGrp="1"/>
-          </p:cNvSpPr>
-          <p:nvPr>
-            <p:ph type="body" idx="1"/>
-          </p:nvPr>
-        </p:nvSpPr>
-        <p:spPr/>
-        <p:txBody>
-          <a:bodyPr/>
-          <a:lstStyle/>
-          <a:p>
-            <a:r>
-              <a:rPr lang="de-DE" dirty="0"/>
-              <a:t>Vorführung Anhand:</a:t>
-            </a:r>
-          </a:p>
-          <a:p>
-            <a:r>
-              <a:rPr lang="de-DE" dirty="0"/>
-              <a:t>https://</a:t>
-            </a:r>
-            <a:r>
-              <a:rPr lang="de-DE" dirty="0" err="1"/>
-              <a:t>docs.fiskaltrust.cloud</a:t>
-            </a:r>
-            <a:r>
-              <a:rPr lang="de-DE" dirty="0"/>
-              <a:t>/</a:t>
-            </a:r>
-            <a:r>
-              <a:rPr lang="de-DE" dirty="0" err="1"/>
-              <a:t>doc</a:t>
-            </a:r>
-            <a:r>
-              <a:rPr lang="de-DE" dirty="0"/>
-              <a:t>/</a:t>
-            </a:r>
-            <a:r>
-              <a:rPr lang="de-DE" dirty="0" err="1"/>
-              <a:t>productdescription</a:t>
-            </a:r>
-            <a:r>
-              <a:rPr lang="de-DE" dirty="0"/>
-              <a:t>-de-</a:t>
-            </a:r>
-            <a:r>
-              <a:rPr lang="de-DE" dirty="0" err="1"/>
-              <a:t>doc</a:t>
-            </a:r>
-            <a:r>
-              <a:rPr lang="de-DE" dirty="0"/>
-              <a:t>/</a:t>
-            </a:r>
-            <a:r>
-              <a:rPr lang="de-DE" dirty="0" err="1"/>
-              <a:t>for-posdealers</a:t>
-            </a:r>
-            <a:r>
-              <a:rPr lang="de-DE" dirty="0"/>
-              <a:t>/02-pre-sales/automatisierter-</a:t>
-            </a:r>
-            <a:r>
-              <a:rPr lang="de-DE" dirty="0" err="1"/>
-              <a:t>rollout.html</a:t>
-            </a:r>
-            <a:endParaRPr lang="de-DE" dirty="0"/>
-          </a:p>
-        </p:txBody>
-      </p:sp>
-      <p:sp>
-        <p:nvSpPr>
-          <p:cNvPr id="4" name="Slide Number Placeholder 3"/>
-          <p:cNvSpPr>
-            <a:spLocks noGrp="1"/>
-          </p:cNvSpPr>
-          <p:nvPr>
-            <p:ph type="sldNum" sz="quarter" idx="5"/>
-          </p:nvPr>
-        </p:nvSpPr>
-        <p:spPr/>
-        <p:txBody>
-          <a:bodyPr/>
-          <a:lstStyle/>
-          <a:p>
-            <a:fld id="{87FB5468-8034-4A81-91AF-9E789D7C7320}" type="slidenum">
-              <a:rPr lang="de-DE" smtClean="0"/>
-              <a:t>14</a:t>
-            </a:fld>
-            <a:endParaRPr lang="de-DE"/>
-          </a:p>
-        </p:txBody>
-      </p:sp>
-    </p:spTree>
-    <p:extLst>
-      <p:ext uri="{BB962C8B-B14F-4D97-AF65-F5344CB8AC3E}">
-        <p14:creationId xmlns:p14="http://schemas.microsoft.com/office/powerpoint/2010/main" val="1862044332"/>
-      </p:ext>
-    </p:extLst>
-  </p:cSld>
-  <p:clrMapOvr>
-    <a:masterClrMapping/>
-  </p:clrMapOvr>
-</p:notes>
-</file>
-
-<file path=ppt/notesSlides/notesSlide15.xml><?xml version="1.0" encoding="utf-8"?>
-<p:notes xmlns:a="http://schemas.openxmlformats.org/drawingml/2006/main" xmlns:r="http://schemas.openxmlformats.org/officeDocument/2006/relationships" xmlns:p="http://schemas.openxmlformats.org/presentationml/2006/main">
-  <p:cSld>
-    <p:spTree>
-      <p:nvGrpSpPr>
-        <p:cNvPr id="1" name=""/>
-        <p:cNvGrpSpPr/>
-        <p:nvPr/>
-      </p:nvGrpSpPr>
-      <p:grpSpPr>
-        <a:xfrm>
-          <a:off x="0" y="0"/>
-          <a:ext cx="0" cy="0"/>
-          <a:chOff x="0" y="0"/>
-          <a:chExt cx="0" cy="0"/>
-        </a:xfrm>
-      </p:grpSpPr>
-      <p:sp>
-        <p:nvSpPr>
-          <p:cNvPr id="2" name="Slide Image Placeholder 1"/>
-          <p:cNvSpPr>
-            <a:spLocks noGrp="1" noRot="1" noChangeAspect="1"/>
-          </p:cNvSpPr>
-          <p:nvPr>
-            <p:ph type="sldImg"/>
-          </p:nvPr>
-        </p:nvSpPr>
-        <p:spPr/>
-      </p:sp>
-      <p:sp>
-        <p:nvSpPr>
-          <p:cNvPr id="3" name="Notes Placeholder 2"/>
-          <p:cNvSpPr>
-            <a:spLocks noGrp="1"/>
-          </p:cNvSpPr>
-          <p:nvPr>
-            <p:ph type="body" idx="1"/>
-          </p:nvPr>
-        </p:nvSpPr>
-        <p:spPr/>
-        <p:txBody>
-          <a:bodyPr/>
-          <a:lstStyle/>
-          <a:p>
-            <a:r>
-              <a:rPr lang="de-DE" dirty="0"/>
-              <a:t>Vorführung Anhand:</a:t>
-            </a:r>
-          </a:p>
-          <a:p>
-            <a:r>
-              <a:rPr lang="de-DE" dirty="0"/>
-              <a:t>https://</a:t>
-            </a:r>
-            <a:r>
-              <a:rPr lang="de-DE" dirty="0" err="1"/>
-              <a:t>docs.fiskaltrust.cloud</a:t>
-            </a:r>
-            <a:r>
-              <a:rPr lang="de-DE" dirty="0"/>
-              <a:t>/</a:t>
-            </a:r>
-            <a:r>
-              <a:rPr lang="de-DE" dirty="0" err="1"/>
-              <a:t>doc</a:t>
-            </a:r>
-            <a:r>
-              <a:rPr lang="de-DE" dirty="0"/>
-              <a:t>/</a:t>
-            </a:r>
-            <a:r>
-              <a:rPr lang="de-DE" dirty="0" err="1"/>
-              <a:t>productdescription</a:t>
-            </a:r>
-            <a:r>
-              <a:rPr lang="de-DE" dirty="0"/>
-              <a:t>-de-</a:t>
-            </a:r>
-            <a:r>
-              <a:rPr lang="de-DE" dirty="0" err="1"/>
-              <a:t>doc</a:t>
-            </a:r>
-            <a:r>
-              <a:rPr lang="de-DE" dirty="0"/>
-              <a:t>/</a:t>
-            </a:r>
-            <a:r>
-              <a:rPr lang="de-DE" dirty="0" err="1"/>
-              <a:t>for-posdealers</a:t>
-            </a:r>
-            <a:r>
-              <a:rPr lang="de-DE" dirty="0"/>
-              <a:t>/02-pre-sales/automatisierter-</a:t>
-            </a:r>
-            <a:r>
-              <a:rPr lang="de-DE" dirty="0" err="1"/>
-              <a:t>rollout.html</a:t>
-            </a:r>
-            <a:endParaRPr lang="de-DE" dirty="0"/>
-          </a:p>
-        </p:txBody>
-      </p:sp>
-      <p:sp>
-        <p:nvSpPr>
-          <p:cNvPr id="4" name="Slide Number Placeholder 3"/>
-          <p:cNvSpPr>
-            <a:spLocks noGrp="1"/>
-          </p:cNvSpPr>
-          <p:nvPr>
-            <p:ph type="sldNum" sz="quarter" idx="5"/>
-          </p:nvPr>
-        </p:nvSpPr>
-        <p:spPr/>
-        <p:txBody>
-          <a:bodyPr/>
-          <a:lstStyle/>
-          <a:p>
-            <a:fld id="{87FB5468-8034-4A81-91AF-9E789D7C7320}" type="slidenum">
-              <a:rPr lang="de-DE" smtClean="0"/>
-              <a:t>15</a:t>
-            </a:fld>
-            <a:endParaRPr lang="de-DE"/>
-          </a:p>
-        </p:txBody>
-      </p:sp>
-    </p:spTree>
-    <p:extLst>
-      <p:ext uri="{BB962C8B-B14F-4D97-AF65-F5344CB8AC3E}">
-        <p14:creationId xmlns:p14="http://schemas.microsoft.com/office/powerpoint/2010/main" val="2289535749"/>
-      </p:ext>
-    </p:extLst>
-  </p:cSld>
-  <p:clrMapOvr>
-    <a:masterClrMapping/>
-  </p:clrMapOvr>
-</p:notes>
-</file>
-
-<file path=ppt/notesSlides/notesSlide16.xml><?xml version="1.0" encoding="utf-8"?>
-<p:notes xmlns:a="http://schemas.openxmlformats.org/drawingml/2006/main" xmlns:r="http://schemas.openxmlformats.org/officeDocument/2006/relationships" xmlns:p="http://schemas.openxmlformats.org/presentationml/2006/main">
-  <p:cSld>
-    <p:spTree>
-      <p:nvGrpSpPr>
-        <p:cNvPr id="1" name=""/>
-        <p:cNvGrpSpPr/>
-        <p:nvPr/>
-      </p:nvGrpSpPr>
-      <p:grpSpPr>
-        <a:xfrm>
-          <a:off x="0" y="0"/>
-          <a:ext cx="0" cy="0"/>
-          <a:chOff x="0" y="0"/>
-          <a:chExt cx="0" cy="0"/>
-        </a:xfrm>
-      </p:grpSpPr>
-      <p:sp>
-        <p:nvSpPr>
-          <p:cNvPr id="2" name="Slide Image Placeholder 1"/>
-          <p:cNvSpPr>
-            <a:spLocks noGrp="1" noRot="1" noChangeAspect="1"/>
-          </p:cNvSpPr>
-          <p:nvPr>
-            <p:ph type="sldImg"/>
-          </p:nvPr>
-        </p:nvSpPr>
-        <p:spPr/>
-      </p:sp>
-      <p:sp>
-        <p:nvSpPr>
-          <p:cNvPr id="3" name="Notes Placeholder 2"/>
-          <p:cNvSpPr>
-            <a:spLocks noGrp="1"/>
-          </p:cNvSpPr>
-          <p:nvPr>
-            <p:ph type="body" idx="1"/>
-          </p:nvPr>
-        </p:nvSpPr>
-        <p:spPr/>
-        <p:txBody>
-          <a:bodyPr/>
-          <a:lstStyle/>
-          <a:p>
-            <a:r>
-              <a:rPr lang="de-DE" dirty="0"/>
-              <a:t>Vorführung Anhand:</a:t>
-            </a:r>
-          </a:p>
-          <a:p>
-            <a:r>
-              <a:rPr lang="de-DE" dirty="0"/>
-              <a:t>https://</a:t>
-            </a:r>
-            <a:r>
-              <a:rPr lang="de-DE" dirty="0" err="1"/>
-              <a:t>docs.fiskaltrust.cloud</a:t>
-            </a:r>
-            <a:r>
-              <a:rPr lang="de-DE" dirty="0"/>
-              <a:t>/</a:t>
-            </a:r>
-            <a:r>
-              <a:rPr lang="de-DE" dirty="0" err="1"/>
-              <a:t>doc</a:t>
-            </a:r>
-            <a:r>
-              <a:rPr lang="de-DE" dirty="0"/>
-              <a:t>/</a:t>
-            </a:r>
-            <a:r>
-              <a:rPr lang="de-DE" dirty="0" err="1"/>
-              <a:t>productdescription</a:t>
-            </a:r>
-            <a:r>
-              <a:rPr lang="de-DE" dirty="0"/>
-              <a:t>-de-</a:t>
-            </a:r>
-            <a:r>
-              <a:rPr lang="de-DE" dirty="0" err="1"/>
-              <a:t>doc</a:t>
-            </a:r>
-            <a:r>
-              <a:rPr lang="de-DE" dirty="0"/>
-              <a:t>/</a:t>
-            </a:r>
-            <a:r>
-              <a:rPr lang="de-DE" dirty="0" err="1"/>
-              <a:t>for-posdealers</a:t>
-            </a:r>
-            <a:r>
-              <a:rPr lang="de-DE" dirty="0"/>
-              <a:t>/02-pre-sales/automatisierter-</a:t>
-            </a:r>
-            <a:r>
-              <a:rPr lang="de-DE" dirty="0" err="1"/>
-              <a:t>rollout.html</a:t>
-            </a:r>
-            <a:endParaRPr lang="de-DE" dirty="0"/>
-          </a:p>
-        </p:txBody>
-      </p:sp>
-      <p:sp>
-        <p:nvSpPr>
-          <p:cNvPr id="4" name="Slide Number Placeholder 3"/>
-          <p:cNvSpPr>
-            <a:spLocks noGrp="1"/>
-          </p:cNvSpPr>
-          <p:nvPr>
-            <p:ph type="sldNum" sz="quarter" idx="5"/>
-          </p:nvPr>
-        </p:nvSpPr>
-        <p:spPr/>
-        <p:txBody>
-          <a:bodyPr/>
-          <a:lstStyle/>
-          <a:p>
-            <a:fld id="{87FB5468-8034-4A81-91AF-9E789D7C7320}" type="slidenum">
-              <a:rPr lang="de-DE" smtClean="0"/>
-              <a:t>16</a:t>
-            </a:fld>
-            <a:endParaRPr lang="de-DE"/>
-          </a:p>
-        </p:txBody>
-      </p:sp>
-    </p:spTree>
-    <p:extLst>
-      <p:ext uri="{BB962C8B-B14F-4D97-AF65-F5344CB8AC3E}">
-        <p14:creationId xmlns:p14="http://schemas.microsoft.com/office/powerpoint/2010/main" val="80614078"/>
-      </p:ext>
-    </p:extLst>
-  </p:cSld>
-  <p:clrMapOvr>
-    <a:masterClrMapping/>
-  </p:clrMapOvr>
-</p:notes>
-</file>
-
-<file path=ppt/notesSlides/notesSlide17.xml><?xml version="1.0" encoding="utf-8"?>
-<p:notes xmlns:a="http://schemas.openxmlformats.org/drawingml/2006/main" xmlns:r="http://schemas.openxmlformats.org/officeDocument/2006/relationships" xmlns:p="http://schemas.openxmlformats.org/presentationml/2006/main">
-  <p:cSld>
-    <p:spTree>
-      <p:nvGrpSpPr>
-        <p:cNvPr id="1" name=""/>
-        <p:cNvGrpSpPr/>
-        <p:nvPr/>
-      </p:nvGrpSpPr>
-      <p:grpSpPr>
-        <a:xfrm>
-          <a:off x="0" y="0"/>
-          <a:ext cx="0" cy="0"/>
-          <a:chOff x="0" y="0"/>
-          <a:chExt cx="0" cy="0"/>
-        </a:xfrm>
-      </p:grpSpPr>
-      <p:sp>
-        <p:nvSpPr>
-          <p:cNvPr id="2" name="Slide Image Placeholder 1"/>
-          <p:cNvSpPr>
-            <a:spLocks noGrp="1" noRot="1" noChangeAspect="1"/>
-          </p:cNvSpPr>
-          <p:nvPr>
-            <p:ph type="sldImg"/>
-          </p:nvPr>
-        </p:nvSpPr>
-        <p:spPr/>
-      </p:sp>
-      <p:sp>
-        <p:nvSpPr>
-          <p:cNvPr id="3" name="Notes Placeholder 2"/>
-          <p:cNvSpPr>
-            <a:spLocks noGrp="1"/>
-          </p:cNvSpPr>
-          <p:nvPr>
-            <p:ph type="body" idx="1"/>
-          </p:nvPr>
-        </p:nvSpPr>
-        <p:spPr/>
-        <p:txBody>
-          <a:bodyPr/>
-          <a:lstStyle/>
-          <a:p>
-            <a:r>
-              <a:rPr lang="de-DE" dirty="0"/>
-              <a:t>Vorführung Anhand:</a:t>
-            </a:r>
-          </a:p>
-          <a:p>
-            <a:r>
-              <a:rPr lang="de-DE" dirty="0"/>
-              <a:t>https://</a:t>
-            </a:r>
-            <a:r>
-              <a:rPr lang="de-DE" dirty="0" err="1"/>
-              <a:t>docs.fiskaltrust.cloud</a:t>
-            </a:r>
-            <a:r>
-              <a:rPr lang="de-DE" dirty="0"/>
-              <a:t>/</a:t>
-            </a:r>
-            <a:r>
-              <a:rPr lang="de-DE" dirty="0" err="1"/>
-              <a:t>doc</a:t>
-            </a:r>
-            <a:r>
-              <a:rPr lang="de-DE" dirty="0"/>
-              <a:t>/</a:t>
-            </a:r>
-            <a:r>
-              <a:rPr lang="de-DE" dirty="0" err="1"/>
-              <a:t>productdescription</a:t>
-            </a:r>
-            <a:r>
-              <a:rPr lang="de-DE" dirty="0"/>
-              <a:t>-de-</a:t>
-            </a:r>
-            <a:r>
-              <a:rPr lang="de-DE" dirty="0" err="1"/>
-              <a:t>doc</a:t>
-            </a:r>
-            <a:r>
-              <a:rPr lang="de-DE" dirty="0"/>
-              <a:t>/</a:t>
-            </a:r>
-            <a:r>
-              <a:rPr lang="de-DE" dirty="0" err="1"/>
-              <a:t>for-posdealers</a:t>
-            </a:r>
-            <a:r>
-              <a:rPr lang="de-DE" dirty="0"/>
-              <a:t>/02-pre-sales/automatisierter-</a:t>
-            </a:r>
-            <a:r>
-              <a:rPr lang="de-DE" dirty="0" err="1"/>
-              <a:t>rollout.html</a:t>
-            </a:r>
-            <a:endParaRPr lang="de-DE" dirty="0"/>
-          </a:p>
-          <a:p>
-            <a:endParaRPr lang="de-DE" dirty="0"/>
-          </a:p>
-          <a:p>
-            <a:r>
-              <a:rPr lang="de-DE" dirty="0"/>
-              <a:t>Hinweis auf den Umgang mit der Outlet-Nummer. Das ist das Bindeglied welches vom Händler oder Betreiber </a:t>
-            </a:r>
-            <a:r>
-              <a:rPr lang="de-DE" dirty="0" err="1"/>
-              <a:t>menschenleslich</a:t>
-            </a:r>
-            <a:r>
-              <a:rPr lang="de-DE" dirty="0"/>
-              <a:t> definiert werden kann.</a:t>
-            </a:r>
-          </a:p>
-        </p:txBody>
-      </p:sp>
-      <p:sp>
-        <p:nvSpPr>
-          <p:cNvPr id="4" name="Slide Number Placeholder 3"/>
-          <p:cNvSpPr>
-            <a:spLocks noGrp="1"/>
-          </p:cNvSpPr>
-          <p:nvPr>
-            <p:ph type="sldNum" sz="quarter" idx="5"/>
-          </p:nvPr>
-        </p:nvSpPr>
-        <p:spPr/>
-        <p:txBody>
-          <a:bodyPr/>
-          <a:lstStyle/>
-          <a:p>
-            <a:fld id="{87FB5468-8034-4A81-91AF-9E789D7C7320}" type="slidenum">
-              <a:rPr lang="de-DE" smtClean="0"/>
-              <a:t>17</a:t>
-            </a:fld>
-            <a:endParaRPr lang="de-DE"/>
-          </a:p>
-        </p:txBody>
-      </p:sp>
-    </p:spTree>
-    <p:extLst>
-      <p:ext uri="{BB962C8B-B14F-4D97-AF65-F5344CB8AC3E}">
-        <p14:creationId xmlns:p14="http://schemas.microsoft.com/office/powerpoint/2010/main" val="1503803784"/>
-      </p:ext>
-    </p:extLst>
-  </p:cSld>
-  <p:clrMapOvr>
-    <a:masterClrMapping/>
-  </p:clrMapOvr>
-</p:notes>
-</file>
-
-<file path=ppt/notesSlides/notesSlide18.xml><?xml version="1.0" encoding="utf-8"?>
-<p:notes xmlns:a="http://schemas.openxmlformats.org/drawingml/2006/main" xmlns:r="http://schemas.openxmlformats.org/officeDocument/2006/relationships" xmlns:p="http://schemas.openxmlformats.org/presentationml/2006/main">
-  <p:cSld>
-    <p:spTree>
-      <p:nvGrpSpPr>
-        <p:cNvPr id="1" name=""/>
-        <p:cNvGrpSpPr/>
-        <p:nvPr/>
-      </p:nvGrpSpPr>
-      <p:grpSpPr>
-        <a:xfrm>
-          <a:off x="0" y="0"/>
-          <a:ext cx="0" cy="0"/>
-          <a:chOff x="0" y="0"/>
-          <a:chExt cx="0" cy="0"/>
-        </a:xfrm>
-      </p:grpSpPr>
-      <p:sp>
-        <p:nvSpPr>
-          <p:cNvPr id="2" name="Slide Image Placeholder 1"/>
-          <p:cNvSpPr>
-            <a:spLocks noGrp="1" noRot="1" noChangeAspect="1"/>
-          </p:cNvSpPr>
-          <p:nvPr>
-            <p:ph type="sldImg"/>
-          </p:nvPr>
-        </p:nvSpPr>
-        <p:spPr/>
-      </p:sp>
-      <p:sp>
-        <p:nvSpPr>
-          <p:cNvPr id="3" name="Notes Placeholder 2"/>
-          <p:cNvSpPr>
-            <a:spLocks noGrp="1"/>
-          </p:cNvSpPr>
-          <p:nvPr>
-            <p:ph type="body" idx="1"/>
-          </p:nvPr>
-        </p:nvSpPr>
-        <p:spPr/>
-        <p:txBody>
-          <a:bodyPr/>
-          <a:lstStyle/>
-          <a:p>
-            <a:r>
-              <a:rPr lang="de-DE" dirty="0"/>
-              <a:t>Vorführung Anhand:</a:t>
-            </a:r>
-          </a:p>
-          <a:p>
-            <a:r>
-              <a:rPr lang="de-DE" dirty="0"/>
-              <a:t>https://</a:t>
-            </a:r>
-            <a:r>
-              <a:rPr lang="de-DE" dirty="0" err="1"/>
-              <a:t>docs.fiskaltrust.cloud</a:t>
-            </a:r>
-            <a:r>
-              <a:rPr lang="de-DE" dirty="0"/>
-              <a:t>/</a:t>
-            </a:r>
-            <a:r>
-              <a:rPr lang="de-DE" dirty="0" err="1"/>
-              <a:t>doc</a:t>
-            </a:r>
-            <a:r>
-              <a:rPr lang="de-DE" dirty="0"/>
-              <a:t>/</a:t>
-            </a:r>
-            <a:r>
-              <a:rPr lang="de-DE" dirty="0" err="1"/>
-              <a:t>productdescription</a:t>
-            </a:r>
-            <a:r>
-              <a:rPr lang="de-DE" dirty="0"/>
-              <a:t>-de-</a:t>
-            </a:r>
-            <a:r>
-              <a:rPr lang="de-DE" dirty="0" err="1"/>
-              <a:t>doc</a:t>
-            </a:r>
-            <a:r>
-              <a:rPr lang="de-DE" dirty="0"/>
-              <a:t>/</a:t>
-            </a:r>
-            <a:r>
-              <a:rPr lang="de-DE" dirty="0" err="1"/>
-              <a:t>for-posdealers</a:t>
-            </a:r>
-            <a:r>
-              <a:rPr lang="de-DE" dirty="0"/>
-              <a:t>/02-pre-sales/automatisierter-</a:t>
-            </a:r>
-            <a:r>
-              <a:rPr lang="de-DE" dirty="0" err="1"/>
-              <a:t>rollout.html</a:t>
-            </a:r>
-            <a:endParaRPr lang="de-DE" dirty="0"/>
-          </a:p>
-        </p:txBody>
-      </p:sp>
-      <p:sp>
-        <p:nvSpPr>
-          <p:cNvPr id="4" name="Slide Number Placeholder 3"/>
-          <p:cNvSpPr>
-            <a:spLocks noGrp="1"/>
-          </p:cNvSpPr>
-          <p:nvPr>
-            <p:ph type="sldNum" sz="quarter" idx="5"/>
-          </p:nvPr>
-        </p:nvSpPr>
-        <p:spPr/>
-        <p:txBody>
-          <a:bodyPr/>
-          <a:lstStyle/>
-          <a:p>
-            <a:fld id="{87FB5468-8034-4A81-91AF-9E789D7C7320}" type="slidenum">
-              <a:rPr lang="de-DE" smtClean="0"/>
-              <a:t>18</a:t>
-            </a:fld>
-            <a:endParaRPr lang="de-DE"/>
-          </a:p>
-        </p:txBody>
-      </p:sp>
-    </p:spTree>
-    <p:extLst>
-      <p:ext uri="{BB962C8B-B14F-4D97-AF65-F5344CB8AC3E}">
-        <p14:creationId xmlns:p14="http://schemas.microsoft.com/office/powerpoint/2010/main" val="2603407384"/>
-      </p:ext>
-    </p:extLst>
-  </p:cSld>
-  <p:clrMapOvr>
-    <a:masterClrMapping/>
-  </p:clrMapOvr>
-</p:notes>
-</file>
-
-<file path=ppt/notesSlides/notesSlide19.xml><?xml version="1.0" encoding="utf-8"?>
-<p:notes xmlns:a="http://schemas.openxmlformats.org/drawingml/2006/main" xmlns:r="http://schemas.openxmlformats.org/officeDocument/2006/relationships" xmlns:p="http://schemas.openxmlformats.org/presentationml/2006/main">
-  <p:cSld>
-    <p:spTree>
-      <p:nvGrpSpPr>
-        <p:cNvPr id="1" name=""/>
-        <p:cNvGrpSpPr/>
-        <p:nvPr/>
-      </p:nvGrpSpPr>
-      <p:grpSpPr>
-        <a:xfrm>
-          <a:off x="0" y="0"/>
-          <a:ext cx="0" cy="0"/>
-          <a:chOff x="0" y="0"/>
-          <a:chExt cx="0" cy="0"/>
-        </a:xfrm>
-      </p:grpSpPr>
-      <p:sp>
-        <p:nvSpPr>
-          <p:cNvPr id="2" name="Slide Image Placeholder 1"/>
-          <p:cNvSpPr>
-            <a:spLocks noGrp="1" noRot="1" noChangeAspect="1"/>
-          </p:cNvSpPr>
-          <p:nvPr>
-            <p:ph type="sldImg"/>
-          </p:nvPr>
-        </p:nvSpPr>
-        <p:spPr/>
-      </p:sp>
-      <p:sp>
-        <p:nvSpPr>
-          <p:cNvPr id="3" name="Notes Placeholder 2"/>
-          <p:cNvSpPr>
-            <a:spLocks noGrp="1"/>
-          </p:cNvSpPr>
-          <p:nvPr>
-            <p:ph type="body" idx="1"/>
-          </p:nvPr>
-        </p:nvSpPr>
-        <p:spPr/>
-        <p:txBody>
-          <a:bodyPr/>
-          <a:lstStyle/>
-          <a:p>
-            <a:r>
-              <a:rPr lang="de-DE" dirty="0"/>
-              <a:t>Vorführung Anhand:</a:t>
-            </a:r>
-          </a:p>
-          <a:p>
-            <a:r>
-              <a:rPr lang="de-DE" dirty="0"/>
-              <a:t>https://</a:t>
-            </a:r>
-            <a:r>
-              <a:rPr lang="de-DE" dirty="0" err="1"/>
-              <a:t>docs.fiskaltrust.cloud</a:t>
-            </a:r>
-            <a:r>
-              <a:rPr lang="de-DE" dirty="0"/>
-              <a:t>/</a:t>
-            </a:r>
-            <a:r>
-              <a:rPr lang="de-DE" dirty="0" err="1"/>
-              <a:t>doc</a:t>
-            </a:r>
-            <a:r>
-              <a:rPr lang="de-DE" dirty="0"/>
-              <a:t>/</a:t>
-            </a:r>
-            <a:r>
-              <a:rPr lang="de-DE" dirty="0" err="1"/>
-              <a:t>productdescription</a:t>
-            </a:r>
-            <a:r>
-              <a:rPr lang="de-DE" dirty="0"/>
-              <a:t>-de-</a:t>
-            </a:r>
-            <a:r>
-              <a:rPr lang="de-DE" dirty="0" err="1"/>
-              <a:t>doc</a:t>
-            </a:r>
-            <a:r>
-              <a:rPr lang="de-DE" dirty="0"/>
-              <a:t>/</a:t>
-            </a:r>
-            <a:r>
-              <a:rPr lang="de-DE" dirty="0" err="1"/>
-              <a:t>for-posdealers</a:t>
-            </a:r>
-            <a:r>
-              <a:rPr lang="de-DE" dirty="0"/>
-              <a:t>/02-pre-sales/automatisierter-</a:t>
-            </a:r>
-            <a:r>
-              <a:rPr lang="de-DE" dirty="0" err="1"/>
-              <a:t>rollout.html</a:t>
-            </a:r>
-            <a:endParaRPr lang="de-DE" dirty="0"/>
-          </a:p>
-        </p:txBody>
-      </p:sp>
-      <p:sp>
-        <p:nvSpPr>
-          <p:cNvPr id="4" name="Slide Number Placeholder 3"/>
-          <p:cNvSpPr>
-            <a:spLocks noGrp="1"/>
-          </p:cNvSpPr>
-          <p:nvPr>
-            <p:ph type="sldNum" sz="quarter" idx="5"/>
-          </p:nvPr>
-        </p:nvSpPr>
-        <p:spPr/>
-        <p:txBody>
-          <a:bodyPr/>
-          <a:lstStyle/>
-          <a:p>
-            <a:fld id="{87FB5468-8034-4A81-91AF-9E789D7C7320}" type="slidenum">
-              <a:rPr lang="de-DE" smtClean="0"/>
-              <a:t>19</a:t>
-            </a:fld>
-            <a:endParaRPr lang="de-DE"/>
-          </a:p>
-        </p:txBody>
-      </p:sp>
-    </p:spTree>
-    <p:extLst>
-      <p:ext uri="{BB962C8B-B14F-4D97-AF65-F5344CB8AC3E}">
-        <p14:creationId xmlns:p14="http://schemas.microsoft.com/office/powerpoint/2010/main" val="4129027587"/>
+        <p14:creationId xmlns:p14="http://schemas.microsoft.com/office/powerpoint/2010/main" val="551520459"/>
       </p:ext>
     </p:extLst>
   </p:cSld>
@@ -11068,7 +10099,7 @@
             </a:pPr>
             <a:r>
               <a:rPr lang="de-DE" dirty="0"/>
-              <a:t>Die Middleware muss vor der Auslieferung spezifisch auf die Gegebenheiten des Betreibers Konfiguriert werden. Wir werden erläutern, wie diese Konfiguration mit Hilfe des Portals vorgenommen werden kann, was genau konfiguriert werden muss und wie nach der Konfiguration die Auslieferung der Middleware über das Portal erfolgen kann (manueller Download des Launcher)</a:t>
+              <a:t>Die Middleware muss vor der Auslieferung spezifisch auf die Gegebenheiten des Betreibers konfiguriert werden. Wir werden erläutern, wie diese Konfiguration mit Hilfe des Portals vorgenommen werden kann, was genau konfiguriert werden muss und wie nach der Konfiguration die Auslieferung der Middleware über das Portal erfolgen kann </a:t>
             </a:r>
           </a:p>
           <a:p>
@@ -11078,7 +10109,7 @@
             </a:pPr>
             <a:r>
               <a:rPr lang="de-DE" dirty="0"/>
-              <a:t>Als nächstes werden wir unsere Automatisierungsoptionen vorstellen die Kassenherstellern ermöglichen bei einem Rollout mit vielen betroffenen Kassen einen Massenrollout durchzuführen</a:t>
+              <a:t>Als nächstes werden wir unsere Automatisierungsoptionen vorstellen die es Kassenhändlern ermöglichen bei einem Rollout mit vielen betroffenen Kassen einen Massenrollout durchzuführen</a:t>
             </a:r>
           </a:p>
           <a:p>
@@ -11123,630 +10154,6 @@
     <p:extLst>
       <p:ext uri="{BB962C8B-B14F-4D97-AF65-F5344CB8AC3E}">
         <p14:creationId xmlns:p14="http://schemas.microsoft.com/office/powerpoint/2010/main" val="2070228582"/>
-      </p:ext>
-    </p:extLst>
-  </p:cSld>
-  <p:clrMapOvr>
-    <a:masterClrMapping/>
-  </p:clrMapOvr>
-</p:notes>
-</file>
-
-<file path=ppt/notesSlides/notesSlide20.xml><?xml version="1.0" encoding="utf-8"?>
-<p:notes xmlns:a="http://schemas.openxmlformats.org/drawingml/2006/main" xmlns:r="http://schemas.openxmlformats.org/officeDocument/2006/relationships" xmlns:p="http://schemas.openxmlformats.org/presentationml/2006/main">
-  <p:cSld>
-    <p:spTree>
-      <p:nvGrpSpPr>
-        <p:cNvPr id="1" name=""/>
-        <p:cNvGrpSpPr/>
-        <p:nvPr/>
-      </p:nvGrpSpPr>
-      <p:grpSpPr>
-        <a:xfrm>
-          <a:off x="0" y="0"/>
-          <a:ext cx="0" cy="0"/>
-          <a:chOff x="0" y="0"/>
-          <a:chExt cx="0" cy="0"/>
-        </a:xfrm>
-      </p:grpSpPr>
-      <p:sp>
-        <p:nvSpPr>
-          <p:cNvPr id="2" name="Slide Image Placeholder 1"/>
-          <p:cNvSpPr>
-            <a:spLocks noGrp="1" noRot="1" noChangeAspect="1"/>
-          </p:cNvSpPr>
-          <p:nvPr>
-            <p:ph type="sldImg"/>
-          </p:nvPr>
-        </p:nvSpPr>
-        <p:spPr/>
-      </p:sp>
-      <p:sp>
-        <p:nvSpPr>
-          <p:cNvPr id="3" name="Notes Placeholder 2"/>
-          <p:cNvSpPr>
-            <a:spLocks noGrp="1"/>
-          </p:cNvSpPr>
-          <p:nvPr>
-            <p:ph type="body" idx="1"/>
-          </p:nvPr>
-        </p:nvSpPr>
-        <p:spPr/>
-        <p:txBody>
-          <a:bodyPr/>
-          <a:lstStyle/>
-          <a:p>
-            <a:r>
-              <a:rPr lang="de-DE" dirty="0"/>
-              <a:t>Vorführung Anhand:</a:t>
-            </a:r>
-          </a:p>
-          <a:p>
-            <a:r>
-              <a:rPr lang="de-DE" dirty="0"/>
-              <a:t>https://</a:t>
-            </a:r>
-            <a:r>
-              <a:rPr lang="de-DE" dirty="0" err="1"/>
-              <a:t>docs.fiskaltrust.cloud</a:t>
-            </a:r>
-            <a:r>
-              <a:rPr lang="de-DE" dirty="0"/>
-              <a:t>/</a:t>
-            </a:r>
-            <a:r>
-              <a:rPr lang="de-DE" dirty="0" err="1"/>
-              <a:t>doc</a:t>
-            </a:r>
-            <a:r>
-              <a:rPr lang="de-DE" dirty="0"/>
-              <a:t>/</a:t>
-            </a:r>
-            <a:r>
-              <a:rPr lang="de-DE" dirty="0" err="1"/>
-              <a:t>productdescription</a:t>
-            </a:r>
-            <a:r>
-              <a:rPr lang="de-DE" dirty="0"/>
-              <a:t>-de-</a:t>
-            </a:r>
-            <a:r>
-              <a:rPr lang="de-DE" dirty="0" err="1"/>
-              <a:t>doc</a:t>
-            </a:r>
-            <a:r>
-              <a:rPr lang="de-DE" dirty="0"/>
-              <a:t>/</a:t>
-            </a:r>
-            <a:r>
-              <a:rPr lang="de-DE" dirty="0" err="1"/>
-              <a:t>for-posdealers</a:t>
-            </a:r>
-            <a:r>
-              <a:rPr lang="de-DE" dirty="0"/>
-              <a:t>/02-pre-sales/automatisierter-</a:t>
-            </a:r>
-            <a:r>
-              <a:rPr lang="de-DE" dirty="0" err="1"/>
-              <a:t>rollout.html</a:t>
-            </a:r>
-            <a:endParaRPr lang="de-DE" dirty="0"/>
-          </a:p>
-        </p:txBody>
-      </p:sp>
-      <p:sp>
-        <p:nvSpPr>
-          <p:cNvPr id="4" name="Slide Number Placeholder 3"/>
-          <p:cNvSpPr>
-            <a:spLocks noGrp="1"/>
-          </p:cNvSpPr>
-          <p:nvPr>
-            <p:ph type="sldNum" sz="quarter" idx="5"/>
-          </p:nvPr>
-        </p:nvSpPr>
-        <p:spPr/>
-        <p:txBody>
-          <a:bodyPr/>
-          <a:lstStyle/>
-          <a:p>
-            <a:fld id="{87FB5468-8034-4A81-91AF-9E789D7C7320}" type="slidenum">
-              <a:rPr lang="de-DE" smtClean="0"/>
-              <a:t>20</a:t>
-            </a:fld>
-            <a:endParaRPr lang="de-DE"/>
-          </a:p>
-        </p:txBody>
-      </p:sp>
-    </p:spTree>
-    <p:extLst>
-      <p:ext uri="{BB962C8B-B14F-4D97-AF65-F5344CB8AC3E}">
-        <p14:creationId xmlns:p14="http://schemas.microsoft.com/office/powerpoint/2010/main" val="2580291306"/>
-      </p:ext>
-    </p:extLst>
-  </p:cSld>
-  <p:clrMapOvr>
-    <a:masterClrMapping/>
-  </p:clrMapOvr>
-</p:notes>
-</file>
-
-<file path=ppt/notesSlides/notesSlide21.xml><?xml version="1.0" encoding="utf-8"?>
-<p:notes xmlns:a="http://schemas.openxmlformats.org/drawingml/2006/main" xmlns:r="http://schemas.openxmlformats.org/officeDocument/2006/relationships" xmlns:p="http://schemas.openxmlformats.org/presentationml/2006/main">
-  <p:cSld>
-    <p:spTree>
-      <p:nvGrpSpPr>
-        <p:cNvPr id="1" name=""/>
-        <p:cNvGrpSpPr/>
-        <p:nvPr/>
-      </p:nvGrpSpPr>
-      <p:grpSpPr>
-        <a:xfrm>
-          <a:off x="0" y="0"/>
-          <a:ext cx="0" cy="0"/>
-          <a:chOff x="0" y="0"/>
-          <a:chExt cx="0" cy="0"/>
-        </a:xfrm>
-      </p:grpSpPr>
-      <p:sp>
-        <p:nvSpPr>
-          <p:cNvPr id="2" name="Slide Image Placeholder 1"/>
-          <p:cNvSpPr>
-            <a:spLocks noGrp="1" noRot="1" noChangeAspect="1"/>
-          </p:cNvSpPr>
-          <p:nvPr>
-            <p:ph type="sldImg"/>
-          </p:nvPr>
-        </p:nvSpPr>
-        <p:spPr/>
-      </p:sp>
-      <p:sp>
-        <p:nvSpPr>
-          <p:cNvPr id="3" name="Notes Placeholder 2"/>
-          <p:cNvSpPr>
-            <a:spLocks noGrp="1"/>
-          </p:cNvSpPr>
-          <p:nvPr>
-            <p:ph type="body" idx="1"/>
-          </p:nvPr>
-        </p:nvSpPr>
-        <p:spPr/>
-        <p:txBody>
-          <a:bodyPr/>
-          <a:lstStyle/>
-          <a:p>
-            <a:r>
-              <a:rPr lang="de-DE" dirty="0"/>
-              <a:t>Vorführung Anhand:</a:t>
-            </a:r>
-          </a:p>
-          <a:p>
-            <a:r>
-              <a:rPr lang="de-DE" dirty="0"/>
-              <a:t>https://</a:t>
-            </a:r>
-            <a:r>
-              <a:rPr lang="de-DE" dirty="0" err="1"/>
-              <a:t>docs.fiskaltrust.cloud</a:t>
-            </a:r>
-            <a:r>
-              <a:rPr lang="de-DE" dirty="0"/>
-              <a:t>/</a:t>
-            </a:r>
-            <a:r>
-              <a:rPr lang="de-DE" dirty="0" err="1"/>
-              <a:t>doc</a:t>
-            </a:r>
-            <a:r>
-              <a:rPr lang="de-DE" dirty="0"/>
-              <a:t>/</a:t>
-            </a:r>
-            <a:r>
-              <a:rPr lang="de-DE" dirty="0" err="1"/>
-              <a:t>productdescription</a:t>
-            </a:r>
-            <a:r>
-              <a:rPr lang="de-DE" dirty="0"/>
-              <a:t>-de-</a:t>
-            </a:r>
-            <a:r>
-              <a:rPr lang="de-DE" dirty="0" err="1"/>
-              <a:t>doc</a:t>
-            </a:r>
-            <a:r>
-              <a:rPr lang="de-DE" dirty="0"/>
-              <a:t>/</a:t>
-            </a:r>
-            <a:r>
-              <a:rPr lang="de-DE" dirty="0" err="1"/>
-              <a:t>for-posdealers</a:t>
-            </a:r>
-            <a:r>
-              <a:rPr lang="de-DE" dirty="0"/>
-              <a:t>/02-pre-sales/automatisierter-</a:t>
-            </a:r>
-            <a:r>
-              <a:rPr lang="de-DE" dirty="0" err="1"/>
-              <a:t>rollout.html</a:t>
-            </a:r>
-            <a:endParaRPr lang="de-DE" dirty="0"/>
-          </a:p>
-        </p:txBody>
-      </p:sp>
-      <p:sp>
-        <p:nvSpPr>
-          <p:cNvPr id="4" name="Slide Number Placeholder 3"/>
-          <p:cNvSpPr>
-            <a:spLocks noGrp="1"/>
-          </p:cNvSpPr>
-          <p:nvPr>
-            <p:ph type="sldNum" sz="quarter" idx="5"/>
-          </p:nvPr>
-        </p:nvSpPr>
-        <p:spPr/>
-        <p:txBody>
-          <a:bodyPr/>
-          <a:lstStyle/>
-          <a:p>
-            <a:fld id="{87FB5468-8034-4A81-91AF-9E789D7C7320}" type="slidenum">
-              <a:rPr lang="de-DE" smtClean="0"/>
-              <a:t>21</a:t>
-            </a:fld>
-            <a:endParaRPr lang="de-DE"/>
-          </a:p>
-        </p:txBody>
-      </p:sp>
-    </p:spTree>
-    <p:extLst>
-      <p:ext uri="{BB962C8B-B14F-4D97-AF65-F5344CB8AC3E}">
-        <p14:creationId xmlns:p14="http://schemas.microsoft.com/office/powerpoint/2010/main" val="3201717681"/>
-      </p:ext>
-    </p:extLst>
-  </p:cSld>
-  <p:clrMapOvr>
-    <a:masterClrMapping/>
-  </p:clrMapOvr>
-</p:notes>
-</file>
-
-<file path=ppt/notesSlides/notesSlide22.xml><?xml version="1.0" encoding="utf-8"?>
-<p:notes xmlns:a="http://schemas.openxmlformats.org/drawingml/2006/main" xmlns:r="http://schemas.openxmlformats.org/officeDocument/2006/relationships" xmlns:p="http://schemas.openxmlformats.org/presentationml/2006/main">
-  <p:cSld>
-    <p:spTree>
-      <p:nvGrpSpPr>
-        <p:cNvPr id="1" name=""/>
-        <p:cNvGrpSpPr/>
-        <p:nvPr/>
-      </p:nvGrpSpPr>
-      <p:grpSpPr>
-        <a:xfrm>
-          <a:off x="0" y="0"/>
-          <a:ext cx="0" cy="0"/>
-          <a:chOff x="0" y="0"/>
-          <a:chExt cx="0" cy="0"/>
-        </a:xfrm>
-      </p:grpSpPr>
-      <p:sp>
-        <p:nvSpPr>
-          <p:cNvPr id="2" name="Slide Image Placeholder 1"/>
-          <p:cNvSpPr>
-            <a:spLocks noGrp="1" noRot="1" noChangeAspect="1"/>
-          </p:cNvSpPr>
-          <p:nvPr>
-            <p:ph type="sldImg"/>
-          </p:nvPr>
-        </p:nvSpPr>
-        <p:spPr/>
-      </p:sp>
-      <p:sp>
-        <p:nvSpPr>
-          <p:cNvPr id="3" name="Notes Placeholder 2"/>
-          <p:cNvSpPr>
-            <a:spLocks noGrp="1"/>
-          </p:cNvSpPr>
-          <p:nvPr>
-            <p:ph type="body" idx="1"/>
-          </p:nvPr>
-        </p:nvSpPr>
-        <p:spPr/>
-        <p:txBody>
-          <a:bodyPr/>
-          <a:lstStyle/>
-          <a:p>
-            <a:r>
-              <a:rPr lang="de-DE" dirty="0"/>
-              <a:t>https://</a:t>
-            </a:r>
-            <a:r>
-              <a:rPr lang="de-DE" dirty="0" err="1"/>
-              <a:t>docs.fiskaltrust.cloud</a:t>
-            </a:r>
-            <a:r>
-              <a:rPr lang="de-DE" dirty="0"/>
-              <a:t>/</a:t>
-            </a:r>
-            <a:r>
-              <a:rPr lang="de-DE" dirty="0" err="1"/>
-              <a:t>doc</a:t>
-            </a:r>
-            <a:r>
-              <a:rPr lang="de-DE" dirty="0"/>
-              <a:t>/</a:t>
-            </a:r>
-            <a:r>
-              <a:rPr lang="de-DE" dirty="0" err="1"/>
-              <a:t>productdescription</a:t>
-            </a:r>
-            <a:r>
-              <a:rPr lang="de-DE" dirty="0"/>
-              <a:t>-de-</a:t>
-            </a:r>
-            <a:r>
-              <a:rPr lang="de-DE" dirty="0" err="1"/>
-              <a:t>doc</a:t>
-            </a:r>
-            <a:r>
-              <a:rPr lang="de-DE" dirty="0"/>
-              <a:t>/</a:t>
-            </a:r>
-            <a:r>
-              <a:rPr lang="de-DE" dirty="0" err="1"/>
-              <a:t>for-posdealers</a:t>
-            </a:r>
-            <a:r>
-              <a:rPr lang="de-DE" dirty="0"/>
-              <a:t>/02-pre-sales/rollout-</a:t>
-            </a:r>
-            <a:r>
-              <a:rPr lang="de-DE" dirty="0" err="1"/>
-              <a:t>scenarios.html</a:t>
-            </a:r>
-            <a:endParaRPr lang="de-DE" dirty="0"/>
-          </a:p>
-        </p:txBody>
-      </p:sp>
-      <p:sp>
-        <p:nvSpPr>
-          <p:cNvPr id="4" name="Slide Number Placeholder 3"/>
-          <p:cNvSpPr>
-            <a:spLocks noGrp="1"/>
-          </p:cNvSpPr>
-          <p:nvPr>
-            <p:ph type="sldNum" sz="quarter" idx="5"/>
-          </p:nvPr>
-        </p:nvSpPr>
-        <p:spPr/>
-        <p:txBody>
-          <a:bodyPr/>
-          <a:lstStyle/>
-          <a:p>
-            <a:fld id="{87FB5468-8034-4A81-91AF-9E789D7C7320}" type="slidenum">
-              <a:rPr lang="de-DE" smtClean="0"/>
-              <a:t>22</a:t>
-            </a:fld>
-            <a:endParaRPr lang="de-DE"/>
-          </a:p>
-        </p:txBody>
-      </p:sp>
-    </p:spTree>
-    <p:extLst>
-      <p:ext uri="{BB962C8B-B14F-4D97-AF65-F5344CB8AC3E}">
-        <p14:creationId xmlns:p14="http://schemas.microsoft.com/office/powerpoint/2010/main" val="2987153345"/>
-      </p:ext>
-    </p:extLst>
-  </p:cSld>
-  <p:clrMapOvr>
-    <a:masterClrMapping/>
-  </p:clrMapOvr>
-</p:notes>
-</file>
-
-<file path=ppt/notesSlides/notesSlide23.xml><?xml version="1.0" encoding="utf-8"?>
-<p:notes xmlns:a="http://schemas.openxmlformats.org/drawingml/2006/main" xmlns:r="http://schemas.openxmlformats.org/officeDocument/2006/relationships" xmlns:p="http://schemas.openxmlformats.org/presentationml/2006/main">
-  <p:cSld>
-    <p:spTree>
-      <p:nvGrpSpPr>
-        <p:cNvPr id="1" name=""/>
-        <p:cNvGrpSpPr/>
-        <p:nvPr/>
-      </p:nvGrpSpPr>
-      <p:grpSpPr>
-        <a:xfrm>
-          <a:off x="0" y="0"/>
-          <a:ext cx="0" cy="0"/>
-          <a:chOff x="0" y="0"/>
-          <a:chExt cx="0" cy="0"/>
-        </a:xfrm>
-      </p:grpSpPr>
-      <p:sp>
-        <p:nvSpPr>
-          <p:cNvPr id="2" name="Slide Image Placeholder 1"/>
-          <p:cNvSpPr>
-            <a:spLocks noGrp="1" noRot="1" noChangeAspect="1"/>
-          </p:cNvSpPr>
-          <p:nvPr>
-            <p:ph type="sldImg"/>
-          </p:nvPr>
-        </p:nvSpPr>
-        <p:spPr/>
-      </p:sp>
-      <p:sp>
-        <p:nvSpPr>
-          <p:cNvPr id="3" name="Notes Placeholder 2"/>
-          <p:cNvSpPr>
-            <a:spLocks noGrp="1"/>
-          </p:cNvSpPr>
-          <p:nvPr>
-            <p:ph type="body" idx="1"/>
-          </p:nvPr>
-        </p:nvSpPr>
-        <p:spPr/>
-        <p:txBody>
-          <a:bodyPr/>
-          <a:lstStyle/>
-          <a:p>
-            <a:r>
-              <a:rPr lang="de-DE" dirty="0"/>
-              <a:t>https://</a:t>
-            </a:r>
-            <a:r>
-              <a:rPr lang="de-DE" dirty="0" err="1"/>
-              <a:t>docs.fiskaltrust.cloud</a:t>
-            </a:r>
-            <a:r>
-              <a:rPr lang="de-DE" dirty="0"/>
-              <a:t>/</a:t>
-            </a:r>
-            <a:r>
-              <a:rPr lang="de-DE" dirty="0" err="1"/>
-              <a:t>doc</a:t>
-            </a:r>
-            <a:r>
-              <a:rPr lang="de-DE" dirty="0"/>
-              <a:t>/</a:t>
-            </a:r>
-            <a:r>
-              <a:rPr lang="de-DE" dirty="0" err="1"/>
-              <a:t>productdescription</a:t>
-            </a:r>
-            <a:r>
-              <a:rPr lang="de-DE" dirty="0"/>
-              <a:t>-de-</a:t>
-            </a:r>
-            <a:r>
-              <a:rPr lang="de-DE" dirty="0" err="1"/>
-              <a:t>doc</a:t>
-            </a:r>
-            <a:r>
-              <a:rPr lang="de-DE" dirty="0"/>
-              <a:t>/</a:t>
-            </a:r>
-            <a:r>
-              <a:rPr lang="de-DE" dirty="0" err="1"/>
-              <a:t>for-posdealers</a:t>
-            </a:r>
-            <a:r>
-              <a:rPr lang="de-DE" dirty="0"/>
-              <a:t>/</a:t>
-            </a:r>
-            <a:r>
-              <a:rPr lang="de-DE" dirty="0" err="1"/>
-              <a:t>getting-started.html</a:t>
-            </a:r>
-            <a:endParaRPr lang="de-DE" dirty="0"/>
-          </a:p>
-        </p:txBody>
-      </p:sp>
-      <p:sp>
-        <p:nvSpPr>
-          <p:cNvPr id="4" name="Slide Number Placeholder 3"/>
-          <p:cNvSpPr>
-            <a:spLocks noGrp="1"/>
-          </p:cNvSpPr>
-          <p:nvPr>
-            <p:ph type="sldNum" sz="quarter" idx="5"/>
-          </p:nvPr>
-        </p:nvSpPr>
-        <p:spPr/>
-        <p:txBody>
-          <a:bodyPr/>
-          <a:lstStyle/>
-          <a:p>
-            <a:fld id="{87FB5468-8034-4A81-91AF-9E789D7C7320}" type="slidenum">
-              <a:rPr lang="de-DE" smtClean="0"/>
-              <a:t>23</a:t>
-            </a:fld>
-            <a:endParaRPr lang="de-DE"/>
-          </a:p>
-        </p:txBody>
-      </p:sp>
-    </p:spTree>
-    <p:extLst>
-      <p:ext uri="{BB962C8B-B14F-4D97-AF65-F5344CB8AC3E}">
-        <p14:creationId xmlns:p14="http://schemas.microsoft.com/office/powerpoint/2010/main" val="453208936"/>
-      </p:ext>
-    </p:extLst>
-  </p:cSld>
-  <p:clrMapOvr>
-    <a:masterClrMapping/>
-  </p:clrMapOvr>
-</p:notes>
-</file>
-
-<file path=ppt/notesSlides/notesSlide24.xml><?xml version="1.0" encoding="utf-8"?>
-<p:notes xmlns:a="http://schemas.openxmlformats.org/drawingml/2006/main" xmlns:r="http://schemas.openxmlformats.org/officeDocument/2006/relationships" xmlns:p="http://schemas.openxmlformats.org/presentationml/2006/main">
-  <p:cSld>
-    <p:spTree>
-      <p:nvGrpSpPr>
-        <p:cNvPr id="1" name=""/>
-        <p:cNvGrpSpPr/>
-        <p:nvPr/>
-      </p:nvGrpSpPr>
-      <p:grpSpPr>
-        <a:xfrm>
-          <a:off x="0" y="0"/>
-          <a:ext cx="0" cy="0"/>
-          <a:chOff x="0" y="0"/>
-          <a:chExt cx="0" cy="0"/>
-        </a:xfrm>
-      </p:grpSpPr>
-      <p:sp>
-        <p:nvSpPr>
-          <p:cNvPr id="2" name="Slide Image Placeholder 1"/>
-          <p:cNvSpPr>
-            <a:spLocks noGrp="1" noRot="1" noChangeAspect="1"/>
-          </p:cNvSpPr>
-          <p:nvPr>
-            <p:ph type="sldImg"/>
-          </p:nvPr>
-        </p:nvSpPr>
-        <p:spPr/>
-      </p:sp>
-      <p:sp>
-        <p:nvSpPr>
-          <p:cNvPr id="3" name="Notes Placeholder 2"/>
-          <p:cNvSpPr>
-            <a:spLocks noGrp="1"/>
-          </p:cNvSpPr>
-          <p:nvPr>
-            <p:ph type="body" idx="1"/>
-          </p:nvPr>
-        </p:nvSpPr>
-        <p:spPr/>
-        <p:txBody>
-          <a:bodyPr/>
-          <a:lstStyle/>
-          <a:p>
-            <a:endParaRPr lang="en-US" dirty="0"/>
-          </a:p>
-        </p:txBody>
-      </p:sp>
-      <p:sp>
-        <p:nvSpPr>
-          <p:cNvPr id="4" name="Slide Number Placeholder 3"/>
-          <p:cNvSpPr>
-            <a:spLocks noGrp="1"/>
-          </p:cNvSpPr>
-          <p:nvPr>
-            <p:ph type="sldNum" sz="quarter" idx="5"/>
-          </p:nvPr>
-        </p:nvSpPr>
-        <p:spPr/>
-        <p:txBody>
-          <a:bodyPr/>
-          <a:lstStyle/>
-          <a:p>
-            <a:fld id="{87FB5468-8034-4A81-91AF-9E789D7C7320}" type="slidenum">
-              <a:rPr lang="de-DE" smtClean="0"/>
-              <a:t>24</a:t>
-            </a:fld>
-            <a:endParaRPr lang="de-DE"/>
-          </a:p>
-        </p:txBody>
-      </p:sp>
-    </p:spTree>
-    <p:extLst>
-      <p:ext uri="{BB962C8B-B14F-4D97-AF65-F5344CB8AC3E}">
-        <p14:creationId xmlns:p14="http://schemas.microsoft.com/office/powerpoint/2010/main" val="551520459"/>
       </p:ext>
     </p:extLst>
   </p:cSld>
@@ -11987,7 +10394,7 @@
             </a:pPr>
             <a:r>
               <a:rPr lang="de-DE" sz="1200" dirty="0"/>
-              <a:t>Kassenbetreiber können manuell oder automatisiert über das Portal eingeladen werden. Zum automatisierten Einladen vieler Kassenbetreiber wird eine CSV Datei verwendet, die zu diesem Zweck im Portal importiert werden kann. </a:t>
+              <a:t>Um die Konfiguration und den Rollout vornehmen zu können, müssen zuerst die Kassenbetreiber im fiskaltrust Portal registriert werden. Die Konfiguration wird im Account des Kassenbetreibers angelegt.</a:t>
             </a:r>
           </a:p>
           <a:p>
@@ -12010,7 +10417,76 @@
             </a:pPr>
             <a:r>
               <a:rPr lang="de-DE" sz="1200" dirty="0"/>
-              <a:t>Sobald die Einladung initiiert wurde, sendet fiskaltrust eine Einladungs-E-Mail an den Kassenbetreiber. Sie enthält Informationen und einem Email-Bestätigungs-Link.</a:t>
+              <a:t>Kassenbetreiber können manuell oder automatisiert über das Portal eingeladen werden. Zum automatisierten Einladen vieler Kassenbetreiber wird eine CSV Datei verwendet, die zu diesem Zweck im Portal importiert wird. Im Rahmen. Der Einladungskonfiguration werden die Zugriffsrechte des Kassenhändlers auf das Konto des Kassenbetreibers eingestellt.</a:t>
+            </a:r>
+          </a:p>
+          <a:p>
+            <a:pPr marL="0" marR="0" lvl="0" indent="0" algn="l" defTabSz="914400" rtl="0" eaLnBrk="1" fontAlgn="auto" latinLnBrk="0" hangingPunct="1">
+              <a:lnSpc>
+                <a:spcPct val="100000"/>
+              </a:lnSpc>
+              <a:spcBef>
+                <a:spcPts val="0"/>
+              </a:spcBef>
+              <a:spcAft>
+                <a:spcPts val="0"/>
+              </a:spcAft>
+              <a:buClrTx/>
+              <a:buSzTx/>
+              <a:buFontTx/>
+              <a:buNone/>
+              <a:tabLst/>
+              <a:defRPr/>
+            </a:pPr>
+            <a:r>
+              <a:rPr lang="de-DE" sz="1200" dirty="0"/>
+              <a:t>Sobald die Einladung abgesetzt wurde, wird eine Einladungs-Email an den Kassenbetreiber gesendet. </a:t>
+            </a:r>
+          </a:p>
+          <a:p>
+            <a:pPr marL="0" marR="0" lvl="0" indent="0" algn="l" defTabSz="914400" rtl="0" eaLnBrk="1" fontAlgn="auto" latinLnBrk="0" hangingPunct="1">
+              <a:lnSpc>
+                <a:spcPct val="100000"/>
+              </a:lnSpc>
+              <a:spcBef>
+                <a:spcPts val="0"/>
+              </a:spcBef>
+              <a:spcAft>
+                <a:spcPts val="0"/>
+              </a:spcAft>
+              <a:buClrTx/>
+              <a:buSzTx/>
+              <a:buFontTx/>
+              <a:buNone/>
+              <a:tabLst/>
+              <a:defRPr/>
+            </a:pPr>
+            <a:r>
+              <a:rPr lang="de-DE" sz="1200" dirty="0"/>
+              <a:t>Dieser erhält daraufhin die Email mit Informationen und einem Email-Bestätigungs-Link.</a:t>
+            </a:r>
+          </a:p>
+          <a:p>
+            <a:pPr marL="0" marR="0" lvl="0" indent="0" algn="l" defTabSz="914400" rtl="0" eaLnBrk="1" fontAlgn="auto" latinLnBrk="0" hangingPunct="1">
+              <a:lnSpc>
+                <a:spcPct val="100000"/>
+              </a:lnSpc>
+              <a:spcBef>
+                <a:spcPts val="0"/>
+              </a:spcBef>
+              <a:spcAft>
+                <a:spcPts val="0"/>
+              </a:spcAft>
+              <a:buClrTx/>
+              <a:buSzTx/>
+              <a:buFontTx/>
+              <a:buNone/>
+              <a:tabLst/>
+              <a:defRPr/>
+            </a:pPr>
+            <a:r>
+              <a:rPr lang="de-DE" sz="1200" dirty="0"/>
+              <a:t>Der Betreiber drückt den Link und wird auf das fiskaltrust Portal weiter geleitet wo er seine Daten überprüfen und sein Passwort setzen kann. Im nächsten Schritt muss er den Kooperationsvertrag mit fiskaltrust digital unterzeichnen. </a:t>
             </a:r>
           </a:p>
           <a:p>
@@ -12019,56 +10495,9 @@
             </a:pPr>
             <a:r>
               <a:rPr lang="de-DE" sz="1200" dirty="0"/>
-              <a:t>Der Betreiber drückt den Link und wird auf das fiskaltrust Portal weiter geleitet wo er seine Daten überprüfen und sein Passwort setzen kann. Im nächsten Schritt muss er</a:t>
-            </a:r>
-            <a:r>
-              <a:rPr lang="de-DE" sz="1200" dirty="0">
-                <a:solidFill>
-                  <a:srgbClr val="000000"/>
-                </a:solidFill>
-              </a:rPr>
-              <a:t> die Kassenbetreiber-Nutzungsvereinbarung digital unterzeichnen.</a:t>
+              <a:t>Der Händler kann nun über die Surrogate Funktion in den Account des Kassenbetreibers Switchen um den Rollout vorzunehmen.</a:t>
             </a:r>
             <a:endParaRPr lang="de-DE" sz="1200" strike="sngStrike" dirty="0">
-              <a:solidFill>
-                <a:srgbClr val="FF0000"/>
-              </a:solidFill>
-              <a:highlight>
-                <a:srgbClr val="FFFF00"/>
-              </a:highlight>
-            </a:endParaRPr>
-          </a:p>
-          <a:p>
-            <a:pPr>
-              <a:defRPr/>
-            </a:pPr>
-            <a:r>
-              <a:rPr lang="de-DE" sz="1200" dirty="0"/>
-              <a:t>Der Händler kann Zugriffsrechte für die sogenannte Surrogation Funktion anfordern. Damit kann der Händler in den Portal-Account des Betreibers </a:t>
-            </a:r>
-            <a:r>
-              <a:rPr lang="de-DE" sz="1200" dirty="0" err="1"/>
-              <a:t>switchen</a:t>
-            </a:r>
-            <a:r>
-              <a:rPr lang="de-DE" sz="1200" dirty="0"/>
-              <a:t> und im Namen des Betreibers den </a:t>
-            </a:r>
-            <a:r>
-              <a:rPr lang="de-DE" sz="1200" dirty="0" err="1"/>
-              <a:t>fiskaltrist.Shop</a:t>
-            </a:r>
-            <a:r>
-              <a:rPr lang="de-DE" sz="1200" dirty="0"/>
-              <a:t> bedienen und benötigte technische Konfigurationen vornehmen.</a:t>
-            </a:r>
-            <a:endParaRPr lang="de-DE" sz="1200" strike="sngStrike" dirty="0">
-              <a:solidFill>
-                <a:srgbClr val="FF0000"/>
-              </a:solidFill>
-              <a:highlight>
-                <a:srgbClr val="FFFF00"/>
-              </a:highlight>
               <a:cs typeface="Calibri"/>
             </a:endParaRPr>
           </a:p>
@@ -12444,7 +10873,7 @@
                 <a:ea typeface="+mn-ea"/>
                 <a:cs typeface="+mn-cs"/>
               </a:rPr>
-              <a:t>Die Queue ist eine Komponente der ft.Middleware, sammelt die Belege und ist für das Erzeugen und Persistieren der Belegkette verantwortlich. Des Weiteren ist die Queue die Komponente der ft.Middleware mit der Ihr POS System kommuniziert. An sie sendet das POS System die Belegdaten und erhält Signaturen und andere Daten zurück.</a:t>
+              <a:t>Die Queue ist eine Komponente der ft.Middleware, sammelt die Belege und ist für das Erzeugen und Abspeichern der Belegkette verantwortlich. Des Weiteren ist die Queue die Komponente der ft.Middleware mit der das Kassensystem kommuniziert. An die Queue sendet das Kassensystem die Belegdaten und erhält Signaturen und andere Daten zurück.</a:t>
             </a:r>
           </a:p>
           <a:p>
@@ -12517,7 +10946,7 @@
                 <a:ea typeface="+mn-ea"/>
                 <a:cs typeface="+mn-cs"/>
               </a:rPr>
-              <a:t>, die für die Signierung zuständig ist. In Deutschland übernimmt sie die Kommunikation mit der TSE, die schlussendlich die Signierung vornimmt. Je nachdem welche TSE Sie benutzen möchten, benötigt die SCU eine entsprechende Konfiguration um auf diese zugreifen zu können.</a:t>
+              <a:t>, die für die Signierung der Daten zuständig ist. In Deutschland übernimmt sie die Kommunikation mit der TSE, die schlussendlich die Signierung vornimmt. Je nachdem welche TSE Sie benutzen möchten, benötigt die SCU eine entsprechende Konfiguration um auf diese zugreifen zu können.</a:t>
             </a:r>
           </a:p>
           <a:p>
@@ -12746,23 +11175,7 @@
             </a:pPr>
             <a:r>
               <a:rPr lang="de-DE" dirty="0"/>
-              <a:t>Vor dem Download des Launcher sollte die Cashbox neu zusammengebaut werden („</a:t>
-            </a:r>
-            <a:r>
-              <a:rPr lang="de-DE" dirty="0" err="1"/>
-              <a:t>Rebuild</a:t>
-            </a:r>
-            <a:r>
-              <a:rPr lang="de-DE" dirty="0"/>
-              <a:t> </a:t>
-            </a:r>
-            <a:r>
-              <a:rPr lang="de-DE" dirty="0" err="1"/>
-              <a:t>configuration</a:t>
-            </a:r>
-            <a:r>
-              <a:rPr lang="de-DE" dirty="0"/>
-              <a:t>“ – Button) um sicher zu sein, dass zwischenzeitlich vorgenommene Änderungen an den einzelnen Konfigurationen (Queue, SCU) auch angewendet werden. Die „</a:t>
+              <a:t>Vor dem Download des Launcher sollte die Cashbox publiziert werden („Rebuild configuration“ – Button) um sicher zu sein, dass zwischenzeitlich vorgenommene Änderungen an den einzelnen Konfigurationen (Queue, SCU) auch angewendet werden. Die „</a:t>
             </a:r>
             <a:r>
               <a:rPr lang="de-DE" dirty="0" err="1"/>
@@ -12884,15 +11297,7 @@
             </a:pPr>
             <a:r>
               <a:rPr lang="de-DE" dirty="0"/>
-              <a:t>Verschiedenen typen des Launcher werden durch die </a:t>
-            </a:r>
-            <a:r>
-              <a:rPr lang="de-DE" dirty="0" err="1"/>
-              <a:t>Platform</a:t>
-            </a:r>
-            <a:r>
-              <a:rPr lang="de-DE" dirty="0"/>
-              <a:t> definiert:</a:t>
+              <a:t>Verschiedenen typen des Launcher werden durch die Plattform definiert:</a:t>
             </a:r>
           </a:p>
           <a:p>
@@ -12970,7 +11375,7 @@
             <a:endParaRPr lang="de-DE" dirty="0"/>
           </a:p>
           <a:p>
-            <a:pPr marL="0" marR="0" lvl="0" indent="0" algn="l" defTabSz="914400" rtl="0" eaLnBrk="1" fontAlgn="auto" latinLnBrk="0" hangingPunct="1">
+            <a:pPr marL="171450" marR="0" lvl="0" indent="-171450" algn="l" defTabSz="914400" rtl="0" eaLnBrk="1" fontAlgn="auto" latinLnBrk="0" hangingPunct="1">
               <a:lnSpc>
                 <a:spcPct val="100000"/>
               </a:lnSpc>
@@ -12983,14 +11388,10 @@
               <a:buClrTx/>
               <a:buSzTx/>
               <a:buFontTx/>
-              <a:buNone/>
+              <a:buChar char="-"/>
               <a:tabLst/>
               <a:defRPr/>
             </a:pPr>
-            <a:r>
-              <a:rPr lang="de-DE" dirty="0"/>
-              <a:t>- </a:t>
-            </a:r>
             <a:r>
               <a:rPr lang="de-DE" dirty="0" err="1"/>
               <a:t>cloudservice</a:t>
@@ -13101,6 +11502,26 @@
               <a:rPr lang="de-DE" dirty="0"/>
               <a:t> macht ist parameter-gesteuert:</a:t>
             </a:r>
+          </a:p>
+          <a:p>
+            <a:pPr marL="0" marR="0" lvl="0" indent="0" algn="l" defTabSz="914400" rtl="0" eaLnBrk="1" fontAlgn="auto" latinLnBrk="0" hangingPunct="1">
+              <a:lnSpc>
+                <a:spcPct val="100000"/>
+              </a:lnSpc>
+              <a:spcBef>
+                <a:spcPts val="0"/>
+              </a:spcBef>
+              <a:spcAft>
+                <a:spcPts val="0"/>
+              </a:spcAft>
+              <a:buClrTx/>
+              <a:buSzTx/>
+              <a:buFontTx/>
+              <a:buNone/>
+              <a:tabLst/>
+              <a:defRPr/>
+            </a:pPr>
+            <a:endParaRPr lang="de-DE" dirty="0"/>
           </a:p>
           <a:p>
             <a:pPr marL="0" marR="0" lvl="0" indent="0" algn="l" defTabSz="914400" rtl="0" eaLnBrk="1" fontAlgn="auto" latinLnBrk="0" hangingPunct="1">
@@ -13265,21 +11686,6 @@
           <a:p>
             <a:r>
               <a:rPr lang="de-DE" dirty="0"/>
-              <a:t>Für Massenrollouts bietet fiskaltrust diverse Automatisierungsoptionen. Wir werden im Folgenden die aufgelisteten Punkte vorstellen.</a:t>
-            </a:r>
-          </a:p>
-          <a:p>
-            <a:endParaRPr lang="de-DE" dirty="0"/>
-          </a:p>
-          <a:p>
-            <a:r>
-              <a:rPr lang="de-DE" dirty="0"/>
-              <a:t>Für die weiteren Inhalte zur Präsentation der Automatisierung wird als Vorlage folgende Dokumentation verwendet:</a:t>
-            </a:r>
-          </a:p>
-          <a:p>
-            <a:r>
-              <a:rPr lang="de-DE" dirty="0"/>
               <a:t>https://</a:t>
             </a:r>
             <a:r>
@@ -13288,7 +11694,23 @@
             </a:r>
             <a:r>
               <a:rPr lang="de-DE" dirty="0"/>
+              <a:t>/de/</a:t>
+            </a:r>
+            <a:r>
+              <a:rPr lang="de-DE" dirty="0" err="1"/>
+              <a:t>docs</a:t>
+            </a:r>
+            <a:r>
+              <a:rPr lang="de-DE" dirty="0"/>
               <a:t>/</a:t>
+            </a:r>
+            <a:r>
+              <a:rPr lang="de-DE" dirty="0" err="1"/>
+              <a:t>posdealers</a:t>
+            </a:r>
+            <a:r>
+              <a:rPr lang="de-DE" dirty="0"/>
+              <a:t>/rollout-</a:t>
             </a:r>
             <a:r>
               <a:rPr lang="de-DE" dirty="0" err="1"/>
@@ -13300,31 +11722,7 @@
             </a:r>
             <a:r>
               <a:rPr lang="de-DE" dirty="0" err="1"/>
-              <a:t>productdescription</a:t>
-            </a:r>
-            <a:r>
-              <a:rPr lang="de-DE" dirty="0"/>
-              <a:t>-de-</a:t>
-            </a:r>
-            <a:r>
-              <a:rPr lang="de-DE" dirty="0" err="1"/>
-              <a:t>doc</a:t>
-            </a:r>
-            <a:r>
-              <a:rPr lang="de-DE" dirty="0"/>
-              <a:t>/</a:t>
-            </a:r>
-            <a:r>
-              <a:rPr lang="de-DE" dirty="0" err="1"/>
-              <a:t>for-posdealers</a:t>
-            </a:r>
-            <a:r>
-              <a:rPr lang="de-DE" dirty="0"/>
-              <a:t>/02-pre-sales/automatisierter-</a:t>
-            </a:r>
-            <a:r>
-              <a:rPr lang="de-DE" dirty="0" err="1"/>
-              <a:t>rollout.html</a:t>
+              <a:t>middleware#rollout-szenarien</a:t>
             </a:r>
             <a:endParaRPr lang="de-DE" dirty="0"/>
           </a:p>
@@ -13356,7 +11754,7 @@
     </p:spTree>
     <p:extLst>
       <p:ext uri="{BB962C8B-B14F-4D97-AF65-F5344CB8AC3E}">
-        <p14:creationId xmlns:p14="http://schemas.microsoft.com/office/powerpoint/2010/main" val="4271929920"/>
+        <p14:creationId xmlns:p14="http://schemas.microsoft.com/office/powerpoint/2010/main" val="2987153345"/>
       </p:ext>
     </p:extLst>
   </p:cSld>
@@ -13703,7 +12101,7 @@
             <a:fld id="{F9CF9B13-D011-40B4-B116-4AFF51B22AA5}" type="datetime1">
               <a:rPr lang="de-DE" smtClean="0"/>
               <a:pPr/>
-              <a:t>09.02.2021</a:t>
+              <a:t>25.05.21</a:t>
             </a:fld>
             <a:r>
               <a:rPr lang="de-DE"/>
@@ -13712,7 +12110,7 @@
             <a:fld id="{4D3E4D3B-16BA-4843-8361-4E45D113E984}" type="slidenum">
               <a:rPr lang="de-DE" smtClean="0"/>
               <a:pPr/>
-              <a:t>‹Nr.›</a:t>
+              <a:t>‹#›</a:t>
             </a:fld>
             <a:endParaRPr lang="de-DE"/>
           </a:p>
@@ -14063,7 +12461,7 @@
             <a:fld id="{F9CF9B13-D011-40B4-B116-4AFF51B22AA5}" type="datetime1">
               <a:rPr lang="de-DE" smtClean="0"/>
               <a:pPr/>
-              <a:t>09.02.2021</a:t>
+              <a:t>25.05.21</a:t>
             </a:fld>
             <a:r>
               <a:rPr lang="de-DE"/>
@@ -14072,7 +12470,7 @@
             <a:fld id="{4D3E4D3B-16BA-4843-8361-4E45D113E984}" type="slidenum">
               <a:rPr lang="de-DE" smtClean="0"/>
               <a:pPr/>
-              <a:t>‹Nr.›</a:t>
+              <a:t>‹#›</a:t>
             </a:fld>
             <a:endParaRPr lang="de-DE"/>
           </a:p>
@@ -14285,7 +12683,7 @@
             <a:fld id="{EDCB950E-FDB1-4BA4-AE2E-92802DA17835}" type="datetime1">
               <a:rPr lang="de-DE" smtClean="0"/>
               <a:pPr/>
-              <a:t>09.02.2021</a:t>
+              <a:t>25.05.21</a:t>
             </a:fld>
             <a:endParaRPr lang="de-DE"/>
           </a:p>
@@ -14349,7 +12747,7 @@
             <a:fld id="{4D3E4D3B-16BA-4843-8361-4E45D113E984}" type="slidenum">
               <a:rPr lang="de-DE" smtClean="0"/>
               <a:pPr/>
-              <a:t>‹Nr.›</a:t>
+              <a:t>‹#›</a:t>
             </a:fld>
             <a:endParaRPr lang="de-DE"/>
           </a:p>
@@ -14743,7 +13141,7 @@
           <a:p>
             <a:fld id="{EA38D6C4-32A5-4B1B-BEC5-546FAB3E61DF}" type="datetime1">
               <a:rPr lang="de-DE" smtClean="0"/>
-              <a:t>09.02.2021</a:t>
+              <a:t>25.05.21</a:t>
             </a:fld>
             <a:endParaRPr lang="de-DE"/>
           </a:p>
@@ -14838,7 +13236,7 @@
             <a:fld id="{4D3E4D3B-16BA-4843-8361-4E45D113E984}" type="slidenum">
               <a:rPr lang="de-DE" smtClean="0"/>
               <a:pPr/>
-              <a:t>‹Nr.›</a:t>
+              <a:t>‹#›</a:t>
             </a:fld>
             <a:endParaRPr lang="de-DE"/>
           </a:p>
@@ -15186,7 +13584,7 @@
               <a:t>fiskaltrust für Kassenhändler</a:t>
             </a:r>
             <a:endParaRPr lang="de-AT" sz="6600" dirty="0">
-              <a:latin typeface="Klavika" panose="02000803050000020004" pitchFamily="2" charset="0"/>
+              <a:latin typeface="Klavika Bd" panose="02000803050000020004" pitchFamily="2" charset="0"/>
             </a:endParaRPr>
           </a:p>
         </p:txBody>
@@ -15256,7 +13654,7 @@
             <a:fld id="{F9CF9B13-D011-40B4-B116-4AFF51B22AA5}" type="datetime1">
               <a:rPr lang="de-DE"/>
               <a:pPr/>
-              <a:t>09.02.2021</a:t>
+              <a:t>25.05.21</a:t>
             </a:fld>
             <a:r>
               <a:rPr lang="de-DE"/>
@@ -15329,13 +13727,95 @@
           <a:p>
             <a:r>
               <a:rPr lang="de-DE" dirty="0">
-                <a:latin typeface="Klavika" panose="02000803050000020004" pitchFamily="2" charset="0"/>
+                <a:latin typeface="Klavika Bd" panose="02000803050000020004" pitchFamily="2" charset="0"/>
               </a:rPr>
-              <a:t>Massenupdate der Cashboxen</a:t>
+              <a:t>Automatisierungsoptionen</a:t>
             </a:r>
             <a:endParaRPr lang="de-AT" dirty="0">
-              <a:latin typeface="Klavika" panose="02000803050000020004" pitchFamily="2" charset="0"/>
+              <a:latin typeface="Klavika Bd" panose="02000803050000020004" pitchFamily="2" charset="0"/>
             </a:endParaRPr>
+          </a:p>
+        </p:txBody>
+      </p:sp>
+      <p:sp>
+        <p:nvSpPr>
+          <p:cNvPr id="6" name="Inhaltsplatzhalter 5">
+            <a:extLst>
+              <a:ext uri="{FF2B5EF4-FFF2-40B4-BE49-F238E27FC236}">
+                <a16:creationId xmlns:a16="http://schemas.microsoft.com/office/drawing/2014/main" id="{902B4942-6079-4325-B9EF-8765C0505437}"/>
+              </a:ext>
+            </a:extLst>
+          </p:cNvPr>
+          <p:cNvSpPr>
+            <a:spLocks noGrp="1"/>
+          </p:cNvSpPr>
+          <p:nvPr>
+            <p:ph idx="1"/>
+          </p:nvPr>
+        </p:nvSpPr>
+        <p:spPr/>
+        <p:txBody>
+          <a:bodyPr/>
+          <a:lstStyle/>
+          <a:p>
+            <a:endParaRPr lang="de-AT" dirty="0">
+              <a:latin typeface="Roboto" panose="02000000000000000000" pitchFamily="2" charset="0"/>
+              <a:ea typeface="Roboto" panose="02000000000000000000" pitchFamily="2" charset="0"/>
+            </a:endParaRPr>
+          </a:p>
+          <a:p>
+            <a:pPr marL="0" indent="0">
+              <a:buNone/>
+            </a:pPr>
+            <a:endParaRPr lang="de-AT" dirty="0">
+              <a:latin typeface="Roboto" panose="02000000000000000000" pitchFamily="2" charset="0"/>
+              <a:ea typeface="Roboto" panose="02000000000000000000" pitchFamily="2" charset="0"/>
+            </a:endParaRPr>
+          </a:p>
+          <a:p>
+            <a:r>
+              <a:rPr lang="de-AT" dirty="0">
+                <a:latin typeface="Roboto" panose="02000000000000000000" pitchFamily="2" charset="0"/>
+                <a:ea typeface="Roboto" panose="02000000000000000000" pitchFamily="2" charset="0"/>
+              </a:rPr>
+              <a:t>Templating zum Erstellen von Cashboxen</a:t>
+            </a:r>
+          </a:p>
+          <a:p>
+            <a:r>
+              <a:rPr lang="de-AT" dirty="0">
+                <a:latin typeface="Roboto" panose="02000000000000000000" pitchFamily="2" charset="0"/>
+                <a:ea typeface="Roboto" panose="02000000000000000000" pitchFamily="2" charset="0"/>
+              </a:rPr>
+              <a:t>Bulk-Import der Standorte</a:t>
+            </a:r>
+          </a:p>
+          <a:p>
+            <a:r>
+              <a:rPr lang="de-AT" dirty="0">
+                <a:latin typeface="Roboto" panose="02000000000000000000" pitchFamily="2" charset="0"/>
+                <a:ea typeface="Roboto" panose="02000000000000000000" pitchFamily="2" charset="0"/>
+              </a:rPr>
+              <a:t>Automatisierte Auslieferung der Middleware</a:t>
+            </a:r>
+          </a:p>
+          <a:p>
+            <a:r>
+              <a:rPr lang="de-AT" dirty="0">
+                <a:latin typeface="Roboto" panose="02000000000000000000" pitchFamily="2" charset="0"/>
+                <a:ea typeface="Roboto" panose="02000000000000000000" pitchFamily="2" charset="0"/>
+              </a:rPr>
+              <a:t>Hoher Automatisierungsgrad beim Rollout</a:t>
+            </a:r>
+          </a:p>
+          <a:p>
+            <a:r>
+              <a:rPr lang="de-AT" dirty="0">
+                <a:latin typeface="Roboto" panose="02000000000000000000" pitchFamily="2" charset="0"/>
+                <a:ea typeface="Roboto" panose="02000000000000000000" pitchFamily="2" charset="0"/>
+              </a:rPr>
+              <a:t>Massenupdate der Cashboxen nach dem Rollout</a:t>
+            </a:r>
           </a:p>
         </p:txBody>
       </p:sp>
@@ -15367,7 +13847,7 @@
             <a:fld id="{F9CF9B13-D011-40B4-B116-4AFF51B22AA5}" type="datetime1">
               <a:rPr lang="de-DE" smtClean="0"/>
               <a:pPr/>
-              <a:t>09.02.2021</a:t>
+              <a:t>25.05.21</a:t>
             </a:fld>
             <a:r>
               <a:rPr lang="de-DE"/>
@@ -15382,46 +13862,10 @@
           </a:p>
         </p:txBody>
       </p:sp>
-      <p:pic>
-        <p:nvPicPr>
-          <p:cNvPr id="7" name="Picture 6" descr="A screenshot of a cell phone&#10;&#10;Description automatically generated">
-            <a:extLst>
-              <a:ext uri="{FF2B5EF4-FFF2-40B4-BE49-F238E27FC236}">
-                <a16:creationId xmlns:a16="http://schemas.microsoft.com/office/drawing/2014/main" id="{C717F9DD-0039-3B41-A54F-6F6F75DF069E}"/>
-              </a:ext>
-            </a:extLst>
-          </p:cNvPr>
-          <p:cNvPicPr>
-            <a:picLocks noChangeAspect="1"/>
-          </p:cNvPicPr>
-          <p:nvPr/>
-        </p:nvPicPr>
-        <p:blipFill>
-          <a:blip r:embed="rId3">
-            <a:extLst>
-              <a:ext uri="{28A0092B-C50C-407E-A947-70E740481C1C}">
-                <a14:useLocalDpi xmlns:a14="http://schemas.microsoft.com/office/drawing/2010/main" val="0"/>
-              </a:ext>
-            </a:extLst>
-          </a:blip>
-          <a:stretch>
-            <a:fillRect/>
-          </a:stretch>
-        </p:blipFill>
-        <p:spPr>
-          <a:xfrm>
-            <a:off x="0" y="1503554"/>
-            <a:ext cx="12192000" cy="4402327"/>
-          </a:xfrm>
-          <a:prstGeom prst="rect">
-            <a:avLst/>
-          </a:prstGeom>
-        </p:spPr>
-      </p:pic>
     </p:spTree>
     <p:extLst>
       <p:ext uri="{BB962C8B-B14F-4D97-AF65-F5344CB8AC3E}">
-        <p14:creationId xmlns:p14="http://schemas.microsoft.com/office/powerpoint/2010/main" val="1502827581"/>
+        <p14:creationId xmlns:p14="http://schemas.microsoft.com/office/powerpoint/2010/main" val="3152647481"/>
       </p:ext>
     </p:extLst>
   </p:cSld>
@@ -15476,12 +13920,12 @@
           <a:p>
             <a:r>
               <a:rPr lang="de-DE" dirty="0">
-                <a:latin typeface="Klavika" panose="02000803050000020004" pitchFamily="2" charset="0"/>
+                <a:latin typeface="Klavika Bd" panose="02000803050000020004" pitchFamily="2" charset="0"/>
               </a:rPr>
-              <a:t>Templating zum Erstellen von Cashboxen</a:t>
+              <a:t>Nächste Schritte</a:t>
             </a:r>
             <a:endParaRPr lang="de-AT" dirty="0">
-              <a:latin typeface="Klavika" panose="02000803050000020004" pitchFamily="2" charset="0"/>
+              <a:latin typeface="Klavika Bd" panose="02000803050000020004" pitchFamily="2" charset="0"/>
             </a:endParaRPr>
           </a:p>
         </p:txBody>
@@ -15507,12 +13951,6 @@
           <a:bodyPr/>
           <a:lstStyle/>
           <a:p>
-            <a:endParaRPr lang="de-AT" dirty="0">
-              <a:latin typeface="Roboto" panose="02000000000000000000" pitchFamily="2" charset="0"/>
-              <a:ea typeface="Roboto" panose="02000000000000000000" pitchFamily="2" charset="0"/>
-            </a:endParaRPr>
-          </a:p>
-          <a:p>
             <a:pPr marL="0" indent="0">
               <a:buNone/>
             </a:pPr>
@@ -15523,30 +13961,26 @@
           </a:p>
           <a:p>
             <a:r>
-              <a:rPr lang="de-AT" dirty="0">
+              <a:rPr lang="de-DE" dirty="0">
+                <a:hlinkClick r:id="rId3"/>
+              </a:rPr>
+              <a:t>Get Started für Kassenhändler</a:t>
+            </a:r>
+            <a:endParaRPr lang="de-DE" dirty="0"/>
+          </a:p>
+          <a:p>
+            <a:r>
+              <a:rPr lang="de-DE" dirty="0">
                 <a:latin typeface="Roboto" panose="02000000000000000000" pitchFamily="2" charset="0"/>
                 <a:ea typeface="Roboto" panose="02000000000000000000" pitchFamily="2" charset="0"/>
+                <a:hlinkClick r:id="rId4"/>
               </a:rPr>
-              <a:t>Aufbau und Funktionsweise</a:t>
-            </a:r>
-          </a:p>
-          <a:p>
-            <a:r>
-              <a:rPr lang="de-AT" dirty="0">
-                <a:latin typeface="Roboto" panose="02000000000000000000" pitchFamily="2" charset="0"/>
-                <a:ea typeface="Roboto" panose="02000000000000000000" pitchFamily="2" charset="0"/>
-              </a:rPr>
-              <a:t>Manuelles Anlegen und Ausführen über das Portal </a:t>
-            </a:r>
-          </a:p>
-          <a:p>
-            <a:r>
-              <a:rPr lang="de-AT" dirty="0">
-                <a:latin typeface="Roboto" panose="02000000000000000000" pitchFamily="2" charset="0"/>
-                <a:ea typeface="Roboto" panose="02000000000000000000" pitchFamily="2" charset="0"/>
-              </a:rPr>
-              <a:t>Automatisiertes Ausführen über API</a:t>
-            </a:r>
+              <a:t>Rollout Dokumentation</a:t>
+            </a:r>
+            <a:endParaRPr lang="de-DE" dirty="0">
+              <a:latin typeface="Roboto" panose="02000000000000000000" pitchFamily="2" charset="0"/>
+              <a:ea typeface="Roboto" panose="02000000000000000000" pitchFamily="2" charset="0"/>
+            </a:endParaRPr>
           </a:p>
         </p:txBody>
       </p:sp>
@@ -15578,7 +14012,7 @@
             <a:fld id="{F9CF9B13-D011-40B4-B116-4AFF51B22AA5}" type="datetime1">
               <a:rPr lang="de-DE" smtClean="0"/>
               <a:pPr/>
-              <a:t>09.02.2021</a:t>
+              <a:t>25.05.21</a:t>
             </a:fld>
             <a:r>
               <a:rPr lang="de-DE"/>
@@ -15588,2865 +14022,6 @@
               <a:rPr lang="de-DE" smtClean="0"/>
               <a:pPr/>
               <a:t>11</a:t>
-            </a:fld>
-            <a:endParaRPr lang="de-DE"/>
-          </a:p>
-        </p:txBody>
-      </p:sp>
-    </p:spTree>
-    <p:extLst>
-      <p:ext uri="{BB962C8B-B14F-4D97-AF65-F5344CB8AC3E}">
-        <p14:creationId xmlns:p14="http://schemas.microsoft.com/office/powerpoint/2010/main" val="3930300498"/>
-      </p:ext>
-    </p:extLst>
-  </p:cSld>
-  <p:clrMapOvr>
-    <a:masterClrMapping/>
-  </p:clrMapOvr>
-</p:sld>
-</file>
-
-<file path=ppt/slides/slide12.xml><?xml version="1.0" encoding="utf-8"?>
-<p:sld xmlns:a="http://schemas.openxmlformats.org/drawingml/2006/main" xmlns:r="http://schemas.openxmlformats.org/officeDocument/2006/relationships" xmlns:p="http://schemas.openxmlformats.org/presentationml/2006/main">
-  <p:cSld>
-    <p:spTree>
-      <p:nvGrpSpPr>
-        <p:cNvPr id="1" name=""/>
-        <p:cNvGrpSpPr/>
-        <p:nvPr/>
-      </p:nvGrpSpPr>
-      <p:grpSpPr>
-        <a:xfrm>
-          <a:off x="0" y="0"/>
-          <a:ext cx="0" cy="0"/>
-          <a:chOff x="0" y="0"/>
-          <a:chExt cx="0" cy="0"/>
-        </a:xfrm>
-      </p:grpSpPr>
-      <p:sp>
-        <p:nvSpPr>
-          <p:cNvPr id="5" name="Titel 4">
-            <a:extLst>
-              <a:ext uri="{FF2B5EF4-FFF2-40B4-BE49-F238E27FC236}">
-                <a16:creationId xmlns:a16="http://schemas.microsoft.com/office/drawing/2014/main" id="{3BDAB914-87D3-4CE0-B5F7-BB66EC2ADF64}"/>
-              </a:ext>
-            </a:extLst>
-          </p:cNvPr>
-          <p:cNvSpPr>
-            <a:spLocks noGrp="1"/>
-          </p:cNvSpPr>
-          <p:nvPr>
-            <p:ph type="title"/>
-          </p:nvPr>
-        </p:nvSpPr>
-        <p:spPr>
-          <a:xfrm>
-            <a:off x="304977" y="187890"/>
-            <a:ext cx="9856790" cy="530326"/>
-          </a:xfrm>
-        </p:spPr>
-        <p:txBody>
-          <a:bodyPr/>
-          <a:lstStyle/>
-          <a:p>
-            <a:r>
-              <a:rPr lang="de-DE" dirty="0">
-                <a:latin typeface="Klavika" panose="02000803050000020004" pitchFamily="2" charset="0"/>
-              </a:rPr>
-              <a:t>Templating zum Erstellen von Cashboxen</a:t>
-            </a:r>
-            <a:endParaRPr lang="de-AT" dirty="0">
-              <a:latin typeface="Klavika" panose="02000803050000020004" pitchFamily="2" charset="0"/>
-            </a:endParaRPr>
-          </a:p>
-        </p:txBody>
-      </p:sp>
-      <p:sp>
-        <p:nvSpPr>
-          <p:cNvPr id="6" name="Inhaltsplatzhalter 5">
-            <a:extLst>
-              <a:ext uri="{FF2B5EF4-FFF2-40B4-BE49-F238E27FC236}">
-                <a16:creationId xmlns:a16="http://schemas.microsoft.com/office/drawing/2014/main" id="{902B4942-6079-4325-B9EF-8765C0505437}"/>
-              </a:ext>
-            </a:extLst>
-          </p:cNvPr>
-          <p:cNvSpPr>
-            <a:spLocks noGrp="1"/>
-          </p:cNvSpPr>
-          <p:nvPr>
-            <p:ph idx="1"/>
-          </p:nvPr>
-        </p:nvSpPr>
-        <p:spPr/>
-        <p:txBody>
-          <a:bodyPr>
-            <a:normAutofit/>
-          </a:bodyPr>
-          <a:lstStyle/>
-          <a:p>
-            <a:r>
-              <a:rPr lang="de-AT" dirty="0">
-                <a:latin typeface="Roboto" panose="02000000000000000000" pitchFamily="2" charset="0"/>
-                <a:ea typeface="Roboto" panose="02000000000000000000" pitchFamily="2" charset="0"/>
-              </a:rPr>
-              <a:t>Parametrisierbare Variante der Cashbox</a:t>
-            </a:r>
-          </a:p>
-          <a:p>
-            <a:r>
-              <a:rPr lang="de-AT" dirty="0">
-                <a:latin typeface="Roboto" panose="02000000000000000000" pitchFamily="2" charset="0"/>
-                <a:ea typeface="Roboto" panose="02000000000000000000" pitchFamily="2" charset="0"/>
-              </a:rPr>
-              <a:t>Definiert die Struktur (z.B. zwei Queues und eine SCU)</a:t>
-            </a:r>
-          </a:p>
-          <a:p>
-            <a:r>
-              <a:rPr lang="de-AT" dirty="0">
-                <a:latin typeface="Roboto" panose="02000000000000000000" pitchFamily="2" charset="0"/>
-                <a:ea typeface="Roboto" panose="02000000000000000000" pitchFamily="2" charset="0"/>
-              </a:rPr>
-              <a:t>Verwendet Variablen als Platzhalter (Systemvariablen und eigene)</a:t>
-            </a:r>
-          </a:p>
-          <a:p>
-            <a:r>
-              <a:rPr lang="de-AT" dirty="0">
-                <a:latin typeface="Roboto" panose="02000000000000000000" pitchFamily="2" charset="0"/>
-                <a:ea typeface="Roboto" panose="02000000000000000000" pitchFamily="2" charset="0"/>
-              </a:rPr>
-              <a:t>Kann im Portal hinterlegt werden oder per API direkt ausgeführt werden</a:t>
-            </a:r>
-          </a:p>
-          <a:p>
-            <a:r>
-              <a:rPr lang="de-AT" dirty="0">
-                <a:latin typeface="Roboto" panose="02000000000000000000" pitchFamily="2" charset="0"/>
-                <a:ea typeface="Roboto" panose="02000000000000000000" pitchFamily="2" charset="0"/>
-              </a:rPr>
-              <a:t>Branding über Portal möglich, sichtbar im ft.Shop</a:t>
-            </a:r>
-          </a:p>
-          <a:p>
-            <a:r>
-              <a:rPr lang="de-AT" dirty="0">
-                <a:latin typeface="Roboto" panose="02000000000000000000" pitchFamily="2" charset="0"/>
-                <a:ea typeface="Roboto" panose="02000000000000000000" pitchFamily="2" charset="0"/>
-              </a:rPr>
-              <a:t>Generiert eine Cashbox beim Ausführen</a:t>
-            </a:r>
-          </a:p>
-        </p:txBody>
-      </p:sp>
-      <p:sp>
-        <p:nvSpPr>
-          <p:cNvPr id="4" name="Datumsplatzhalter 3">
-            <a:extLst>
-              <a:ext uri="{FF2B5EF4-FFF2-40B4-BE49-F238E27FC236}">
-                <a16:creationId xmlns:a16="http://schemas.microsoft.com/office/drawing/2014/main" id="{C5C0CF94-8E0E-4767-B789-B0FE06643950}"/>
-              </a:ext>
-            </a:extLst>
-          </p:cNvPr>
-          <p:cNvSpPr>
-            <a:spLocks noGrp="1"/>
-          </p:cNvSpPr>
-          <p:nvPr>
-            <p:ph type="dt" sz="half" idx="10"/>
-          </p:nvPr>
-        </p:nvSpPr>
-        <p:spPr/>
-        <p:txBody>
-          <a:bodyPr/>
-          <a:lstStyle/>
-          <a:p>
-            <a:r>
-              <a:rPr lang="de-DE"/>
-              <a:t>fiskaltrust gmbh - </a:t>
-            </a:r>
-            <a:fld id="{F9CF9B13-D011-40B4-B116-4AFF51B22AA5}" type="datetime1">
-              <a:rPr lang="de-DE" smtClean="0"/>
-              <a:pPr/>
-              <a:t>09.02.2021</a:t>
-            </a:fld>
-            <a:r>
-              <a:rPr lang="de-DE"/>
-              <a:t> - Folie </a:t>
-            </a:r>
-            <a:fld id="{4D3E4D3B-16BA-4843-8361-4E45D113E984}" type="slidenum">
-              <a:rPr lang="de-DE" smtClean="0"/>
-              <a:pPr/>
-              <a:t>12</a:t>
-            </a:fld>
-            <a:endParaRPr lang="de-DE"/>
-          </a:p>
-        </p:txBody>
-      </p:sp>
-    </p:spTree>
-    <p:extLst>
-      <p:ext uri="{BB962C8B-B14F-4D97-AF65-F5344CB8AC3E}">
-        <p14:creationId xmlns:p14="http://schemas.microsoft.com/office/powerpoint/2010/main" val="4094694650"/>
-      </p:ext>
-    </p:extLst>
-  </p:cSld>
-  <p:clrMapOvr>
-    <a:masterClrMapping/>
-  </p:clrMapOvr>
-  <p:timing>
-    <p:tnLst>
-      <p:par>
-        <p:cTn id="1" dur="indefinite" restart="never" nodeType="tmRoot">
-          <p:childTnLst>
-            <p:seq concurrent="1" nextAc="seek">
-              <p:cTn id="2" dur="indefinite" nodeType="mainSeq">
-                <p:childTnLst>
-                  <p:par>
-                    <p:cTn id="3" fill="hold">
-                      <p:stCondLst>
-                        <p:cond delay="indefinite"/>
-                      </p:stCondLst>
-                      <p:childTnLst>
-                        <p:par>
-                          <p:cTn id="4" fill="hold">
-                            <p:stCondLst>
-                              <p:cond delay="0"/>
-                            </p:stCondLst>
-                            <p:childTnLst>
-                              <p:par>
-                                <p:cTn id="5" presetID="1" presetClass="entr" presetSubtype="0" fill="hold" grpId="0" nodeType="clickEffect">
-                                  <p:stCondLst>
-                                    <p:cond delay="0"/>
-                                  </p:stCondLst>
-                                  <p:childTnLst>
-                                    <p:set>
-                                      <p:cBhvr>
-                                        <p:cTn id="6" dur="1" fill="hold">
-                                          <p:stCondLst>
-                                            <p:cond delay="0"/>
-                                          </p:stCondLst>
-                                        </p:cTn>
-                                        <p:tgtEl>
-                                          <p:spTgt spid="6">
-                                            <p:txEl>
-                                              <p:pRg st="0" end="0"/>
-                                            </p:txEl>
-                                          </p:spTgt>
-                                        </p:tgtEl>
-                                        <p:attrNameLst>
-                                          <p:attrName>style.visibility</p:attrName>
-                                        </p:attrNameLst>
-                                      </p:cBhvr>
-                                      <p:to>
-                                        <p:strVal val="visible"/>
-                                      </p:to>
-                                    </p:set>
-                                  </p:childTnLst>
-                                </p:cTn>
-                              </p:par>
-                            </p:childTnLst>
-                          </p:cTn>
-                        </p:par>
-                      </p:childTnLst>
-                    </p:cTn>
-                  </p:par>
-                  <p:par>
-                    <p:cTn id="7" fill="hold">
-                      <p:stCondLst>
-                        <p:cond delay="indefinite"/>
-                      </p:stCondLst>
-                      <p:childTnLst>
-                        <p:par>
-                          <p:cTn id="8" fill="hold">
-                            <p:stCondLst>
-                              <p:cond delay="0"/>
-                            </p:stCondLst>
-                            <p:childTnLst>
-                              <p:par>
-                                <p:cTn id="9" presetID="1" presetClass="entr" presetSubtype="0" fill="hold" grpId="0" nodeType="clickEffect">
-                                  <p:stCondLst>
-                                    <p:cond delay="0"/>
-                                  </p:stCondLst>
-                                  <p:childTnLst>
-                                    <p:set>
-                                      <p:cBhvr>
-                                        <p:cTn id="10" dur="1" fill="hold">
-                                          <p:stCondLst>
-                                            <p:cond delay="0"/>
-                                          </p:stCondLst>
-                                        </p:cTn>
-                                        <p:tgtEl>
-                                          <p:spTgt spid="6">
-                                            <p:txEl>
-                                              <p:pRg st="1" end="1"/>
-                                            </p:txEl>
-                                          </p:spTgt>
-                                        </p:tgtEl>
-                                        <p:attrNameLst>
-                                          <p:attrName>style.visibility</p:attrName>
-                                        </p:attrNameLst>
-                                      </p:cBhvr>
-                                      <p:to>
-                                        <p:strVal val="visible"/>
-                                      </p:to>
-                                    </p:set>
-                                  </p:childTnLst>
-                                </p:cTn>
-                              </p:par>
-                            </p:childTnLst>
-                          </p:cTn>
-                        </p:par>
-                      </p:childTnLst>
-                    </p:cTn>
-                  </p:par>
-                  <p:par>
-                    <p:cTn id="11" fill="hold">
-                      <p:stCondLst>
-                        <p:cond delay="indefinite"/>
-                      </p:stCondLst>
-                      <p:childTnLst>
-                        <p:par>
-                          <p:cTn id="12" fill="hold">
-                            <p:stCondLst>
-                              <p:cond delay="0"/>
-                            </p:stCondLst>
-                            <p:childTnLst>
-                              <p:par>
-                                <p:cTn id="13" presetID="1" presetClass="entr" presetSubtype="0" fill="hold" grpId="0" nodeType="clickEffect">
-                                  <p:stCondLst>
-                                    <p:cond delay="0"/>
-                                  </p:stCondLst>
-                                  <p:childTnLst>
-                                    <p:set>
-                                      <p:cBhvr>
-                                        <p:cTn id="14" dur="1" fill="hold">
-                                          <p:stCondLst>
-                                            <p:cond delay="0"/>
-                                          </p:stCondLst>
-                                        </p:cTn>
-                                        <p:tgtEl>
-                                          <p:spTgt spid="6">
-                                            <p:txEl>
-                                              <p:pRg st="2" end="2"/>
-                                            </p:txEl>
-                                          </p:spTgt>
-                                        </p:tgtEl>
-                                        <p:attrNameLst>
-                                          <p:attrName>style.visibility</p:attrName>
-                                        </p:attrNameLst>
-                                      </p:cBhvr>
-                                      <p:to>
-                                        <p:strVal val="visible"/>
-                                      </p:to>
-                                    </p:set>
-                                  </p:childTnLst>
-                                </p:cTn>
-                              </p:par>
-                            </p:childTnLst>
-                          </p:cTn>
-                        </p:par>
-                      </p:childTnLst>
-                    </p:cTn>
-                  </p:par>
-                  <p:par>
-                    <p:cTn id="15" fill="hold">
-                      <p:stCondLst>
-                        <p:cond delay="indefinite"/>
-                      </p:stCondLst>
-                      <p:childTnLst>
-                        <p:par>
-                          <p:cTn id="16" fill="hold">
-                            <p:stCondLst>
-                              <p:cond delay="0"/>
-                            </p:stCondLst>
-                            <p:childTnLst>
-                              <p:par>
-                                <p:cTn id="17" presetID="1" presetClass="entr" presetSubtype="0" fill="hold" grpId="0" nodeType="clickEffect">
-                                  <p:stCondLst>
-                                    <p:cond delay="0"/>
-                                  </p:stCondLst>
-                                  <p:childTnLst>
-                                    <p:set>
-                                      <p:cBhvr>
-                                        <p:cTn id="18" dur="1" fill="hold">
-                                          <p:stCondLst>
-                                            <p:cond delay="0"/>
-                                          </p:stCondLst>
-                                        </p:cTn>
-                                        <p:tgtEl>
-                                          <p:spTgt spid="6">
-                                            <p:txEl>
-                                              <p:pRg st="3" end="3"/>
-                                            </p:txEl>
-                                          </p:spTgt>
-                                        </p:tgtEl>
-                                        <p:attrNameLst>
-                                          <p:attrName>style.visibility</p:attrName>
-                                        </p:attrNameLst>
-                                      </p:cBhvr>
-                                      <p:to>
-                                        <p:strVal val="visible"/>
-                                      </p:to>
-                                    </p:set>
-                                  </p:childTnLst>
-                                </p:cTn>
-                              </p:par>
-                            </p:childTnLst>
-                          </p:cTn>
-                        </p:par>
-                      </p:childTnLst>
-                    </p:cTn>
-                  </p:par>
-                  <p:par>
-                    <p:cTn id="19" fill="hold">
-                      <p:stCondLst>
-                        <p:cond delay="indefinite"/>
-                      </p:stCondLst>
-                      <p:childTnLst>
-                        <p:par>
-                          <p:cTn id="20" fill="hold">
-                            <p:stCondLst>
-                              <p:cond delay="0"/>
-                            </p:stCondLst>
-                            <p:childTnLst>
-                              <p:par>
-                                <p:cTn id="21" presetID="1" presetClass="entr" presetSubtype="0" fill="hold" grpId="0" nodeType="clickEffect">
-                                  <p:stCondLst>
-                                    <p:cond delay="0"/>
-                                  </p:stCondLst>
-                                  <p:childTnLst>
-                                    <p:set>
-                                      <p:cBhvr>
-                                        <p:cTn id="22" dur="1" fill="hold">
-                                          <p:stCondLst>
-                                            <p:cond delay="0"/>
-                                          </p:stCondLst>
-                                        </p:cTn>
-                                        <p:tgtEl>
-                                          <p:spTgt spid="6">
-                                            <p:txEl>
-                                              <p:pRg st="4" end="4"/>
-                                            </p:txEl>
-                                          </p:spTgt>
-                                        </p:tgtEl>
-                                        <p:attrNameLst>
-                                          <p:attrName>style.visibility</p:attrName>
-                                        </p:attrNameLst>
-                                      </p:cBhvr>
-                                      <p:to>
-                                        <p:strVal val="visible"/>
-                                      </p:to>
-                                    </p:set>
-                                  </p:childTnLst>
-                                </p:cTn>
-                              </p:par>
-                            </p:childTnLst>
-                          </p:cTn>
-                        </p:par>
-                      </p:childTnLst>
-                    </p:cTn>
-                  </p:par>
-                  <p:par>
-                    <p:cTn id="23" fill="hold">
-                      <p:stCondLst>
-                        <p:cond delay="indefinite"/>
-                      </p:stCondLst>
-                      <p:childTnLst>
-                        <p:par>
-                          <p:cTn id="24" fill="hold">
-                            <p:stCondLst>
-                              <p:cond delay="0"/>
-                            </p:stCondLst>
-                            <p:childTnLst>
-                              <p:par>
-                                <p:cTn id="25" presetID="1" presetClass="entr" presetSubtype="0" fill="hold" grpId="0" nodeType="clickEffect">
-                                  <p:stCondLst>
-                                    <p:cond delay="0"/>
-                                  </p:stCondLst>
-                                  <p:childTnLst>
-                                    <p:set>
-                                      <p:cBhvr>
-                                        <p:cTn id="26" dur="1" fill="hold">
-                                          <p:stCondLst>
-                                            <p:cond delay="0"/>
-                                          </p:stCondLst>
-                                        </p:cTn>
-                                        <p:tgtEl>
-                                          <p:spTgt spid="6">
-                                            <p:txEl>
-                                              <p:pRg st="5" end="5"/>
-                                            </p:txEl>
-                                          </p:spTgt>
-                                        </p:tgtEl>
-                                        <p:attrNameLst>
-                                          <p:attrName>style.visibility</p:attrName>
-                                        </p:attrNameLst>
-                                      </p:cBhvr>
-                                      <p:to>
-                                        <p:strVal val="visible"/>
-                                      </p:to>
-                                    </p:set>
-                                  </p:childTnLst>
-                                </p:cTn>
-                              </p:par>
-                            </p:childTnLst>
-                          </p:cTn>
-                        </p:par>
-                      </p:childTnLst>
-                    </p:cTn>
-                  </p:par>
-                </p:childTnLst>
-              </p:cTn>
-              <p:prevCondLst>
-                <p:cond evt="onPrev" delay="0">
-                  <p:tgtEl>
-                    <p:sldTgt/>
-                  </p:tgtEl>
-                </p:cond>
-              </p:prevCondLst>
-              <p:nextCondLst>
-                <p:cond evt="onNext" delay="0">
-                  <p:tgtEl>
-                    <p:sldTgt/>
-                  </p:tgtEl>
-                </p:cond>
-              </p:nextCondLst>
-            </p:seq>
-          </p:childTnLst>
-        </p:cTn>
-      </p:par>
-    </p:tnLst>
-    <p:bldLst>
-      <p:bldP spid="6" grpId="0" build="p"/>
-    </p:bldLst>
-  </p:timing>
-</p:sld>
-</file>
-
-<file path=ppt/slides/slide13.xml><?xml version="1.0" encoding="utf-8"?>
-<p:sld xmlns:a="http://schemas.openxmlformats.org/drawingml/2006/main" xmlns:r="http://schemas.openxmlformats.org/officeDocument/2006/relationships" xmlns:p="http://schemas.openxmlformats.org/presentationml/2006/main">
-  <p:cSld>
-    <p:spTree>
-      <p:nvGrpSpPr>
-        <p:cNvPr id="1" name=""/>
-        <p:cNvGrpSpPr/>
-        <p:nvPr/>
-      </p:nvGrpSpPr>
-      <p:grpSpPr>
-        <a:xfrm>
-          <a:off x="0" y="0"/>
-          <a:ext cx="0" cy="0"/>
-          <a:chOff x="0" y="0"/>
-          <a:chExt cx="0" cy="0"/>
-        </a:xfrm>
-      </p:grpSpPr>
-      <p:sp>
-        <p:nvSpPr>
-          <p:cNvPr id="5" name="Titel 4">
-            <a:extLst>
-              <a:ext uri="{FF2B5EF4-FFF2-40B4-BE49-F238E27FC236}">
-                <a16:creationId xmlns:a16="http://schemas.microsoft.com/office/drawing/2014/main" id="{3BDAB914-87D3-4CE0-B5F7-BB66EC2ADF64}"/>
-              </a:ext>
-            </a:extLst>
-          </p:cNvPr>
-          <p:cNvSpPr>
-            <a:spLocks noGrp="1"/>
-          </p:cNvSpPr>
-          <p:nvPr>
-            <p:ph type="title"/>
-          </p:nvPr>
-        </p:nvSpPr>
-        <p:spPr>
-          <a:xfrm>
-            <a:off x="304977" y="187890"/>
-            <a:ext cx="9856790" cy="530326"/>
-          </a:xfrm>
-        </p:spPr>
-        <p:txBody>
-          <a:bodyPr/>
-          <a:lstStyle/>
-          <a:p>
-            <a:r>
-              <a:rPr lang="de-DE" dirty="0">
-                <a:latin typeface="Klavika" panose="02000803050000020004" pitchFamily="2" charset="0"/>
-              </a:rPr>
-              <a:t>Manuelles Anlegen von Templates</a:t>
-            </a:r>
-            <a:endParaRPr lang="de-AT" dirty="0">
-              <a:latin typeface="Klavika" panose="02000803050000020004" pitchFamily="2" charset="0"/>
-            </a:endParaRPr>
-          </a:p>
-        </p:txBody>
-      </p:sp>
-      <p:sp>
-        <p:nvSpPr>
-          <p:cNvPr id="6" name="Inhaltsplatzhalter 5">
-            <a:extLst>
-              <a:ext uri="{FF2B5EF4-FFF2-40B4-BE49-F238E27FC236}">
-                <a16:creationId xmlns:a16="http://schemas.microsoft.com/office/drawing/2014/main" id="{902B4942-6079-4325-B9EF-8765C0505437}"/>
-              </a:ext>
-            </a:extLst>
-          </p:cNvPr>
-          <p:cNvSpPr>
-            <a:spLocks noGrp="1"/>
-          </p:cNvSpPr>
-          <p:nvPr>
-            <p:ph idx="1"/>
-          </p:nvPr>
-        </p:nvSpPr>
-        <p:spPr/>
-        <p:txBody>
-          <a:bodyPr/>
-          <a:lstStyle/>
-          <a:p>
-            <a:endParaRPr lang="de-AT" dirty="0">
-              <a:latin typeface="Roboto" panose="02000000000000000000" pitchFamily="2" charset="0"/>
-              <a:ea typeface="Roboto" panose="02000000000000000000" pitchFamily="2" charset="0"/>
-            </a:endParaRPr>
-          </a:p>
-          <a:p>
-            <a:pPr marL="0" indent="0">
-              <a:buNone/>
-            </a:pPr>
-            <a:endParaRPr lang="de-AT" dirty="0">
-              <a:latin typeface="Roboto" panose="02000000000000000000" pitchFamily="2" charset="0"/>
-              <a:ea typeface="Roboto" panose="02000000000000000000" pitchFamily="2" charset="0"/>
-            </a:endParaRPr>
-          </a:p>
-          <a:p>
-            <a:r>
-              <a:rPr lang="de-AT" dirty="0">
-                <a:latin typeface="Roboto" panose="02000000000000000000" pitchFamily="2" charset="0"/>
-                <a:ea typeface="Roboto" panose="02000000000000000000" pitchFamily="2" charset="0"/>
-              </a:rPr>
-              <a:t>Portal -&gt; Konfiguration -&gt; Templates</a:t>
-            </a:r>
-          </a:p>
-          <a:p>
-            <a:r>
-              <a:rPr lang="de-AT" dirty="0">
-                <a:latin typeface="Roboto" panose="02000000000000000000" pitchFamily="2" charset="0"/>
-                <a:ea typeface="Roboto" panose="02000000000000000000" pitchFamily="2" charset="0"/>
-              </a:rPr>
-              <a:t>Template-Content</a:t>
-            </a:r>
-          </a:p>
-          <a:p>
-            <a:r>
-              <a:rPr lang="de-AT" dirty="0">
-                <a:latin typeface="Roboto" panose="02000000000000000000" pitchFamily="2" charset="0"/>
-                <a:ea typeface="Roboto" panose="02000000000000000000" pitchFamily="2" charset="0"/>
-              </a:rPr>
-              <a:t>Freigabeoptionen</a:t>
-            </a:r>
-          </a:p>
-          <a:p>
-            <a:r>
-              <a:rPr lang="de-AT" dirty="0">
-                <a:latin typeface="Roboto" panose="02000000000000000000" pitchFamily="2" charset="0"/>
-                <a:ea typeface="Roboto" panose="02000000000000000000" pitchFamily="2" charset="0"/>
-              </a:rPr>
-              <a:t>Branding für den ft.Shop</a:t>
-            </a:r>
-          </a:p>
-        </p:txBody>
-      </p:sp>
-      <p:sp>
-        <p:nvSpPr>
-          <p:cNvPr id="4" name="Datumsplatzhalter 3">
-            <a:extLst>
-              <a:ext uri="{FF2B5EF4-FFF2-40B4-BE49-F238E27FC236}">
-                <a16:creationId xmlns:a16="http://schemas.microsoft.com/office/drawing/2014/main" id="{C5C0CF94-8E0E-4767-B789-B0FE06643950}"/>
-              </a:ext>
-            </a:extLst>
-          </p:cNvPr>
-          <p:cNvSpPr>
-            <a:spLocks noGrp="1"/>
-          </p:cNvSpPr>
-          <p:nvPr>
-            <p:ph type="dt" sz="half" idx="10"/>
-          </p:nvPr>
-        </p:nvSpPr>
-        <p:spPr/>
-        <p:txBody>
-          <a:bodyPr/>
-          <a:lstStyle/>
-          <a:p>
-            <a:r>
-              <a:rPr lang="de-DE"/>
-              <a:t>fiskaltrust gmbh - </a:t>
-            </a:r>
-            <a:fld id="{F9CF9B13-D011-40B4-B116-4AFF51B22AA5}" type="datetime1">
-              <a:rPr lang="de-DE" smtClean="0"/>
-              <a:pPr/>
-              <a:t>09.02.2021</a:t>
-            </a:fld>
-            <a:r>
-              <a:rPr lang="de-DE"/>
-              <a:t> - Folie </a:t>
-            </a:r>
-            <a:fld id="{4D3E4D3B-16BA-4843-8361-4E45D113E984}" type="slidenum">
-              <a:rPr lang="de-DE" smtClean="0"/>
-              <a:pPr/>
-              <a:t>13</a:t>
-            </a:fld>
-            <a:endParaRPr lang="de-DE"/>
-          </a:p>
-        </p:txBody>
-      </p:sp>
-    </p:spTree>
-    <p:extLst>
-      <p:ext uri="{BB962C8B-B14F-4D97-AF65-F5344CB8AC3E}">
-        <p14:creationId xmlns:p14="http://schemas.microsoft.com/office/powerpoint/2010/main" val="4279616673"/>
-      </p:ext>
-    </p:extLst>
-  </p:cSld>
-  <p:clrMapOvr>
-    <a:masterClrMapping/>
-  </p:clrMapOvr>
-</p:sld>
-</file>
-
-<file path=ppt/slides/slide14.xml><?xml version="1.0" encoding="utf-8"?>
-<p:sld xmlns:a="http://schemas.openxmlformats.org/drawingml/2006/main" xmlns:r="http://schemas.openxmlformats.org/officeDocument/2006/relationships" xmlns:p="http://schemas.openxmlformats.org/presentationml/2006/main">
-  <p:cSld>
-    <p:spTree>
-      <p:nvGrpSpPr>
-        <p:cNvPr id="1" name=""/>
-        <p:cNvGrpSpPr/>
-        <p:nvPr/>
-      </p:nvGrpSpPr>
-      <p:grpSpPr>
-        <a:xfrm>
-          <a:off x="0" y="0"/>
-          <a:ext cx="0" cy="0"/>
-          <a:chOff x="0" y="0"/>
-          <a:chExt cx="0" cy="0"/>
-        </a:xfrm>
-      </p:grpSpPr>
-      <p:sp>
-        <p:nvSpPr>
-          <p:cNvPr id="5" name="Titel 4">
-            <a:extLst>
-              <a:ext uri="{FF2B5EF4-FFF2-40B4-BE49-F238E27FC236}">
-                <a16:creationId xmlns:a16="http://schemas.microsoft.com/office/drawing/2014/main" id="{3BDAB914-87D3-4CE0-B5F7-BB66EC2ADF64}"/>
-              </a:ext>
-            </a:extLst>
-          </p:cNvPr>
-          <p:cNvSpPr>
-            <a:spLocks noGrp="1"/>
-          </p:cNvSpPr>
-          <p:nvPr>
-            <p:ph type="title"/>
-          </p:nvPr>
-        </p:nvSpPr>
-        <p:spPr>
-          <a:xfrm>
-            <a:off x="304977" y="187890"/>
-            <a:ext cx="9856790" cy="530326"/>
-          </a:xfrm>
-        </p:spPr>
-        <p:txBody>
-          <a:bodyPr/>
-          <a:lstStyle/>
-          <a:p>
-            <a:r>
-              <a:rPr lang="de-DE" dirty="0">
-                <a:latin typeface="Klavika" panose="02000803050000020004" pitchFamily="2" charset="0"/>
-              </a:rPr>
-              <a:t>Manuelles Anlegen von Templates</a:t>
-            </a:r>
-            <a:endParaRPr lang="de-AT" dirty="0">
-              <a:latin typeface="Klavika" panose="02000803050000020004" pitchFamily="2" charset="0"/>
-            </a:endParaRPr>
-          </a:p>
-        </p:txBody>
-      </p:sp>
-      <p:sp>
-        <p:nvSpPr>
-          <p:cNvPr id="6" name="Inhaltsplatzhalter 5">
-            <a:extLst>
-              <a:ext uri="{FF2B5EF4-FFF2-40B4-BE49-F238E27FC236}">
-                <a16:creationId xmlns:a16="http://schemas.microsoft.com/office/drawing/2014/main" id="{902B4942-6079-4325-B9EF-8765C0505437}"/>
-              </a:ext>
-            </a:extLst>
-          </p:cNvPr>
-          <p:cNvSpPr>
-            <a:spLocks noGrp="1"/>
-          </p:cNvSpPr>
-          <p:nvPr>
-            <p:ph idx="1"/>
-          </p:nvPr>
-        </p:nvSpPr>
-        <p:spPr/>
-        <p:txBody>
-          <a:bodyPr/>
-          <a:lstStyle/>
-          <a:p>
-            <a:endParaRPr lang="de-AT" dirty="0">
-              <a:latin typeface="Roboto" panose="02000000000000000000" pitchFamily="2" charset="0"/>
-              <a:ea typeface="Roboto" panose="02000000000000000000" pitchFamily="2" charset="0"/>
-            </a:endParaRPr>
-          </a:p>
-          <a:p>
-            <a:pPr marL="0" indent="0">
-              <a:buNone/>
-            </a:pPr>
-            <a:endParaRPr lang="de-AT" dirty="0">
-              <a:latin typeface="Roboto" panose="02000000000000000000" pitchFamily="2" charset="0"/>
-              <a:ea typeface="Roboto" panose="02000000000000000000" pitchFamily="2" charset="0"/>
-            </a:endParaRPr>
-          </a:p>
-          <a:p>
-            <a:r>
-              <a:rPr lang="de-AT" dirty="0">
-                <a:latin typeface="Roboto" panose="02000000000000000000" pitchFamily="2" charset="0"/>
-                <a:ea typeface="Roboto" panose="02000000000000000000" pitchFamily="2" charset="0"/>
-              </a:rPr>
-              <a:t>Betreiber: Portal -&gt; Shop -&gt; Auschecken -&gt; Cashbox</a:t>
-            </a:r>
-          </a:p>
-          <a:p>
-            <a:r>
-              <a:rPr lang="de-AT" dirty="0">
-                <a:latin typeface="Roboto" panose="02000000000000000000" pitchFamily="2" charset="0"/>
-                <a:ea typeface="Roboto" panose="02000000000000000000" pitchFamily="2" charset="0"/>
-              </a:rPr>
-              <a:t>Surrogation</a:t>
-            </a:r>
-          </a:p>
-        </p:txBody>
-      </p:sp>
-      <p:sp>
-        <p:nvSpPr>
-          <p:cNvPr id="4" name="Datumsplatzhalter 3">
-            <a:extLst>
-              <a:ext uri="{FF2B5EF4-FFF2-40B4-BE49-F238E27FC236}">
-                <a16:creationId xmlns:a16="http://schemas.microsoft.com/office/drawing/2014/main" id="{C5C0CF94-8E0E-4767-B789-B0FE06643950}"/>
-              </a:ext>
-            </a:extLst>
-          </p:cNvPr>
-          <p:cNvSpPr>
-            <a:spLocks noGrp="1"/>
-          </p:cNvSpPr>
-          <p:nvPr>
-            <p:ph type="dt" sz="half" idx="10"/>
-          </p:nvPr>
-        </p:nvSpPr>
-        <p:spPr/>
-        <p:txBody>
-          <a:bodyPr/>
-          <a:lstStyle/>
-          <a:p>
-            <a:r>
-              <a:rPr lang="de-DE"/>
-              <a:t>fiskaltrust gmbh - </a:t>
-            </a:r>
-            <a:fld id="{F9CF9B13-D011-40B4-B116-4AFF51B22AA5}" type="datetime1">
-              <a:rPr lang="de-DE" smtClean="0"/>
-              <a:pPr/>
-              <a:t>09.02.2021</a:t>
-            </a:fld>
-            <a:r>
-              <a:rPr lang="de-DE"/>
-              <a:t> - Folie </a:t>
-            </a:r>
-            <a:fld id="{4D3E4D3B-16BA-4843-8361-4E45D113E984}" type="slidenum">
-              <a:rPr lang="de-DE" smtClean="0"/>
-              <a:pPr/>
-              <a:t>14</a:t>
-            </a:fld>
-            <a:endParaRPr lang="de-DE"/>
-          </a:p>
-        </p:txBody>
-      </p:sp>
-    </p:spTree>
-    <p:extLst>
-      <p:ext uri="{BB962C8B-B14F-4D97-AF65-F5344CB8AC3E}">
-        <p14:creationId xmlns:p14="http://schemas.microsoft.com/office/powerpoint/2010/main" val="757317817"/>
-      </p:ext>
-    </p:extLst>
-  </p:cSld>
-  <p:clrMapOvr>
-    <a:masterClrMapping/>
-  </p:clrMapOvr>
-</p:sld>
-</file>
-
-<file path=ppt/slides/slide15.xml><?xml version="1.0" encoding="utf-8"?>
-<p:sld xmlns:a="http://schemas.openxmlformats.org/drawingml/2006/main" xmlns:r="http://schemas.openxmlformats.org/officeDocument/2006/relationships" xmlns:p="http://schemas.openxmlformats.org/presentationml/2006/main">
-  <p:cSld>
-    <p:spTree>
-      <p:nvGrpSpPr>
-        <p:cNvPr id="1" name=""/>
-        <p:cNvGrpSpPr/>
-        <p:nvPr/>
-      </p:nvGrpSpPr>
-      <p:grpSpPr>
-        <a:xfrm>
-          <a:off x="0" y="0"/>
-          <a:ext cx="0" cy="0"/>
-          <a:chOff x="0" y="0"/>
-          <a:chExt cx="0" cy="0"/>
-        </a:xfrm>
-      </p:grpSpPr>
-      <p:sp>
-        <p:nvSpPr>
-          <p:cNvPr id="5" name="Titel 4">
-            <a:extLst>
-              <a:ext uri="{FF2B5EF4-FFF2-40B4-BE49-F238E27FC236}">
-                <a16:creationId xmlns:a16="http://schemas.microsoft.com/office/drawing/2014/main" id="{3BDAB914-87D3-4CE0-B5F7-BB66EC2ADF64}"/>
-              </a:ext>
-            </a:extLst>
-          </p:cNvPr>
-          <p:cNvSpPr>
-            <a:spLocks noGrp="1"/>
-          </p:cNvSpPr>
-          <p:nvPr>
-            <p:ph type="title"/>
-          </p:nvPr>
-        </p:nvSpPr>
-        <p:spPr>
-          <a:xfrm>
-            <a:off x="304977" y="187890"/>
-            <a:ext cx="9856790" cy="530326"/>
-          </a:xfrm>
-        </p:spPr>
-        <p:txBody>
-          <a:bodyPr/>
-          <a:lstStyle/>
-          <a:p>
-            <a:r>
-              <a:rPr lang="de-DE" dirty="0">
-                <a:latin typeface="Klavika" panose="02000803050000020004" pitchFamily="2" charset="0"/>
-              </a:rPr>
-              <a:t>Automatisiertes Ausführen von Templates</a:t>
-            </a:r>
-            <a:endParaRPr lang="de-AT" dirty="0">
-              <a:latin typeface="Klavika" panose="02000803050000020004" pitchFamily="2" charset="0"/>
-            </a:endParaRPr>
-          </a:p>
-        </p:txBody>
-      </p:sp>
-      <p:sp>
-        <p:nvSpPr>
-          <p:cNvPr id="6" name="Inhaltsplatzhalter 5">
-            <a:extLst>
-              <a:ext uri="{FF2B5EF4-FFF2-40B4-BE49-F238E27FC236}">
-                <a16:creationId xmlns:a16="http://schemas.microsoft.com/office/drawing/2014/main" id="{902B4942-6079-4325-B9EF-8765C0505437}"/>
-              </a:ext>
-            </a:extLst>
-          </p:cNvPr>
-          <p:cNvSpPr>
-            <a:spLocks noGrp="1"/>
-          </p:cNvSpPr>
-          <p:nvPr>
-            <p:ph idx="1"/>
-          </p:nvPr>
-        </p:nvSpPr>
-        <p:spPr/>
-        <p:txBody>
-          <a:bodyPr/>
-          <a:lstStyle/>
-          <a:p>
-            <a:pPr marL="0" indent="0">
-              <a:buNone/>
-            </a:pPr>
-            <a:endParaRPr lang="de-AT" dirty="0">
-              <a:latin typeface="Roboto" panose="02000000000000000000" pitchFamily="2" charset="0"/>
-              <a:ea typeface="Roboto" panose="02000000000000000000" pitchFamily="2" charset="0"/>
-            </a:endParaRPr>
-          </a:p>
-          <a:p>
-            <a:r>
-              <a:rPr lang="de-AT" dirty="0">
-                <a:latin typeface="Roboto" panose="02000000000000000000" pitchFamily="2" charset="0"/>
-                <a:ea typeface="Roboto" panose="02000000000000000000" pitchFamily="2" charset="0"/>
-              </a:rPr>
-              <a:t>Aufruf HTTP-API</a:t>
-            </a:r>
-          </a:p>
-          <a:p>
-            <a:pPr lvl="1"/>
-            <a:r>
-              <a:rPr lang="de-AT" dirty="0">
-                <a:latin typeface="Roboto" panose="02000000000000000000" pitchFamily="2" charset="0"/>
-                <a:ea typeface="Roboto" panose="02000000000000000000" pitchFamily="2" charset="0"/>
-              </a:rPr>
-              <a:t>Headers: </a:t>
-            </a:r>
-            <a:r>
-              <a:rPr lang="de-AT" dirty="0" err="1">
-                <a:latin typeface="Roboto" panose="02000000000000000000" pitchFamily="2" charset="0"/>
-                <a:ea typeface="Roboto" panose="02000000000000000000" pitchFamily="2" charset="0"/>
-              </a:rPr>
-              <a:t>accountid</a:t>
-            </a:r>
-            <a:r>
-              <a:rPr lang="de-AT" dirty="0">
-                <a:latin typeface="Roboto" panose="02000000000000000000" pitchFamily="2" charset="0"/>
-                <a:ea typeface="Roboto" panose="02000000000000000000" pitchFamily="2" charset="0"/>
-              </a:rPr>
-              <a:t>, </a:t>
-            </a:r>
-            <a:r>
-              <a:rPr lang="de-AT" dirty="0" err="1">
-                <a:latin typeface="Roboto" panose="02000000000000000000" pitchFamily="2" charset="0"/>
-                <a:ea typeface="Roboto" panose="02000000000000000000" pitchFamily="2" charset="0"/>
-              </a:rPr>
-              <a:t>accesstoken</a:t>
-            </a:r>
-            <a:endParaRPr lang="de-AT" dirty="0">
-              <a:latin typeface="Roboto" panose="02000000000000000000" pitchFamily="2" charset="0"/>
-              <a:ea typeface="Roboto" panose="02000000000000000000" pitchFamily="2" charset="0"/>
-            </a:endParaRPr>
-          </a:p>
-          <a:p>
-            <a:pPr lvl="1"/>
-            <a:r>
-              <a:rPr lang="de-AT" dirty="0">
-                <a:latin typeface="Roboto" panose="02000000000000000000" pitchFamily="2" charset="0"/>
-                <a:ea typeface="Roboto" panose="02000000000000000000" pitchFamily="2" charset="0"/>
-              </a:rPr>
-              <a:t>Body: Template (</a:t>
-            </a:r>
-            <a:r>
-              <a:rPr lang="de-AT" dirty="0" err="1">
-                <a:latin typeface="Roboto" panose="02000000000000000000" pitchFamily="2" charset="0"/>
-                <a:ea typeface="Roboto" panose="02000000000000000000" pitchFamily="2" charset="0"/>
-              </a:rPr>
-              <a:t>escaped</a:t>
-            </a:r>
-            <a:r>
-              <a:rPr lang="de-AT" dirty="0">
-                <a:latin typeface="Roboto" panose="02000000000000000000" pitchFamily="2" charset="0"/>
-                <a:ea typeface="Roboto" panose="02000000000000000000" pitchFamily="2" charset="0"/>
-              </a:rPr>
-              <a:t> JSON String)</a:t>
-            </a:r>
-          </a:p>
-          <a:p>
-            <a:pPr lvl="1"/>
-            <a:r>
-              <a:rPr lang="de-AT" dirty="0">
-                <a:latin typeface="Roboto" panose="02000000000000000000" pitchFamily="2" charset="0"/>
-                <a:ea typeface="Roboto" panose="02000000000000000000" pitchFamily="2" charset="0"/>
-              </a:rPr>
-              <a:t>Vordefinierte Parameter über </a:t>
-            </a:r>
-            <a:r>
-              <a:rPr lang="de-AT" dirty="0" err="1">
-                <a:latin typeface="Roboto" panose="02000000000000000000" pitchFamily="2" charset="0"/>
-                <a:ea typeface="Roboto" panose="02000000000000000000" pitchFamily="2" charset="0"/>
-              </a:rPr>
-              <a:t>QueryString</a:t>
-            </a:r>
-            <a:endParaRPr lang="de-AT" dirty="0">
-              <a:latin typeface="Roboto" panose="02000000000000000000" pitchFamily="2" charset="0"/>
-              <a:ea typeface="Roboto" panose="02000000000000000000" pitchFamily="2" charset="0"/>
-            </a:endParaRPr>
-          </a:p>
-          <a:p>
-            <a:pPr lvl="1"/>
-            <a:r>
-              <a:rPr lang="de-AT" dirty="0">
-                <a:latin typeface="Roboto" panose="02000000000000000000" pitchFamily="2" charset="0"/>
-                <a:ea typeface="Roboto" panose="02000000000000000000" pitchFamily="2" charset="0"/>
-              </a:rPr>
-              <a:t>Werte von Variablen über </a:t>
-            </a:r>
-            <a:r>
-              <a:rPr lang="de-AT" dirty="0" err="1">
-                <a:latin typeface="Roboto" panose="02000000000000000000" pitchFamily="2" charset="0"/>
-                <a:ea typeface="Roboto" panose="02000000000000000000" pitchFamily="2" charset="0"/>
-              </a:rPr>
-              <a:t>QueryString</a:t>
-            </a:r>
-            <a:endParaRPr lang="de-AT" dirty="0">
-              <a:latin typeface="Roboto" panose="02000000000000000000" pitchFamily="2" charset="0"/>
-              <a:ea typeface="Roboto" panose="02000000000000000000" pitchFamily="2" charset="0"/>
-            </a:endParaRPr>
-          </a:p>
-          <a:p>
-            <a:endParaRPr lang="de-AT" dirty="0">
-              <a:latin typeface="Roboto" panose="02000000000000000000" pitchFamily="2" charset="0"/>
-              <a:ea typeface="Roboto" panose="02000000000000000000" pitchFamily="2" charset="0"/>
-            </a:endParaRPr>
-          </a:p>
-          <a:p>
-            <a:r>
-              <a:rPr lang="de-AT" dirty="0">
-                <a:latin typeface="Roboto" panose="02000000000000000000" pitchFamily="2" charset="0"/>
-                <a:ea typeface="Roboto" panose="02000000000000000000" pitchFamily="2" charset="0"/>
-              </a:rPr>
-              <a:t>Rückgabe: </a:t>
-            </a:r>
-            <a:r>
-              <a:rPr lang="de-AT" dirty="0" err="1">
-                <a:latin typeface="Roboto" panose="02000000000000000000" pitchFamily="2" charset="0"/>
-                <a:ea typeface="Roboto" panose="02000000000000000000" pitchFamily="2" charset="0"/>
-              </a:rPr>
-              <a:t>cashboxid</a:t>
-            </a:r>
-            <a:r>
-              <a:rPr lang="de-AT" dirty="0">
-                <a:latin typeface="Roboto" panose="02000000000000000000" pitchFamily="2" charset="0"/>
-                <a:ea typeface="Roboto" panose="02000000000000000000" pitchFamily="2" charset="0"/>
-              </a:rPr>
-              <a:t>, </a:t>
-            </a:r>
-            <a:r>
-              <a:rPr lang="de-AT" dirty="0" err="1">
-                <a:latin typeface="Roboto" panose="02000000000000000000" pitchFamily="2" charset="0"/>
-                <a:ea typeface="Roboto" panose="02000000000000000000" pitchFamily="2" charset="0"/>
-              </a:rPr>
-              <a:t>accesstoken</a:t>
-            </a:r>
-            <a:r>
-              <a:rPr lang="de-AT" dirty="0">
-                <a:latin typeface="Roboto" panose="02000000000000000000" pitchFamily="2" charset="0"/>
-                <a:ea typeface="Roboto" panose="02000000000000000000" pitchFamily="2" charset="0"/>
-              </a:rPr>
-              <a:t>, </a:t>
-            </a:r>
-            <a:r>
-              <a:rPr lang="de-AT" dirty="0" err="1">
-                <a:latin typeface="Roboto" panose="02000000000000000000" pitchFamily="2" charset="0"/>
-                <a:ea typeface="Roboto" panose="02000000000000000000" pitchFamily="2" charset="0"/>
-              </a:rPr>
-              <a:t>template</a:t>
-            </a:r>
-            <a:endParaRPr lang="de-AT" dirty="0">
-              <a:latin typeface="Roboto" panose="02000000000000000000" pitchFamily="2" charset="0"/>
-              <a:ea typeface="Roboto" panose="02000000000000000000" pitchFamily="2" charset="0"/>
-            </a:endParaRPr>
-          </a:p>
-        </p:txBody>
-      </p:sp>
-      <p:sp>
-        <p:nvSpPr>
-          <p:cNvPr id="4" name="Datumsplatzhalter 3">
-            <a:extLst>
-              <a:ext uri="{FF2B5EF4-FFF2-40B4-BE49-F238E27FC236}">
-                <a16:creationId xmlns:a16="http://schemas.microsoft.com/office/drawing/2014/main" id="{C5C0CF94-8E0E-4767-B789-B0FE06643950}"/>
-              </a:ext>
-            </a:extLst>
-          </p:cNvPr>
-          <p:cNvSpPr>
-            <a:spLocks noGrp="1"/>
-          </p:cNvSpPr>
-          <p:nvPr>
-            <p:ph type="dt" sz="half" idx="10"/>
-          </p:nvPr>
-        </p:nvSpPr>
-        <p:spPr/>
-        <p:txBody>
-          <a:bodyPr/>
-          <a:lstStyle/>
-          <a:p>
-            <a:r>
-              <a:rPr lang="de-DE"/>
-              <a:t>fiskaltrust gmbh - </a:t>
-            </a:r>
-            <a:fld id="{F9CF9B13-D011-40B4-B116-4AFF51B22AA5}" type="datetime1">
-              <a:rPr lang="de-DE" smtClean="0"/>
-              <a:pPr/>
-              <a:t>09.02.2021</a:t>
-            </a:fld>
-            <a:r>
-              <a:rPr lang="de-DE"/>
-              <a:t> - Folie </a:t>
-            </a:r>
-            <a:fld id="{4D3E4D3B-16BA-4843-8361-4E45D113E984}" type="slidenum">
-              <a:rPr lang="de-DE" smtClean="0"/>
-              <a:pPr/>
-              <a:t>15</a:t>
-            </a:fld>
-            <a:endParaRPr lang="de-DE"/>
-          </a:p>
-        </p:txBody>
-      </p:sp>
-    </p:spTree>
-    <p:extLst>
-      <p:ext uri="{BB962C8B-B14F-4D97-AF65-F5344CB8AC3E}">
-        <p14:creationId xmlns:p14="http://schemas.microsoft.com/office/powerpoint/2010/main" val="3614386753"/>
-      </p:ext>
-    </p:extLst>
-  </p:cSld>
-  <p:clrMapOvr>
-    <a:masterClrMapping/>
-  </p:clrMapOvr>
-</p:sld>
-</file>
-
-<file path=ppt/slides/slide16.xml><?xml version="1.0" encoding="utf-8"?>
-<p:sld xmlns:a="http://schemas.openxmlformats.org/drawingml/2006/main" xmlns:r="http://schemas.openxmlformats.org/officeDocument/2006/relationships" xmlns:p="http://schemas.openxmlformats.org/presentationml/2006/main">
-  <p:cSld>
-    <p:spTree>
-      <p:nvGrpSpPr>
-        <p:cNvPr id="1" name=""/>
-        <p:cNvGrpSpPr/>
-        <p:nvPr/>
-      </p:nvGrpSpPr>
-      <p:grpSpPr>
-        <a:xfrm>
-          <a:off x="0" y="0"/>
-          <a:ext cx="0" cy="0"/>
-          <a:chOff x="0" y="0"/>
-          <a:chExt cx="0" cy="0"/>
-        </a:xfrm>
-      </p:grpSpPr>
-      <p:sp>
-        <p:nvSpPr>
-          <p:cNvPr id="5" name="Titel 4">
-            <a:extLst>
-              <a:ext uri="{FF2B5EF4-FFF2-40B4-BE49-F238E27FC236}">
-                <a16:creationId xmlns:a16="http://schemas.microsoft.com/office/drawing/2014/main" id="{3BDAB914-87D3-4CE0-B5F7-BB66EC2ADF64}"/>
-              </a:ext>
-            </a:extLst>
-          </p:cNvPr>
-          <p:cNvSpPr>
-            <a:spLocks noGrp="1"/>
-          </p:cNvSpPr>
-          <p:nvPr>
-            <p:ph type="title"/>
-          </p:nvPr>
-        </p:nvSpPr>
-        <p:spPr>
-          <a:xfrm>
-            <a:off x="304977" y="187890"/>
-            <a:ext cx="9856790" cy="530326"/>
-          </a:xfrm>
-        </p:spPr>
-        <p:txBody>
-          <a:bodyPr/>
-          <a:lstStyle/>
-          <a:p>
-            <a:r>
-              <a:rPr lang="de-DE" dirty="0">
-                <a:latin typeface="Klavika" panose="02000803050000020004" pitchFamily="2" charset="0"/>
-              </a:rPr>
-              <a:t>Automatisiertes Ausführen von Templates</a:t>
-            </a:r>
-            <a:endParaRPr lang="de-AT" dirty="0">
-              <a:latin typeface="Klavika" panose="02000803050000020004" pitchFamily="2" charset="0"/>
-            </a:endParaRPr>
-          </a:p>
-        </p:txBody>
-      </p:sp>
-      <p:sp>
-        <p:nvSpPr>
-          <p:cNvPr id="6" name="Inhaltsplatzhalter 5">
-            <a:extLst>
-              <a:ext uri="{FF2B5EF4-FFF2-40B4-BE49-F238E27FC236}">
-                <a16:creationId xmlns:a16="http://schemas.microsoft.com/office/drawing/2014/main" id="{902B4942-6079-4325-B9EF-8765C0505437}"/>
-              </a:ext>
-            </a:extLst>
-          </p:cNvPr>
-          <p:cNvSpPr>
-            <a:spLocks noGrp="1"/>
-          </p:cNvSpPr>
-          <p:nvPr>
-            <p:ph idx="1"/>
-          </p:nvPr>
-        </p:nvSpPr>
-        <p:spPr/>
-        <p:txBody>
-          <a:bodyPr/>
-          <a:lstStyle/>
-          <a:p>
-            <a:endParaRPr lang="de-AT" dirty="0">
-              <a:latin typeface="Roboto" panose="02000000000000000000" pitchFamily="2" charset="0"/>
-              <a:ea typeface="Roboto" panose="02000000000000000000" pitchFamily="2" charset="0"/>
-            </a:endParaRPr>
-          </a:p>
-          <a:p>
-            <a:r>
-              <a:rPr lang="de-AT" dirty="0">
-                <a:latin typeface="Roboto" panose="02000000000000000000" pitchFamily="2" charset="0"/>
-                <a:ea typeface="Roboto" panose="02000000000000000000" pitchFamily="2" charset="0"/>
-              </a:rPr>
-              <a:t>Beispiel mit </a:t>
-            </a:r>
-            <a:r>
-              <a:rPr lang="de-AT" dirty="0" err="1">
-                <a:latin typeface="Roboto" panose="02000000000000000000" pitchFamily="2" charset="0"/>
-                <a:ea typeface="Roboto" panose="02000000000000000000" pitchFamily="2" charset="0"/>
-              </a:rPr>
-              <a:t>PowerShell</a:t>
-            </a:r>
-            <a:endParaRPr lang="de-AT" dirty="0">
-              <a:latin typeface="Roboto" panose="02000000000000000000" pitchFamily="2" charset="0"/>
-              <a:ea typeface="Roboto" panose="02000000000000000000" pitchFamily="2" charset="0"/>
-            </a:endParaRPr>
-          </a:p>
-          <a:p>
-            <a:pPr marL="0" indent="0">
-              <a:buNone/>
-            </a:pPr>
-            <a:endParaRPr lang="de-AT" dirty="0">
-              <a:latin typeface="Roboto" panose="02000000000000000000" pitchFamily="2" charset="0"/>
-              <a:ea typeface="Roboto" panose="02000000000000000000" pitchFamily="2" charset="0"/>
-            </a:endParaRPr>
-          </a:p>
-          <a:p>
-            <a:pPr marL="0" indent="0">
-              <a:buNone/>
-            </a:pPr>
-            <a:endParaRPr lang="de-AT" dirty="0">
-              <a:latin typeface="Roboto" panose="02000000000000000000" pitchFamily="2" charset="0"/>
-              <a:ea typeface="Roboto" panose="02000000000000000000" pitchFamily="2" charset="0"/>
-            </a:endParaRPr>
-          </a:p>
-        </p:txBody>
-      </p:sp>
-      <p:sp>
-        <p:nvSpPr>
-          <p:cNvPr id="4" name="Datumsplatzhalter 3">
-            <a:extLst>
-              <a:ext uri="{FF2B5EF4-FFF2-40B4-BE49-F238E27FC236}">
-                <a16:creationId xmlns:a16="http://schemas.microsoft.com/office/drawing/2014/main" id="{C5C0CF94-8E0E-4767-B789-B0FE06643950}"/>
-              </a:ext>
-            </a:extLst>
-          </p:cNvPr>
-          <p:cNvSpPr>
-            <a:spLocks noGrp="1"/>
-          </p:cNvSpPr>
-          <p:nvPr>
-            <p:ph type="dt" sz="half" idx="10"/>
-          </p:nvPr>
-        </p:nvSpPr>
-        <p:spPr/>
-        <p:txBody>
-          <a:bodyPr/>
-          <a:lstStyle/>
-          <a:p>
-            <a:r>
-              <a:rPr lang="de-DE"/>
-              <a:t>fiskaltrust gmbh - </a:t>
-            </a:r>
-            <a:fld id="{F9CF9B13-D011-40B4-B116-4AFF51B22AA5}" type="datetime1">
-              <a:rPr lang="de-DE" smtClean="0"/>
-              <a:pPr/>
-              <a:t>09.02.2021</a:t>
-            </a:fld>
-            <a:r>
-              <a:rPr lang="de-DE"/>
-              <a:t> - Folie </a:t>
-            </a:r>
-            <a:fld id="{4D3E4D3B-16BA-4843-8361-4E45D113E984}" type="slidenum">
-              <a:rPr lang="de-DE" smtClean="0"/>
-              <a:pPr/>
-              <a:t>16</a:t>
-            </a:fld>
-            <a:endParaRPr lang="de-DE"/>
-          </a:p>
-        </p:txBody>
-      </p:sp>
-      <p:pic>
-        <p:nvPicPr>
-          <p:cNvPr id="7" name="Picture 6" descr="A screenshot of a cell phone&#10;&#10;Description automatically generated">
-            <a:extLst>
-              <a:ext uri="{FF2B5EF4-FFF2-40B4-BE49-F238E27FC236}">
-                <a16:creationId xmlns:a16="http://schemas.microsoft.com/office/drawing/2014/main" id="{1351DC20-FCB8-0642-8BFC-8C3E455C8E19}"/>
-              </a:ext>
-            </a:extLst>
-          </p:cNvPr>
-          <p:cNvPicPr>
-            <a:picLocks noChangeAspect="1"/>
-          </p:cNvPicPr>
-          <p:nvPr/>
-        </p:nvPicPr>
-        <p:blipFill>
-          <a:blip r:embed="rId3">
-            <a:extLst>
-              <a:ext uri="{28A0092B-C50C-407E-A947-70E740481C1C}">
-                <a14:useLocalDpi xmlns:a14="http://schemas.microsoft.com/office/drawing/2010/main" val="0"/>
-              </a:ext>
-            </a:extLst>
-          </a:blip>
-          <a:stretch>
-            <a:fillRect/>
-          </a:stretch>
-        </p:blipFill>
-        <p:spPr>
-          <a:xfrm>
-            <a:off x="0" y="2721253"/>
-            <a:ext cx="12192000" cy="3133458"/>
-          </a:xfrm>
-          <a:prstGeom prst="rect">
-            <a:avLst/>
-          </a:prstGeom>
-        </p:spPr>
-      </p:pic>
-    </p:spTree>
-    <p:extLst>
-      <p:ext uri="{BB962C8B-B14F-4D97-AF65-F5344CB8AC3E}">
-        <p14:creationId xmlns:p14="http://schemas.microsoft.com/office/powerpoint/2010/main" val="3900781452"/>
-      </p:ext>
-    </p:extLst>
-  </p:cSld>
-  <p:clrMapOvr>
-    <a:masterClrMapping/>
-  </p:clrMapOvr>
-</p:sld>
-</file>
-
-<file path=ppt/slides/slide17.xml><?xml version="1.0" encoding="utf-8"?>
-<p:sld xmlns:a="http://schemas.openxmlformats.org/drawingml/2006/main" xmlns:r="http://schemas.openxmlformats.org/officeDocument/2006/relationships" xmlns:p="http://schemas.openxmlformats.org/presentationml/2006/main">
-  <p:cSld>
-    <p:spTree>
-      <p:nvGrpSpPr>
-        <p:cNvPr id="1" name=""/>
-        <p:cNvGrpSpPr/>
-        <p:nvPr/>
-      </p:nvGrpSpPr>
-      <p:grpSpPr>
-        <a:xfrm>
-          <a:off x="0" y="0"/>
-          <a:ext cx="0" cy="0"/>
-          <a:chOff x="0" y="0"/>
-          <a:chExt cx="0" cy="0"/>
-        </a:xfrm>
-      </p:grpSpPr>
-      <p:sp>
-        <p:nvSpPr>
-          <p:cNvPr id="5" name="Titel 4">
-            <a:extLst>
-              <a:ext uri="{FF2B5EF4-FFF2-40B4-BE49-F238E27FC236}">
-                <a16:creationId xmlns:a16="http://schemas.microsoft.com/office/drawing/2014/main" id="{3BDAB914-87D3-4CE0-B5F7-BB66EC2ADF64}"/>
-              </a:ext>
-            </a:extLst>
-          </p:cNvPr>
-          <p:cNvSpPr>
-            <a:spLocks noGrp="1"/>
-          </p:cNvSpPr>
-          <p:nvPr>
-            <p:ph type="title"/>
-          </p:nvPr>
-        </p:nvSpPr>
-        <p:spPr>
-          <a:xfrm>
-            <a:off x="304977" y="187890"/>
-            <a:ext cx="9856790" cy="530326"/>
-          </a:xfrm>
-        </p:spPr>
-        <p:txBody>
-          <a:bodyPr/>
-          <a:lstStyle/>
-          <a:p>
-            <a:r>
-              <a:rPr lang="de-DE" dirty="0">
-                <a:latin typeface="Klavika" panose="02000803050000020004" pitchFamily="2" charset="0"/>
-              </a:rPr>
-              <a:t>Outlets im Portal anlegen</a:t>
-            </a:r>
-            <a:endParaRPr lang="de-AT" dirty="0">
-              <a:latin typeface="Klavika" panose="02000803050000020004" pitchFamily="2" charset="0"/>
-            </a:endParaRPr>
-          </a:p>
-        </p:txBody>
-      </p:sp>
-      <p:sp>
-        <p:nvSpPr>
-          <p:cNvPr id="6" name="Inhaltsplatzhalter 5">
-            <a:extLst>
-              <a:ext uri="{FF2B5EF4-FFF2-40B4-BE49-F238E27FC236}">
-                <a16:creationId xmlns:a16="http://schemas.microsoft.com/office/drawing/2014/main" id="{902B4942-6079-4325-B9EF-8765C0505437}"/>
-              </a:ext>
-            </a:extLst>
-          </p:cNvPr>
-          <p:cNvSpPr>
-            <a:spLocks noGrp="1"/>
-          </p:cNvSpPr>
-          <p:nvPr>
-            <p:ph idx="1"/>
-          </p:nvPr>
-        </p:nvSpPr>
-        <p:spPr/>
-        <p:txBody>
-          <a:bodyPr/>
-          <a:lstStyle/>
-          <a:p>
-            <a:pPr marL="0" indent="0">
-              <a:buNone/>
-            </a:pPr>
-            <a:endParaRPr lang="de-AT" dirty="0">
-              <a:latin typeface="Roboto" panose="02000000000000000000" pitchFamily="2" charset="0"/>
-              <a:ea typeface="Roboto" panose="02000000000000000000" pitchFamily="2" charset="0"/>
-            </a:endParaRPr>
-          </a:p>
-          <a:p>
-            <a:r>
-              <a:rPr lang="de-AT" dirty="0">
-                <a:latin typeface="Roboto" panose="02000000000000000000" pitchFamily="2" charset="0"/>
-                <a:ea typeface="Roboto" panose="02000000000000000000" pitchFamily="2" charset="0"/>
-              </a:rPr>
-              <a:t>Manuell</a:t>
-            </a:r>
-          </a:p>
-          <a:p>
-            <a:r>
-              <a:rPr lang="de-AT" dirty="0">
-                <a:latin typeface="Roboto" panose="02000000000000000000" pitchFamily="2" charset="0"/>
-                <a:ea typeface="Roboto" panose="02000000000000000000" pitchFamily="2" charset="0"/>
-              </a:rPr>
-              <a:t>Automatisiert über Bulk-Import (CSV Datei)</a:t>
-            </a:r>
-          </a:p>
-          <a:p>
-            <a:r>
-              <a:rPr lang="de-AT" dirty="0">
-                <a:latin typeface="Roboto" panose="02000000000000000000" pitchFamily="2" charset="0"/>
-                <a:ea typeface="Roboto" panose="02000000000000000000" pitchFamily="2" charset="0"/>
-              </a:rPr>
-              <a:t>Outlet-Nummer</a:t>
-            </a:r>
-          </a:p>
-        </p:txBody>
-      </p:sp>
-      <p:sp>
-        <p:nvSpPr>
-          <p:cNvPr id="4" name="Datumsplatzhalter 3">
-            <a:extLst>
-              <a:ext uri="{FF2B5EF4-FFF2-40B4-BE49-F238E27FC236}">
-                <a16:creationId xmlns:a16="http://schemas.microsoft.com/office/drawing/2014/main" id="{C5C0CF94-8E0E-4767-B789-B0FE06643950}"/>
-              </a:ext>
-            </a:extLst>
-          </p:cNvPr>
-          <p:cNvSpPr>
-            <a:spLocks noGrp="1"/>
-          </p:cNvSpPr>
-          <p:nvPr>
-            <p:ph type="dt" sz="half" idx="10"/>
-          </p:nvPr>
-        </p:nvSpPr>
-        <p:spPr/>
-        <p:txBody>
-          <a:bodyPr/>
-          <a:lstStyle/>
-          <a:p>
-            <a:r>
-              <a:rPr lang="de-DE"/>
-              <a:t>fiskaltrust gmbh - </a:t>
-            </a:r>
-            <a:fld id="{F9CF9B13-D011-40B4-B116-4AFF51B22AA5}" type="datetime1">
-              <a:rPr lang="de-DE" smtClean="0"/>
-              <a:pPr/>
-              <a:t>09.02.2021</a:t>
-            </a:fld>
-            <a:r>
-              <a:rPr lang="de-DE"/>
-              <a:t> - Folie </a:t>
-            </a:r>
-            <a:fld id="{4D3E4D3B-16BA-4843-8361-4E45D113E984}" type="slidenum">
-              <a:rPr lang="de-DE" smtClean="0"/>
-              <a:pPr/>
-              <a:t>17</a:t>
-            </a:fld>
-            <a:endParaRPr lang="de-DE"/>
-          </a:p>
-        </p:txBody>
-      </p:sp>
-    </p:spTree>
-    <p:extLst>
-      <p:ext uri="{BB962C8B-B14F-4D97-AF65-F5344CB8AC3E}">
-        <p14:creationId xmlns:p14="http://schemas.microsoft.com/office/powerpoint/2010/main" val="615248831"/>
-      </p:ext>
-    </p:extLst>
-  </p:cSld>
-  <p:clrMapOvr>
-    <a:masterClrMapping/>
-  </p:clrMapOvr>
-</p:sld>
-</file>
-
-<file path=ppt/slides/slide18.xml><?xml version="1.0" encoding="utf-8"?>
-<p:sld xmlns:a="http://schemas.openxmlformats.org/drawingml/2006/main" xmlns:r="http://schemas.openxmlformats.org/officeDocument/2006/relationships" xmlns:p="http://schemas.openxmlformats.org/presentationml/2006/main">
-  <p:cSld>
-    <p:spTree>
-      <p:nvGrpSpPr>
-        <p:cNvPr id="1" name=""/>
-        <p:cNvGrpSpPr/>
-        <p:nvPr/>
-      </p:nvGrpSpPr>
-      <p:grpSpPr>
-        <a:xfrm>
-          <a:off x="0" y="0"/>
-          <a:ext cx="0" cy="0"/>
-          <a:chOff x="0" y="0"/>
-          <a:chExt cx="0" cy="0"/>
-        </a:xfrm>
-      </p:grpSpPr>
-      <p:sp>
-        <p:nvSpPr>
-          <p:cNvPr id="5" name="Titel 4">
-            <a:extLst>
-              <a:ext uri="{FF2B5EF4-FFF2-40B4-BE49-F238E27FC236}">
-                <a16:creationId xmlns:a16="http://schemas.microsoft.com/office/drawing/2014/main" id="{3BDAB914-87D3-4CE0-B5F7-BB66EC2ADF64}"/>
-              </a:ext>
-            </a:extLst>
-          </p:cNvPr>
-          <p:cNvSpPr>
-            <a:spLocks noGrp="1"/>
-          </p:cNvSpPr>
-          <p:nvPr>
-            <p:ph type="title"/>
-          </p:nvPr>
-        </p:nvSpPr>
-        <p:spPr>
-          <a:xfrm>
-            <a:off x="304977" y="187890"/>
-            <a:ext cx="9856790" cy="530326"/>
-          </a:xfrm>
-        </p:spPr>
-        <p:txBody>
-          <a:bodyPr/>
-          <a:lstStyle/>
-          <a:p>
-            <a:r>
-              <a:rPr lang="de-DE" dirty="0">
-                <a:latin typeface="Klavika" panose="02000803050000020004" pitchFamily="2" charset="0"/>
-              </a:rPr>
-              <a:t>Ausführen von Templates je Outlet</a:t>
-            </a:r>
-            <a:endParaRPr lang="de-AT" dirty="0">
-              <a:latin typeface="Klavika" panose="02000803050000020004" pitchFamily="2" charset="0"/>
-            </a:endParaRPr>
-          </a:p>
-        </p:txBody>
-      </p:sp>
-      <p:sp>
-        <p:nvSpPr>
-          <p:cNvPr id="6" name="Inhaltsplatzhalter 5">
-            <a:extLst>
-              <a:ext uri="{FF2B5EF4-FFF2-40B4-BE49-F238E27FC236}">
-                <a16:creationId xmlns:a16="http://schemas.microsoft.com/office/drawing/2014/main" id="{902B4942-6079-4325-B9EF-8765C0505437}"/>
-              </a:ext>
-            </a:extLst>
-          </p:cNvPr>
-          <p:cNvSpPr>
-            <a:spLocks noGrp="1"/>
-          </p:cNvSpPr>
-          <p:nvPr>
-            <p:ph idx="1"/>
-          </p:nvPr>
-        </p:nvSpPr>
-        <p:spPr/>
-        <p:txBody>
-          <a:bodyPr/>
-          <a:lstStyle/>
-          <a:p>
-            <a:endParaRPr lang="de-AT" dirty="0">
-              <a:latin typeface="Roboto" panose="02000000000000000000" pitchFamily="2" charset="0"/>
-              <a:ea typeface="Roboto" panose="02000000000000000000" pitchFamily="2" charset="0"/>
-            </a:endParaRPr>
-          </a:p>
-          <a:p>
-            <a:r>
-              <a:rPr lang="de-DE" dirty="0">
-                <a:latin typeface="Roboto" panose="02000000000000000000" pitchFamily="2" charset="0"/>
-                <a:ea typeface="Roboto" panose="02000000000000000000" pitchFamily="2" charset="0"/>
-              </a:rPr>
-              <a:t>CSV Datei (Bulk-Import + Vorlage für API Aufruf)</a:t>
-            </a:r>
-          </a:p>
-          <a:p>
-            <a:endParaRPr lang="de-AT" dirty="0">
-              <a:latin typeface="Roboto" panose="02000000000000000000" pitchFamily="2" charset="0"/>
-              <a:ea typeface="Roboto" panose="02000000000000000000" pitchFamily="2" charset="0"/>
-            </a:endParaRPr>
-          </a:p>
-          <a:p>
-            <a:pPr marL="0" indent="0">
-              <a:buNone/>
-            </a:pPr>
-            <a:endParaRPr lang="de-AT" dirty="0">
-              <a:latin typeface="Roboto" panose="02000000000000000000" pitchFamily="2" charset="0"/>
-              <a:ea typeface="Roboto" panose="02000000000000000000" pitchFamily="2" charset="0"/>
-            </a:endParaRPr>
-          </a:p>
-          <a:p>
-            <a:pPr marL="0" indent="0">
-              <a:buNone/>
-            </a:pPr>
-            <a:endParaRPr lang="de-AT" dirty="0">
-              <a:latin typeface="Roboto" panose="02000000000000000000" pitchFamily="2" charset="0"/>
-              <a:ea typeface="Roboto" panose="02000000000000000000" pitchFamily="2" charset="0"/>
-            </a:endParaRPr>
-          </a:p>
-        </p:txBody>
-      </p:sp>
-      <p:sp>
-        <p:nvSpPr>
-          <p:cNvPr id="4" name="Datumsplatzhalter 3">
-            <a:extLst>
-              <a:ext uri="{FF2B5EF4-FFF2-40B4-BE49-F238E27FC236}">
-                <a16:creationId xmlns:a16="http://schemas.microsoft.com/office/drawing/2014/main" id="{C5C0CF94-8E0E-4767-B789-B0FE06643950}"/>
-              </a:ext>
-            </a:extLst>
-          </p:cNvPr>
-          <p:cNvSpPr>
-            <a:spLocks noGrp="1"/>
-          </p:cNvSpPr>
-          <p:nvPr>
-            <p:ph type="dt" sz="half" idx="10"/>
-          </p:nvPr>
-        </p:nvSpPr>
-        <p:spPr/>
-        <p:txBody>
-          <a:bodyPr/>
-          <a:lstStyle/>
-          <a:p>
-            <a:r>
-              <a:rPr lang="de-DE"/>
-              <a:t>fiskaltrust gmbh - </a:t>
-            </a:r>
-            <a:fld id="{F9CF9B13-D011-40B4-B116-4AFF51B22AA5}" type="datetime1">
-              <a:rPr lang="de-DE" smtClean="0"/>
-              <a:pPr/>
-              <a:t>09.02.2021</a:t>
-            </a:fld>
-            <a:r>
-              <a:rPr lang="de-DE"/>
-              <a:t> - Folie </a:t>
-            </a:r>
-            <a:fld id="{4D3E4D3B-16BA-4843-8361-4E45D113E984}" type="slidenum">
-              <a:rPr lang="de-DE" smtClean="0"/>
-              <a:pPr/>
-              <a:t>18</a:t>
-            </a:fld>
-            <a:endParaRPr lang="de-DE"/>
-          </a:p>
-        </p:txBody>
-      </p:sp>
-      <p:pic>
-        <p:nvPicPr>
-          <p:cNvPr id="8" name="Picture 7" descr="A screenshot of a cell phone&#10;&#10;Description automatically generated">
-            <a:extLst>
-              <a:ext uri="{FF2B5EF4-FFF2-40B4-BE49-F238E27FC236}">
-                <a16:creationId xmlns:a16="http://schemas.microsoft.com/office/drawing/2014/main" id="{9D82BCCD-592F-0143-A4F8-1DBB6FDCC08D}"/>
-              </a:ext>
-            </a:extLst>
-          </p:cNvPr>
-          <p:cNvPicPr>
-            <a:picLocks noChangeAspect="1"/>
-          </p:cNvPicPr>
-          <p:nvPr/>
-        </p:nvPicPr>
-        <p:blipFill>
-          <a:blip r:embed="rId3">
-            <a:extLst>
-              <a:ext uri="{28A0092B-C50C-407E-A947-70E740481C1C}">
-                <a14:useLocalDpi xmlns:a14="http://schemas.microsoft.com/office/drawing/2010/main" val="0"/>
-              </a:ext>
-            </a:extLst>
-          </a:blip>
-          <a:stretch>
-            <a:fillRect/>
-          </a:stretch>
-        </p:blipFill>
-        <p:spPr>
-          <a:xfrm>
-            <a:off x="0" y="2989877"/>
-            <a:ext cx="12192000" cy="2560728"/>
-          </a:xfrm>
-          <a:prstGeom prst="rect">
-            <a:avLst/>
-          </a:prstGeom>
-        </p:spPr>
-      </p:pic>
-    </p:spTree>
-    <p:extLst>
-      <p:ext uri="{BB962C8B-B14F-4D97-AF65-F5344CB8AC3E}">
-        <p14:creationId xmlns:p14="http://schemas.microsoft.com/office/powerpoint/2010/main" val="1678642099"/>
-      </p:ext>
-    </p:extLst>
-  </p:cSld>
-  <p:clrMapOvr>
-    <a:masterClrMapping/>
-  </p:clrMapOvr>
-</p:sld>
-</file>
-
-<file path=ppt/slides/slide19.xml><?xml version="1.0" encoding="utf-8"?>
-<p:sld xmlns:a="http://schemas.openxmlformats.org/drawingml/2006/main" xmlns:r="http://schemas.openxmlformats.org/officeDocument/2006/relationships" xmlns:p="http://schemas.openxmlformats.org/presentationml/2006/main">
-  <p:cSld>
-    <p:spTree>
-      <p:nvGrpSpPr>
-        <p:cNvPr id="1" name=""/>
-        <p:cNvGrpSpPr/>
-        <p:nvPr/>
-      </p:nvGrpSpPr>
-      <p:grpSpPr>
-        <a:xfrm>
-          <a:off x="0" y="0"/>
-          <a:ext cx="0" cy="0"/>
-          <a:chOff x="0" y="0"/>
-          <a:chExt cx="0" cy="0"/>
-        </a:xfrm>
-      </p:grpSpPr>
-      <p:sp>
-        <p:nvSpPr>
-          <p:cNvPr id="5" name="Titel 4">
-            <a:extLst>
-              <a:ext uri="{FF2B5EF4-FFF2-40B4-BE49-F238E27FC236}">
-                <a16:creationId xmlns:a16="http://schemas.microsoft.com/office/drawing/2014/main" id="{3BDAB914-87D3-4CE0-B5F7-BB66EC2ADF64}"/>
-              </a:ext>
-            </a:extLst>
-          </p:cNvPr>
-          <p:cNvSpPr>
-            <a:spLocks noGrp="1"/>
-          </p:cNvSpPr>
-          <p:nvPr>
-            <p:ph type="title"/>
-          </p:nvPr>
-        </p:nvSpPr>
-        <p:spPr>
-          <a:xfrm>
-            <a:off x="304977" y="187890"/>
-            <a:ext cx="9856790" cy="530326"/>
-          </a:xfrm>
-        </p:spPr>
-        <p:txBody>
-          <a:bodyPr/>
-          <a:lstStyle/>
-          <a:p>
-            <a:r>
-              <a:rPr lang="de-DE" dirty="0">
-                <a:latin typeface="Klavika" panose="02000803050000020004" pitchFamily="2" charset="0"/>
-              </a:rPr>
-              <a:t>Ausführen von Templates je Outlet</a:t>
-            </a:r>
-            <a:endParaRPr lang="de-AT" dirty="0">
-              <a:latin typeface="Klavika" panose="02000803050000020004" pitchFamily="2" charset="0"/>
-            </a:endParaRPr>
-          </a:p>
-        </p:txBody>
-      </p:sp>
-      <p:sp>
-        <p:nvSpPr>
-          <p:cNvPr id="6" name="Inhaltsplatzhalter 5">
-            <a:extLst>
-              <a:ext uri="{FF2B5EF4-FFF2-40B4-BE49-F238E27FC236}">
-                <a16:creationId xmlns:a16="http://schemas.microsoft.com/office/drawing/2014/main" id="{902B4942-6079-4325-B9EF-8765C0505437}"/>
-              </a:ext>
-            </a:extLst>
-          </p:cNvPr>
-          <p:cNvSpPr>
-            <a:spLocks noGrp="1"/>
-          </p:cNvSpPr>
-          <p:nvPr>
-            <p:ph idx="1"/>
-          </p:nvPr>
-        </p:nvSpPr>
-        <p:spPr/>
-        <p:txBody>
-          <a:bodyPr/>
-          <a:lstStyle/>
-          <a:p>
-            <a:pPr marL="0" indent="0">
-              <a:buNone/>
-            </a:pPr>
-            <a:endParaRPr lang="de-AT" dirty="0">
-              <a:latin typeface="Roboto" panose="02000000000000000000" pitchFamily="2" charset="0"/>
-              <a:ea typeface="Roboto" panose="02000000000000000000" pitchFamily="2" charset="0"/>
-            </a:endParaRPr>
-          </a:p>
-          <a:p>
-            <a:pPr marL="0" indent="0">
-              <a:buNone/>
-            </a:pPr>
-            <a:endParaRPr lang="de-AT" dirty="0">
-              <a:latin typeface="Roboto" panose="02000000000000000000" pitchFamily="2" charset="0"/>
-              <a:ea typeface="Roboto" panose="02000000000000000000" pitchFamily="2" charset="0"/>
-            </a:endParaRPr>
-          </a:p>
-          <a:p>
-            <a:pPr marL="0" indent="0">
-              <a:buNone/>
-            </a:pPr>
-            <a:endParaRPr lang="de-AT" dirty="0">
-              <a:latin typeface="Roboto" panose="02000000000000000000" pitchFamily="2" charset="0"/>
-              <a:ea typeface="Roboto" panose="02000000000000000000" pitchFamily="2" charset="0"/>
-            </a:endParaRPr>
-          </a:p>
-        </p:txBody>
-      </p:sp>
-      <p:sp>
-        <p:nvSpPr>
-          <p:cNvPr id="4" name="Datumsplatzhalter 3">
-            <a:extLst>
-              <a:ext uri="{FF2B5EF4-FFF2-40B4-BE49-F238E27FC236}">
-                <a16:creationId xmlns:a16="http://schemas.microsoft.com/office/drawing/2014/main" id="{C5C0CF94-8E0E-4767-B789-B0FE06643950}"/>
-              </a:ext>
-            </a:extLst>
-          </p:cNvPr>
-          <p:cNvSpPr>
-            <a:spLocks noGrp="1"/>
-          </p:cNvSpPr>
-          <p:nvPr>
-            <p:ph type="dt" sz="half" idx="10"/>
-          </p:nvPr>
-        </p:nvSpPr>
-        <p:spPr/>
-        <p:txBody>
-          <a:bodyPr/>
-          <a:lstStyle/>
-          <a:p>
-            <a:r>
-              <a:rPr lang="de-DE"/>
-              <a:t>fiskaltrust gmbh - </a:t>
-            </a:r>
-            <a:fld id="{F9CF9B13-D011-40B4-B116-4AFF51B22AA5}" type="datetime1">
-              <a:rPr lang="de-DE" smtClean="0"/>
-              <a:pPr/>
-              <a:t>09.02.2021</a:t>
-            </a:fld>
-            <a:r>
-              <a:rPr lang="de-DE"/>
-              <a:t> - Folie </a:t>
-            </a:r>
-            <a:fld id="{4D3E4D3B-16BA-4843-8361-4E45D113E984}" type="slidenum">
-              <a:rPr lang="de-DE" smtClean="0"/>
-              <a:pPr/>
-              <a:t>19</a:t>
-            </a:fld>
-            <a:endParaRPr lang="de-DE"/>
-          </a:p>
-        </p:txBody>
-      </p:sp>
-      <p:pic>
-        <p:nvPicPr>
-          <p:cNvPr id="7" name="Picture 6">
-            <a:extLst>
-              <a:ext uri="{FF2B5EF4-FFF2-40B4-BE49-F238E27FC236}">
-                <a16:creationId xmlns:a16="http://schemas.microsoft.com/office/drawing/2014/main" id="{DD7D4424-5856-8D42-9C2C-635899767858}"/>
-              </a:ext>
-            </a:extLst>
-          </p:cNvPr>
-          <p:cNvPicPr>
-            <a:picLocks noChangeAspect="1"/>
-          </p:cNvPicPr>
-          <p:nvPr/>
-        </p:nvPicPr>
-        <p:blipFill>
-          <a:blip r:embed="rId3">
-            <a:extLst>
-              <a:ext uri="{28A0092B-C50C-407E-A947-70E740481C1C}">
-                <a14:useLocalDpi xmlns:a14="http://schemas.microsoft.com/office/drawing/2010/main" val="0"/>
-              </a:ext>
-            </a:extLst>
-          </a:blip>
-          <a:srcRect/>
-          <a:stretch/>
-        </p:blipFill>
-        <p:spPr>
-          <a:xfrm>
-            <a:off x="371564" y="1040818"/>
-            <a:ext cx="11274785" cy="5817182"/>
-          </a:xfrm>
-          <a:prstGeom prst="rect">
-            <a:avLst/>
-          </a:prstGeom>
-        </p:spPr>
-      </p:pic>
-    </p:spTree>
-    <p:extLst>
-      <p:ext uri="{BB962C8B-B14F-4D97-AF65-F5344CB8AC3E}">
-        <p14:creationId xmlns:p14="http://schemas.microsoft.com/office/powerpoint/2010/main" val="266032705"/>
-      </p:ext>
-    </p:extLst>
-  </p:cSld>
-  <p:clrMapOvr>
-    <a:masterClrMapping/>
-  </p:clrMapOvr>
-</p:sld>
-</file>
-
-<file path=ppt/slides/slide2.xml><?xml version="1.0" encoding="utf-8"?>
-<p:sld xmlns:a="http://schemas.openxmlformats.org/drawingml/2006/main" xmlns:r="http://schemas.openxmlformats.org/officeDocument/2006/relationships" xmlns:p="http://schemas.openxmlformats.org/presentationml/2006/main">
-  <p:cSld>
-    <p:spTree>
-      <p:nvGrpSpPr>
-        <p:cNvPr id="1" name=""/>
-        <p:cNvGrpSpPr/>
-        <p:nvPr/>
-      </p:nvGrpSpPr>
-      <p:grpSpPr>
-        <a:xfrm>
-          <a:off x="0" y="0"/>
-          <a:ext cx="0" cy="0"/>
-          <a:chOff x="0" y="0"/>
-          <a:chExt cx="0" cy="0"/>
-        </a:xfrm>
-      </p:grpSpPr>
-      <p:sp>
-        <p:nvSpPr>
-          <p:cNvPr id="5" name="Titel 4">
-            <a:extLst>
-              <a:ext uri="{FF2B5EF4-FFF2-40B4-BE49-F238E27FC236}">
-                <a16:creationId xmlns:a16="http://schemas.microsoft.com/office/drawing/2014/main" id="{3BDAB914-87D3-4CE0-B5F7-BB66EC2ADF64}"/>
-              </a:ext>
-            </a:extLst>
-          </p:cNvPr>
-          <p:cNvSpPr>
-            <a:spLocks noGrp="1"/>
-          </p:cNvSpPr>
-          <p:nvPr>
-            <p:ph type="title"/>
-          </p:nvPr>
-        </p:nvSpPr>
-        <p:spPr>
-          <a:xfrm>
-            <a:off x="304977" y="187890"/>
-            <a:ext cx="9856790" cy="530326"/>
-          </a:xfrm>
-        </p:spPr>
-        <p:txBody>
-          <a:bodyPr/>
-          <a:lstStyle/>
-          <a:p>
-            <a:r>
-              <a:rPr lang="de-AT" dirty="0">
-                <a:latin typeface="Klavika" panose="02000803050000020004" pitchFamily="2" charset="0"/>
-              </a:rPr>
-              <a:t>Agenda</a:t>
-            </a:r>
-          </a:p>
-        </p:txBody>
-      </p:sp>
-      <p:sp>
-        <p:nvSpPr>
-          <p:cNvPr id="6" name="Inhaltsplatzhalter 5">
-            <a:extLst>
-              <a:ext uri="{FF2B5EF4-FFF2-40B4-BE49-F238E27FC236}">
-                <a16:creationId xmlns:a16="http://schemas.microsoft.com/office/drawing/2014/main" id="{902B4942-6079-4325-B9EF-8765C0505437}"/>
-              </a:ext>
-            </a:extLst>
-          </p:cNvPr>
-          <p:cNvSpPr>
-            <a:spLocks noGrp="1"/>
-          </p:cNvSpPr>
-          <p:nvPr>
-            <p:ph idx="1"/>
-          </p:nvPr>
-        </p:nvSpPr>
-        <p:spPr/>
-        <p:txBody>
-          <a:bodyPr/>
-          <a:lstStyle/>
-          <a:p>
-            <a:endParaRPr lang="de-AT" dirty="0">
-              <a:latin typeface="Roboto" panose="02000000000000000000" pitchFamily="2" charset="0"/>
-              <a:ea typeface="Roboto" panose="02000000000000000000" pitchFamily="2" charset="0"/>
-            </a:endParaRPr>
-          </a:p>
-          <a:p>
-            <a:endParaRPr lang="de-AT" dirty="0">
-              <a:latin typeface="Roboto" panose="02000000000000000000" pitchFamily="2" charset="0"/>
-              <a:ea typeface="Roboto" panose="02000000000000000000" pitchFamily="2" charset="0"/>
-            </a:endParaRPr>
-          </a:p>
-          <a:p>
-            <a:r>
-              <a:rPr lang="de-AT" dirty="0">
-                <a:latin typeface="Roboto" panose="02000000000000000000" pitchFamily="2" charset="0"/>
-                <a:ea typeface="Roboto" panose="02000000000000000000" pitchFamily="2" charset="0"/>
-              </a:rPr>
-              <a:t>Portal als Rollout Management Tool</a:t>
-            </a:r>
-          </a:p>
-          <a:p>
-            <a:r>
-              <a:rPr lang="de-AT" dirty="0">
-                <a:latin typeface="Roboto" panose="02000000000000000000" pitchFamily="2" charset="0"/>
-                <a:ea typeface="Roboto" panose="02000000000000000000" pitchFamily="2" charset="0"/>
-              </a:rPr>
-              <a:t>Konfiguration und Auslieferung der ft.Middleware</a:t>
-            </a:r>
-          </a:p>
-          <a:p>
-            <a:r>
-              <a:rPr lang="de-AT" dirty="0">
-                <a:latin typeface="Roboto" panose="02000000000000000000" pitchFamily="2" charset="0"/>
-                <a:ea typeface="Roboto" panose="02000000000000000000" pitchFamily="2" charset="0"/>
-              </a:rPr>
-              <a:t>Automatisierungsoptionen</a:t>
-            </a:r>
-          </a:p>
-          <a:p>
-            <a:r>
-              <a:rPr lang="de-AT" dirty="0">
-                <a:latin typeface="Roboto" panose="02000000000000000000" pitchFamily="2" charset="0"/>
-                <a:ea typeface="Roboto" panose="02000000000000000000" pitchFamily="2" charset="0"/>
-              </a:rPr>
-              <a:t>Rollout Szenarien</a:t>
-            </a:r>
-          </a:p>
-        </p:txBody>
-      </p:sp>
-      <p:sp>
-        <p:nvSpPr>
-          <p:cNvPr id="4" name="Datumsplatzhalter 3">
-            <a:extLst>
-              <a:ext uri="{FF2B5EF4-FFF2-40B4-BE49-F238E27FC236}">
-                <a16:creationId xmlns:a16="http://schemas.microsoft.com/office/drawing/2014/main" id="{C5C0CF94-8E0E-4767-B789-B0FE06643950}"/>
-              </a:ext>
-            </a:extLst>
-          </p:cNvPr>
-          <p:cNvSpPr>
-            <a:spLocks noGrp="1"/>
-          </p:cNvSpPr>
-          <p:nvPr>
-            <p:ph type="dt" sz="half" idx="10"/>
-          </p:nvPr>
-        </p:nvSpPr>
-        <p:spPr/>
-        <p:txBody>
-          <a:bodyPr/>
-          <a:lstStyle/>
-          <a:p>
-            <a:r>
-              <a:rPr lang="de-DE"/>
-              <a:t>fiskaltrust gmbh - </a:t>
-            </a:r>
-            <a:fld id="{F9CF9B13-D011-40B4-B116-4AFF51B22AA5}" type="datetime1">
-              <a:rPr lang="de-DE" smtClean="0"/>
-              <a:pPr/>
-              <a:t>09.02.2021</a:t>
-            </a:fld>
-            <a:r>
-              <a:rPr lang="de-DE"/>
-              <a:t> - Folie </a:t>
-            </a:r>
-            <a:fld id="{4D3E4D3B-16BA-4843-8361-4E45D113E984}" type="slidenum">
-              <a:rPr lang="de-DE" smtClean="0"/>
-              <a:pPr/>
-              <a:t>2</a:t>
-            </a:fld>
-            <a:endParaRPr lang="de-DE"/>
-          </a:p>
-        </p:txBody>
-      </p:sp>
-    </p:spTree>
-    <p:extLst>
-      <p:ext uri="{BB962C8B-B14F-4D97-AF65-F5344CB8AC3E}">
-        <p14:creationId xmlns:p14="http://schemas.microsoft.com/office/powerpoint/2010/main" val="3297534490"/>
-      </p:ext>
-    </p:extLst>
-  </p:cSld>
-  <p:clrMapOvr>
-    <a:masterClrMapping/>
-  </p:clrMapOvr>
-</p:sld>
-</file>
-
-<file path=ppt/slides/slide20.xml><?xml version="1.0" encoding="utf-8"?>
-<p:sld xmlns:a="http://schemas.openxmlformats.org/drawingml/2006/main" xmlns:r="http://schemas.openxmlformats.org/officeDocument/2006/relationships" xmlns:p="http://schemas.openxmlformats.org/presentationml/2006/main">
-  <p:cSld>
-    <p:spTree>
-      <p:nvGrpSpPr>
-        <p:cNvPr id="1" name=""/>
-        <p:cNvGrpSpPr/>
-        <p:nvPr/>
-      </p:nvGrpSpPr>
-      <p:grpSpPr>
-        <a:xfrm>
-          <a:off x="0" y="0"/>
-          <a:ext cx="0" cy="0"/>
-          <a:chOff x="0" y="0"/>
-          <a:chExt cx="0" cy="0"/>
-        </a:xfrm>
-      </p:grpSpPr>
-      <p:sp>
-        <p:nvSpPr>
-          <p:cNvPr id="5" name="Titel 4">
-            <a:extLst>
-              <a:ext uri="{FF2B5EF4-FFF2-40B4-BE49-F238E27FC236}">
-                <a16:creationId xmlns:a16="http://schemas.microsoft.com/office/drawing/2014/main" id="{3BDAB914-87D3-4CE0-B5F7-BB66EC2ADF64}"/>
-              </a:ext>
-            </a:extLst>
-          </p:cNvPr>
-          <p:cNvSpPr>
-            <a:spLocks noGrp="1"/>
-          </p:cNvSpPr>
-          <p:nvPr>
-            <p:ph type="title"/>
-          </p:nvPr>
-        </p:nvSpPr>
-        <p:spPr>
-          <a:xfrm>
-            <a:off x="304977" y="187890"/>
-            <a:ext cx="9856790" cy="530326"/>
-          </a:xfrm>
-        </p:spPr>
-        <p:txBody>
-          <a:bodyPr/>
-          <a:lstStyle/>
-          <a:p>
-            <a:r>
-              <a:rPr lang="de-DE" dirty="0">
-                <a:latin typeface="Klavika" panose="02000803050000020004" pitchFamily="2" charset="0"/>
-              </a:rPr>
-              <a:t>Ausführen von Templates je Outlet</a:t>
-            </a:r>
-            <a:endParaRPr lang="de-AT" dirty="0">
-              <a:latin typeface="Klavika" panose="02000803050000020004" pitchFamily="2" charset="0"/>
-            </a:endParaRPr>
-          </a:p>
-        </p:txBody>
-      </p:sp>
-      <p:sp>
-        <p:nvSpPr>
-          <p:cNvPr id="6" name="Inhaltsplatzhalter 5">
-            <a:extLst>
-              <a:ext uri="{FF2B5EF4-FFF2-40B4-BE49-F238E27FC236}">
-                <a16:creationId xmlns:a16="http://schemas.microsoft.com/office/drawing/2014/main" id="{902B4942-6079-4325-B9EF-8765C0505437}"/>
-              </a:ext>
-            </a:extLst>
-          </p:cNvPr>
-          <p:cNvSpPr>
-            <a:spLocks noGrp="1"/>
-          </p:cNvSpPr>
-          <p:nvPr>
-            <p:ph idx="1"/>
-          </p:nvPr>
-        </p:nvSpPr>
-        <p:spPr/>
-        <p:txBody>
-          <a:bodyPr/>
-          <a:lstStyle/>
-          <a:p>
-            <a:r>
-              <a:rPr lang="de-DE" dirty="0">
-                <a:latin typeface="Roboto" panose="02000000000000000000" pitchFamily="2" charset="0"/>
-                <a:ea typeface="Roboto" panose="02000000000000000000" pitchFamily="2" charset="0"/>
-              </a:rPr>
-              <a:t>Launcher als Nugget-Package</a:t>
-            </a:r>
-          </a:p>
-          <a:p>
-            <a:r>
-              <a:rPr lang="de-DE" dirty="0">
-                <a:latin typeface="Roboto" panose="02000000000000000000" pitchFamily="2" charset="0"/>
-                <a:ea typeface="Roboto" panose="02000000000000000000" pitchFamily="2" charset="0"/>
-              </a:rPr>
-              <a:t>Konfiguration anpassen (</a:t>
-            </a:r>
-            <a:r>
-              <a:rPr lang="de-DE" dirty="0" err="1">
-                <a:latin typeface="Roboto" panose="02000000000000000000" pitchFamily="2" charset="0"/>
-                <a:ea typeface="Roboto" panose="02000000000000000000" pitchFamily="2" charset="0"/>
-              </a:rPr>
-              <a:t>cashboxid</a:t>
-            </a:r>
-            <a:r>
-              <a:rPr lang="de-DE" dirty="0">
-                <a:latin typeface="Roboto" panose="02000000000000000000" pitchFamily="2" charset="0"/>
-                <a:ea typeface="Roboto" panose="02000000000000000000" pitchFamily="2" charset="0"/>
-              </a:rPr>
-              <a:t>, </a:t>
-            </a:r>
-            <a:r>
-              <a:rPr lang="de-DE" dirty="0" err="1">
-                <a:latin typeface="Roboto" panose="02000000000000000000" pitchFamily="2" charset="0"/>
-                <a:ea typeface="Roboto" panose="02000000000000000000" pitchFamily="2" charset="0"/>
-              </a:rPr>
-              <a:t>accesstoken</a:t>
-            </a:r>
-            <a:r>
-              <a:rPr lang="de-DE" dirty="0">
-                <a:latin typeface="Roboto" panose="02000000000000000000" pitchFamily="2" charset="0"/>
-                <a:ea typeface="Roboto" panose="02000000000000000000" pitchFamily="2" charset="0"/>
-              </a:rPr>
-              <a:t>)</a:t>
-            </a:r>
-          </a:p>
-          <a:p>
-            <a:r>
-              <a:rPr lang="de-DE" dirty="0">
-                <a:latin typeface="Roboto" panose="02000000000000000000" pitchFamily="2" charset="0"/>
-                <a:ea typeface="Roboto" panose="02000000000000000000" pitchFamily="2" charset="0"/>
-              </a:rPr>
-              <a:t>Ausliefern und Starten</a:t>
-            </a:r>
-            <a:endParaRPr lang="de-AT" dirty="0">
-              <a:latin typeface="Roboto" panose="02000000000000000000" pitchFamily="2" charset="0"/>
-              <a:ea typeface="Roboto" panose="02000000000000000000" pitchFamily="2" charset="0"/>
-            </a:endParaRPr>
-          </a:p>
-          <a:p>
-            <a:pPr marL="0" indent="0">
-              <a:buNone/>
-            </a:pPr>
-            <a:endParaRPr lang="de-AT" dirty="0">
-              <a:latin typeface="Roboto" panose="02000000000000000000" pitchFamily="2" charset="0"/>
-              <a:ea typeface="Roboto" panose="02000000000000000000" pitchFamily="2" charset="0"/>
-            </a:endParaRPr>
-          </a:p>
-          <a:p>
-            <a:pPr marL="0" indent="0">
-              <a:buNone/>
-            </a:pPr>
-            <a:endParaRPr lang="de-AT" dirty="0">
-              <a:latin typeface="Roboto" panose="02000000000000000000" pitchFamily="2" charset="0"/>
-              <a:ea typeface="Roboto" panose="02000000000000000000" pitchFamily="2" charset="0"/>
-            </a:endParaRPr>
-          </a:p>
-        </p:txBody>
-      </p:sp>
-      <p:sp>
-        <p:nvSpPr>
-          <p:cNvPr id="4" name="Datumsplatzhalter 3">
-            <a:extLst>
-              <a:ext uri="{FF2B5EF4-FFF2-40B4-BE49-F238E27FC236}">
-                <a16:creationId xmlns:a16="http://schemas.microsoft.com/office/drawing/2014/main" id="{C5C0CF94-8E0E-4767-B789-B0FE06643950}"/>
-              </a:ext>
-            </a:extLst>
-          </p:cNvPr>
-          <p:cNvSpPr>
-            <a:spLocks noGrp="1"/>
-          </p:cNvSpPr>
-          <p:nvPr>
-            <p:ph type="dt" sz="half" idx="10"/>
-          </p:nvPr>
-        </p:nvSpPr>
-        <p:spPr/>
-        <p:txBody>
-          <a:bodyPr/>
-          <a:lstStyle/>
-          <a:p>
-            <a:r>
-              <a:rPr lang="de-DE"/>
-              <a:t>fiskaltrust gmbh - </a:t>
-            </a:r>
-            <a:fld id="{F9CF9B13-D011-40B4-B116-4AFF51B22AA5}" type="datetime1">
-              <a:rPr lang="de-DE" smtClean="0"/>
-              <a:pPr/>
-              <a:t>09.02.2021</a:t>
-            </a:fld>
-            <a:r>
-              <a:rPr lang="de-DE"/>
-              <a:t> - Folie </a:t>
-            </a:r>
-            <a:fld id="{4D3E4D3B-16BA-4843-8361-4E45D113E984}" type="slidenum">
-              <a:rPr lang="de-DE" smtClean="0"/>
-              <a:pPr/>
-              <a:t>20</a:t>
-            </a:fld>
-            <a:endParaRPr lang="de-DE"/>
-          </a:p>
-        </p:txBody>
-      </p:sp>
-      <p:pic>
-        <p:nvPicPr>
-          <p:cNvPr id="7" name="Picture 6">
-            <a:extLst>
-              <a:ext uri="{FF2B5EF4-FFF2-40B4-BE49-F238E27FC236}">
-                <a16:creationId xmlns:a16="http://schemas.microsoft.com/office/drawing/2014/main" id="{1F422E22-0860-E449-B8CB-699930E92998}"/>
-              </a:ext>
-            </a:extLst>
-          </p:cNvPr>
-          <p:cNvPicPr>
-            <a:picLocks noChangeAspect="1"/>
-          </p:cNvPicPr>
-          <p:nvPr/>
-        </p:nvPicPr>
-        <p:blipFill>
-          <a:blip r:embed="rId3">
-            <a:extLst>
-              <a:ext uri="{28A0092B-C50C-407E-A947-70E740481C1C}">
-                <a14:useLocalDpi xmlns:a14="http://schemas.microsoft.com/office/drawing/2010/main" val="0"/>
-              </a:ext>
-            </a:extLst>
-          </a:blip>
-          <a:srcRect/>
-          <a:stretch/>
-        </p:blipFill>
-        <p:spPr>
-          <a:xfrm>
-            <a:off x="304976" y="3514331"/>
-            <a:ext cx="7638969" cy="2510358"/>
-          </a:xfrm>
-          <a:prstGeom prst="rect">
-            <a:avLst/>
-          </a:prstGeom>
-        </p:spPr>
-      </p:pic>
-    </p:spTree>
-    <p:extLst>
-      <p:ext uri="{BB962C8B-B14F-4D97-AF65-F5344CB8AC3E}">
-        <p14:creationId xmlns:p14="http://schemas.microsoft.com/office/powerpoint/2010/main" val="944677562"/>
-      </p:ext>
-    </p:extLst>
-  </p:cSld>
-  <p:clrMapOvr>
-    <a:masterClrMapping/>
-  </p:clrMapOvr>
-</p:sld>
-</file>
-
-<file path=ppt/slides/slide21.xml><?xml version="1.0" encoding="utf-8"?>
-<p:sld xmlns:a="http://schemas.openxmlformats.org/drawingml/2006/main" xmlns:r="http://schemas.openxmlformats.org/officeDocument/2006/relationships" xmlns:p="http://schemas.openxmlformats.org/presentationml/2006/main">
-  <p:cSld>
-    <p:spTree>
-      <p:nvGrpSpPr>
-        <p:cNvPr id="1" name=""/>
-        <p:cNvGrpSpPr/>
-        <p:nvPr/>
-      </p:nvGrpSpPr>
-      <p:grpSpPr>
-        <a:xfrm>
-          <a:off x="0" y="0"/>
-          <a:ext cx="0" cy="0"/>
-          <a:chOff x="0" y="0"/>
-          <a:chExt cx="0" cy="0"/>
-        </a:xfrm>
-      </p:grpSpPr>
-      <p:sp>
-        <p:nvSpPr>
-          <p:cNvPr id="5" name="Titel 4">
-            <a:extLst>
-              <a:ext uri="{FF2B5EF4-FFF2-40B4-BE49-F238E27FC236}">
-                <a16:creationId xmlns:a16="http://schemas.microsoft.com/office/drawing/2014/main" id="{3BDAB914-87D3-4CE0-B5F7-BB66EC2ADF64}"/>
-              </a:ext>
-            </a:extLst>
-          </p:cNvPr>
-          <p:cNvSpPr>
-            <a:spLocks noGrp="1"/>
-          </p:cNvSpPr>
-          <p:nvPr>
-            <p:ph type="title"/>
-          </p:nvPr>
-        </p:nvSpPr>
-        <p:spPr>
-          <a:xfrm>
-            <a:off x="304977" y="187890"/>
-            <a:ext cx="9856790" cy="530326"/>
-          </a:xfrm>
-        </p:spPr>
-        <p:txBody>
-          <a:bodyPr/>
-          <a:lstStyle/>
-          <a:p>
-            <a:r>
-              <a:rPr lang="de-DE" dirty="0">
-                <a:latin typeface="Klavika" panose="02000803050000020004" pitchFamily="2" charset="0"/>
-              </a:rPr>
-              <a:t>Hoher Automatisierungsgrad</a:t>
-            </a:r>
-            <a:endParaRPr lang="de-AT" dirty="0">
-              <a:latin typeface="Klavika" panose="02000803050000020004" pitchFamily="2" charset="0"/>
-            </a:endParaRPr>
-          </a:p>
-        </p:txBody>
-      </p:sp>
-      <p:sp>
-        <p:nvSpPr>
-          <p:cNvPr id="6" name="Inhaltsplatzhalter 5">
-            <a:extLst>
-              <a:ext uri="{FF2B5EF4-FFF2-40B4-BE49-F238E27FC236}">
-                <a16:creationId xmlns:a16="http://schemas.microsoft.com/office/drawing/2014/main" id="{902B4942-6079-4325-B9EF-8765C0505437}"/>
-              </a:ext>
-            </a:extLst>
-          </p:cNvPr>
-          <p:cNvSpPr>
-            <a:spLocks noGrp="1"/>
-          </p:cNvSpPr>
-          <p:nvPr>
-            <p:ph idx="1"/>
-          </p:nvPr>
-        </p:nvSpPr>
-        <p:spPr/>
-        <p:txBody>
-          <a:bodyPr/>
-          <a:lstStyle/>
-          <a:p>
-            <a:pPr marL="0" indent="0">
-              <a:buNone/>
-            </a:pPr>
-            <a:endParaRPr lang="de-AT" dirty="0">
-              <a:latin typeface="Roboto" panose="02000000000000000000" pitchFamily="2" charset="0"/>
-              <a:ea typeface="Roboto" panose="02000000000000000000" pitchFamily="2" charset="0"/>
-            </a:endParaRPr>
-          </a:p>
-          <a:p>
-            <a:r>
-              <a:rPr lang="de-AT" dirty="0">
-                <a:latin typeface="Roboto" panose="02000000000000000000" pitchFamily="2" charset="0"/>
-                <a:ea typeface="Roboto" panose="02000000000000000000" pitchFamily="2" charset="0"/>
-              </a:rPr>
-              <a:t>Bulk-Import der Outlets</a:t>
-            </a:r>
-          </a:p>
-          <a:p>
-            <a:r>
-              <a:rPr lang="de-AT" dirty="0">
-                <a:latin typeface="Roboto" panose="02000000000000000000" pitchFamily="2" charset="0"/>
-                <a:ea typeface="Roboto" panose="02000000000000000000" pitchFamily="2" charset="0"/>
-              </a:rPr>
-              <a:t>Automatisches Ausführen von Templates</a:t>
-            </a:r>
-          </a:p>
-          <a:p>
-            <a:r>
-              <a:rPr lang="de-AT" dirty="0">
-                <a:latin typeface="Roboto" panose="02000000000000000000" pitchFamily="2" charset="0"/>
-                <a:ea typeface="Roboto" panose="02000000000000000000" pitchFamily="2" charset="0"/>
-              </a:rPr>
-              <a:t>Automatisches Ausliefern des Launcher</a:t>
-            </a:r>
-          </a:p>
-        </p:txBody>
-      </p:sp>
-      <p:sp>
-        <p:nvSpPr>
-          <p:cNvPr id="4" name="Datumsplatzhalter 3">
-            <a:extLst>
-              <a:ext uri="{FF2B5EF4-FFF2-40B4-BE49-F238E27FC236}">
-                <a16:creationId xmlns:a16="http://schemas.microsoft.com/office/drawing/2014/main" id="{C5C0CF94-8E0E-4767-B789-B0FE06643950}"/>
-              </a:ext>
-            </a:extLst>
-          </p:cNvPr>
-          <p:cNvSpPr>
-            <a:spLocks noGrp="1"/>
-          </p:cNvSpPr>
-          <p:nvPr>
-            <p:ph type="dt" sz="half" idx="10"/>
-          </p:nvPr>
-        </p:nvSpPr>
-        <p:spPr/>
-        <p:txBody>
-          <a:bodyPr/>
-          <a:lstStyle/>
-          <a:p>
-            <a:r>
-              <a:rPr lang="de-DE"/>
-              <a:t>fiskaltrust gmbh - </a:t>
-            </a:r>
-            <a:fld id="{F9CF9B13-D011-40B4-B116-4AFF51B22AA5}" type="datetime1">
-              <a:rPr lang="de-DE" smtClean="0"/>
-              <a:pPr/>
-              <a:t>09.02.2021</a:t>
-            </a:fld>
-            <a:r>
-              <a:rPr lang="de-DE"/>
-              <a:t> - Folie </a:t>
-            </a:r>
-            <a:fld id="{4D3E4D3B-16BA-4843-8361-4E45D113E984}" type="slidenum">
-              <a:rPr lang="de-DE" smtClean="0"/>
-              <a:pPr/>
-              <a:t>21</a:t>
-            </a:fld>
-            <a:endParaRPr lang="de-DE"/>
-          </a:p>
-        </p:txBody>
-      </p:sp>
-    </p:spTree>
-    <p:extLst>
-      <p:ext uri="{BB962C8B-B14F-4D97-AF65-F5344CB8AC3E}">
-        <p14:creationId xmlns:p14="http://schemas.microsoft.com/office/powerpoint/2010/main" val="2037192287"/>
-      </p:ext>
-    </p:extLst>
-  </p:cSld>
-  <p:clrMapOvr>
-    <a:masterClrMapping/>
-  </p:clrMapOvr>
-</p:sld>
-</file>
-
-<file path=ppt/slides/slide22.xml><?xml version="1.0" encoding="utf-8"?>
-<p:sld xmlns:a="http://schemas.openxmlformats.org/drawingml/2006/main" xmlns:r="http://schemas.openxmlformats.org/officeDocument/2006/relationships" xmlns:p="http://schemas.openxmlformats.org/presentationml/2006/main">
-  <p:cSld>
-    <p:spTree>
-      <p:nvGrpSpPr>
-        <p:cNvPr id="1" name=""/>
-        <p:cNvGrpSpPr/>
-        <p:nvPr/>
-      </p:nvGrpSpPr>
-      <p:grpSpPr>
-        <a:xfrm>
-          <a:off x="0" y="0"/>
-          <a:ext cx="0" cy="0"/>
-          <a:chOff x="0" y="0"/>
-          <a:chExt cx="0" cy="0"/>
-        </a:xfrm>
-      </p:grpSpPr>
-      <p:sp>
-        <p:nvSpPr>
-          <p:cNvPr id="5" name="Titel 4">
-            <a:extLst>
-              <a:ext uri="{FF2B5EF4-FFF2-40B4-BE49-F238E27FC236}">
-                <a16:creationId xmlns:a16="http://schemas.microsoft.com/office/drawing/2014/main" id="{3BDAB914-87D3-4CE0-B5F7-BB66EC2ADF64}"/>
-              </a:ext>
-            </a:extLst>
-          </p:cNvPr>
-          <p:cNvSpPr>
-            <a:spLocks noGrp="1"/>
-          </p:cNvSpPr>
-          <p:nvPr>
-            <p:ph type="title"/>
-          </p:nvPr>
-        </p:nvSpPr>
-        <p:spPr>
-          <a:xfrm>
-            <a:off x="304977" y="187890"/>
-            <a:ext cx="9856790" cy="530326"/>
-          </a:xfrm>
-        </p:spPr>
-        <p:txBody>
-          <a:bodyPr/>
-          <a:lstStyle/>
-          <a:p>
-            <a:r>
-              <a:rPr lang="de-DE" dirty="0">
-                <a:latin typeface="Klavika" panose="02000803050000020004" pitchFamily="2" charset="0"/>
-              </a:rPr>
-              <a:t>Rollout Szenarien</a:t>
-            </a:r>
-            <a:endParaRPr lang="de-AT" dirty="0">
-              <a:latin typeface="Klavika" panose="02000803050000020004" pitchFamily="2" charset="0"/>
-            </a:endParaRPr>
-          </a:p>
-        </p:txBody>
-      </p:sp>
-      <p:sp>
-        <p:nvSpPr>
-          <p:cNvPr id="6" name="Inhaltsplatzhalter 5">
-            <a:extLst>
-              <a:ext uri="{FF2B5EF4-FFF2-40B4-BE49-F238E27FC236}">
-                <a16:creationId xmlns:a16="http://schemas.microsoft.com/office/drawing/2014/main" id="{902B4942-6079-4325-B9EF-8765C0505437}"/>
-              </a:ext>
-            </a:extLst>
-          </p:cNvPr>
-          <p:cNvSpPr>
-            <a:spLocks noGrp="1"/>
-          </p:cNvSpPr>
-          <p:nvPr>
-            <p:ph idx="1"/>
-          </p:nvPr>
-        </p:nvSpPr>
-        <p:spPr/>
-        <p:txBody>
-          <a:bodyPr/>
-          <a:lstStyle/>
-          <a:p>
-            <a:pPr marL="0" indent="0">
-              <a:buNone/>
-            </a:pPr>
-            <a:endParaRPr lang="de-AT" dirty="0">
-              <a:latin typeface="Roboto" panose="02000000000000000000" pitchFamily="2" charset="0"/>
-              <a:ea typeface="Roboto" panose="02000000000000000000" pitchFamily="2" charset="0"/>
-            </a:endParaRPr>
-          </a:p>
-          <a:p>
-            <a:r>
-              <a:rPr lang="de-DE" dirty="0">
-                <a:latin typeface="Roboto" panose="02000000000000000000" pitchFamily="2" charset="0"/>
-                <a:ea typeface="Roboto" panose="02000000000000000000" pitchFamily="2" charset="0"/>
-                <a:hlinkClick r:id="rId3"/>
-              </a:rPr>
-              <a:t>Vorführung anhand der Dokumentation</a:t>
-            </a:r>
-            <a:endParaRPr lang="de-DE" dirty="0">
-              <a:latin typeface="Roboto" panose="02000000000000000000" pitchFamily="2" charset="0"/>
-              <a:ea typeface="Roboto" panose="02000000000000000000" pitchFamily="2" charset="0"/>
-            </a:endParaRPr>
-          </a:p>
-        </p:txBody>
-      </p:sp>
-      <p:sp>
-        <p:nvSpPr>
-          <p:cNvPr id="4" name="Datumsplatzhalter 3">
-            <a:extLst>
-              <a:ext uri="{FF2B5EF4-FFF2-40B4-BE49-F238E27FC236}">
-                <a16:creationId xmlns:a16="http://schemas.microsoft.com/office/drawing/2014/main" id="{C5C0CF94-8E0E-4767-B789-B0FE06643950}"/>
-              </a:ext>
-            </a:extLst>
-          </p:cNvPr>
-          <p:cNvSpPr>
-            <a:spLocks noGrp="1"/>
-          </p:cNvSpPr>
-          <p:nvPr>
-            <p:ph type="dt" sz="half" idx="10"/>
-          </p:nvPr>
-        </p:nvSpPr>
-        <p:spPr/>
-        <p:txBody>
-          <a:bodyPr/>
-          <a:lstStyle/>
-          <a:p>
-            <a:r>
-              <a:rPr lang="de-DE"/>
-              <a:t>fiskaltrust gmbh - </a:t>
-            </a:r>
-            <a:fld id="{F9CF9B13-D011-40B4-B116-4AFF51B22AA5}" type="datetime1">
-              <a:rPr lang="de-DE" smtClean="0"/>
-              <a:pPr/>
-              <a:t>09.02.2021</a:t>
-            </a:fld>
-            <a:r>
-              <a:rPr lang="de-DE"/>
-              <a:t> - Folie </a:t>
-            </a:r>
-            <a:fld id="{4D3E4D3B-16BA-4843-8361-4E45D113E984}" type="slidenum">
-              <a:rPr lang="de-DE" smtClean="0"/>
-              <a:pPr/>
-              <a:t>22</a:t>
-            </a:fld>
-            <a:endParaRPr lang="de-DE"/>
-          </a:p>
-        </p:txBody>
-      </p:sp>
-    </p:spTree>
-    <p:extLst>
-      <p:ext uri="{BB962C8B-B14F-4D97-AF65-F5344CB8AC3E}">
-        <p14:creationId xmlns:p14="http://schemas.microsoft.com/office/powerpoint/2010/main" val="2170437401"/>
-      </p:ext>
-    </p:extLst>
-  </p:cSld>
-  <p:clrMapOvr>
-    <a:masterClrMapping/>
-  </p:clrMapOvr>
-</p:sld>
-</file>
-
-<file path=ppt/slides/slide23.xml><?xml version="1.0" encoding="utf-8"?>
-<p:sld xmlns:a="http://schemas.openxmlformats.org/drawingml/2006/main" xmlns:r="http://schemas.openxmlformats.org/officeDocument/2006/relationships" xmlns:p="http://schemas.openxmlformats.org/presentationml/2006/main">
-  <p:cSld>
-    <p:spTree>
-      <p:nvGrpSpPr>
-        <p:cNvPr id="1" name=""/>
-        <p:cNvGrpSpPr/>
-        <p:nvPr/>
-      </p:nvGrpSpPr>
-      <p:grpSpPr>
-        <a:xfrm>
-          <a:off x="0" y="0"/>
-          <a:ext cx="0" cy="0"/>
-          <a:chOff x="0" y="0"/>
-          <a:chExt cx="0" cy="0"/>
-        </a:xfrm>
-      </p:grpSpPr>
-      <p:sp>
-        <p:nvSpPr>
-          <p:cNvPr id="5" name="Titel 4">
-            <a:extLst>
-              <a:ext uri="{FF2B5EF4-FFF2-40B4-BE49-F238E27FC236}">
-                <a16:creationId xmlns:a16="http://schemas.microsoft.com/office/drawing/2014/main" id="{3BDAB914-87D3-4CE0-B5F7-BB66EC2ADF64}"/>
-              </a:ext>
-            </a:extLst>
-          </p:cNvPr>
-          <p:cNvSpPr>
-            <a:spLocks noGrp="1"/>
-          </p:cNvSpPr>
-          <p:nvPr>
-            <p:ph type="title"/>
-          </p:nvPr>
-        </p:nvSpPr>
-        <p:spPr>
-          <a:xfrm>
-            <a:off x="304977" y="187890"/>
-            <a:ext cx="9856790" cy="530326"/>
-          </a:xfrm>
-        </p:spPr>
-        <p:txBody>
-          <a:bodyPr/>
-          <a:lstStyle/>
-          <a:p>
-            <a:r>
-              <a:rPr lang="de-DE" dirty="0">
-                <a:latin typeface="Klavika" panose="02000803050000020004" pitchFamily="2" charset="0"/>
-              </a:rPr>
-              <a:t>Nächste Schritte</a:t>
-            </a:r>
-            <a:endParaRPr lang="de-AT" dirty="0">
-              <a:latin typeface="Klavika" panose="02000803050000020004" pitchFamily="2" charset="0"/>
-            </a:endParaRPr>
-          </a:p>
-        </p:txBody>
-      </p:sp>
-      <p:sp>
-        <p:nvSpPr>
-          <p:cNvPr id="6" name="Inhaltsplatzhalter 5">
-            <a:extLst>
-              <a:ext uri="{FF2B5EF4-FFF2-40B4-BE49-F238E27FC236}">
-                <a16:creationId xmlns:a16="http://schemas.microsoft.com/office/drawing/2014/main" id="{902B4942-6079-4325-B9EF-8765C0505437}"/>
-              </a:ext>
-            </a:extLst>
-          </p:cNvPr>
-          <p:cNvSpPr>
-            <a:spLocks noGrp="1"/>
-          </p:cNvSpPr>
-          <p:nvPr>
-            <p:ph idx="1"/>
-          </p:nvPr>
-        </p:nvSpPr>
-        <p:spPr/>
-        <p:txBody>
-          <a:bodyPr/>
-          <a:lstStyle/>
-          <a:p>
-            <a:pPr marL="0" indent="0">
-              <a:buNone/>
-            </a:pPr>
-            <a:endParaRPr lang="de-AT" dirty="0">
-              <a:latin typeface="Roboto" panose="02000000000000000000" pitchFamily="2" charset="0"/>
-              <a:ea typeface="Roboto" panose="02000000000000000000" pitchFamily="2" charset="0"/>
-            </a:endParaRPr>
-          </a:p>
-          <a:p>
-            <a:r>
-              <a:rPr lang="de-DE" dirty="0">
-                <a:hlinkClick r:id="rId3"/>
-              </a:rPr>
-              <a:t>Getting Started für Kassenhändler</a:t>
-            </a:r>
-            <a:endParaRPr lang="de-DE" dirty="0">
-              <a:latin typeface="Roboto" panose="02000000000000000000" pitchFamily="2" charset="0"/>
-              <a:ea typeface="Roboto" panose="02000000000000000000" pitchFamily="2" charset="0"/>
-            </a:endParaRPr>
-          </a:p>
-        </p:txBody>
-      </p:sp>
-      <p:sp>
-        <p:nvSpPr>
-          <p:cNvPr id="4" name="Datumsplatzhalter 3">
-            <a:extLst>
-              <a:ext uri="{FF2B5EF4-FFF2-40B4-BE49-F238E27FC236}">
-                <a16:creationId xmlns:a16="http://schemas.microsoft.com/office/drawing/2014/main" id="{C5C0CF94-8E0E-4767-B789-B0FE06643950}"/>
-              </a:ext>
-            </a:extLst>
-          </p:cNvPr>
-          <p:cNvSpPr>
-            <a:spLocks noGrp="1"/>
-          </p:cNvSpPr>
-          <p:nvPr>
-            <p:ph type="dt" sz="half" idx="10"/>
-          </p:nvPr>
-        </p:nvSpPr>
-        <p:spPr/>
-        <p:txBody>
-          <a:bodyPr/>
-          <a:lstStyle/>
-          <a:p>
-            <a:r>
-              <a:rPr lang="de-DE"/>
-              <a:t>fiskaltrust gmbh - </a:t>
-            </a:r>
-            <a:fld id="{F9CF9B13-D011-40B4-B116-4AFF51B22AA5}" type="datetime1">
-              <a:rPr lang="de-DE" smtClean="0"/>
-              <a:pPr/>
-              <a:t>09.02.2021</a:t>
-            </a:fld>
-            <a:r>
-              <a:rPr lang="de-DE"/>
-              <a:t> - Folie </a:t>
-            </a:r>
-            <a:fld id="{4D3E4D3B-16BA-4843-8361-4E45D113E984}" type="slidenum">
-              <a:rPr lang="de-DE" smtClean="0"/>
-              <a:pPr/>
-              <a:t>23</a:t>
             </a:fld>
             <a:endParaRPr lang="de-DE"/>
           </a:p>
@@ -18465,7 +14040,7 @@
 </p:sld>
 </file>
 
-<file path=ppt/slides/slide24.xml><?xml version="1.0" encoding="utf-8"?>
+<file path=ppt/slides/slide12.xml><?xml version="1.0" encoding="utf-8"?>
 <p:sld xmlns:a="http://schemas.openxmlformats.org/drawingml/2006/main" xmlns:r="http://schemas.openxmlformats.org/officeDocument/2006/relationships" xmlns:p="http://schemas.openxmlformats.org/presentationml/2006/main">
   <p:cSld>
     <p:spTree>
@@ -18539,7 +14114,7 @@
             <a:fld id="{F9CF9B13-D011-40B4-B116-4AFF51B22AA5}" type="datetime1">
               <a:rPr lang="de-DE" smtClean="0"/>
               <a:pPr/>
-              <a:t>09.02.2021</a:t>
+              <a:t>25.05.21</a:t>
             </a:fld>
             <a:r>
               <a:rPr lang="de-DE"/>
@@ -18548,7 +14123,7 @@
             <a:fld id="{4D3E4D3B-16BA-4843-8361-4E45D113E984}" type="slidenum">
               <a:rPr lang="de-DE" smtClean="0"/>
               <a:pPr/>
-              <a:t>24</a:t>
+              <a:t>12</a:t>
             </a:fld>
             <a:endParaRPr lang="de-DE"/>
           </a:p>
@@ -21011,6 +16586,184 @@
 </p:sld>
 </file>
 
+<file path=ppt/slides/slide2.xml><?xml version="1.0" encoding="utf-8"?>
+<p:sld xmlns:a="http://schemas.openxmlformats.org/drawingml/2006/main" xmlns:r="http://schemas.openxmlformats.org/officeDocument/2006/relationships" xmlns:p="http://schemas.openxmlformats.org/presentationml/2006/main">
+  <p:cSld>
+    <p:spTree>
+      <p:nvGrpSpPr>
+        <p:cNvPr id="1" name=""/>
+        <p:cNvGrpSpPr/>
+        <p:nvPr/>
+      </p:nvGrpSpPr>
+      <p:grpSpPr>
+        <a:xfrm>
+          <a:off x="0" y="0"/>
+          <a:ext cx="0" cy="0"/>
+          <a:chOff x="0" y="0"/>
+          <a:chExt cx="0" cy="0"/>
+        </a:xfrm>
+      </p:grpSpPr>
+      <p:sp>
+        <p:nvSpPr>
+          <p:cNvPr id="5" name="Titel 4">
+            <a:extLst>
+              <a:ext uri="{FF2B5EF4-FFF2-40B4-BE49-F238E27FC236}">
+                <a16:creationId xmlns:a16="http://schemas.microsoft.com/office/drawing/2014/main" id="{3BDAB914-87D3-4CE0-B5F7-BB66EC2ADF64}"/>
+              </a:ext>
+            </a:extLst>
+          </p:cNvPr>
+          <p:cNvSpPr>
+            <a:spLocks noGrp="1"/>
+          </p:cNvSpPr>
+          <p:nvPr>
+            <p:ph type="title"/>
+          </p:nvPr>
+        </p:nvSpPr>
+        <p:spPr>
+          <a:xfrm>
+            <a:off x="304977" y="187890"/>
+            <a:ext cx="9856790" cy="530326"/>
+          </a:xfrm>
+        </p:spPr>
+        <p:txBody>
+          <a:bodyPr/>
+          <a:lstStyle/>
+          <a:p>
+            <a:r>
+              <a:rPr lang="de-AT" dirty="0">
+                <a:latin typeface="Klavika Bd" panose="02000803050000020004" pitchFamily="2" charset="0"/>
+              </a:rPr>
+              <a:t>Agenda</a:t>
+            </a:r>
+          </a:p>
+        </p:txBody>
+      </p:sp>
+      <p:sp>
+        <p:nvSpPr>
+          <p:cNvPr id="6" name="Inhaltsplatzhalter 5">
+            <a:extLst>
+              <a:ext uri="{FF2B5EF4-FFF2-40B4-BE49-F238E27FC236}">
+                <a16:creationId xmlns:a16="http://schemas.microsoft.com/office/drawing/2014/main" id="{902B4942-6079-4325-B9EF-8765C0505437}"/>
+              </a:ext>
+            </a:extLst>
+          </p:cNvPr>
+          <p:cNvSpPr>
+            <a:spLocks noGrp="1"/>
+          </p:cNvSpPr>
+          <p:nvPr>
+            <p:ph idx="1"/>
+          </p:nvPr>
+        </p:nvSpPr>
+        <p:spPr/>
+        <p:txBody>
+          <a:bodyPr/>
+          <a:lstStyle/>
+          <a:p>
+            <a:endParaRPr lang="de-AT" dirty="0">
+              <a:latin typeface="Roboto" panose="02000000000000000000" pitchFamily="2" charset="0"/>
+              <a:ea typeface="Roboto" panose="02000000000000000000" pitchFamily="2" charset="0"/>
+            </a:endParaRPr>
+          </a:p>
+          <a:p>
+            <a:endParaRPr lang="de-AT" dirty="0">
+              <a:latin typeface="Roboto" panose="02000000000000000000" pitchFamily="2" charset="0"/>
+              <a:ea typeface="Roboto" panose="02000000000000000000" pitchFamily="2" charset="0"/>
+            </a:endParaRPr>
+          </a:p>
+          <a:p>
+            <a:r>
+              <a:rPr lang="de-AT" dirty="0">
+                <a:latin typeface="Roboto" panose="02000000000000000000" pitchFamily="2" charset="0"/>
+                <a:ea typeface="Roboto" panose="02000000000000000000" pitchFamily="2" charset="0"/>
+              </a:rPr>
+              <a:t>Portal als Rollout Management Tool</a:t>
+            </a:r>
+          </a:p>
+          <a:p>
+            <a:r>
+              <a:rPr lang="de-AT" dirty="0">
+                <a:latin typeface="Roboto" panose="02000000000000000000" pitchFamily="2" charset="0"/>
+                <a:ea typeface="Roboto" panose="02000000000000000000" pitchFamily="2" charset="0"/>
+              </a:rPr>
+              <a:t>Konfiguration und Auslieferung der ft.Middleware</a:t>
+            </a:r>
+          </a:p>
+          <a:p>
+            <a:r>
+              <a:rPr lang="de-AT" dirty="0">
+                <a:latin typeface="Roboto" panose="02000000000000000000" pitchFamily="2" charset="0"/>
+                <a:ea typeface="Roboto" panose="02000000000000000000" pitchFamily="2" charset="0"/>
+              </a:rPr>
+              <a:t>Automatisierungsoptionen</a:t>
+            </a:r>
+          </a:p>
+          <a:p>
+            <a:r>
+              <a:rPr lang="de-AT" dirty="0">
+                <a:latin typeface="Roboto" panose="02000000000000000000" pitchFamily="2" charset="0"/>
+                <a:ea typeface="Roboto" panose="02000000000000000000" pitchFamily="2" charset="0"/>
+              </a:rPr>
+              <a:t>Rollout Szenarien</a:t>
+            </a:r>
+          </a:p>
+        </p:txBody>
+      </p:sp>
+      <p:sp>
+        <p:nvSpPr>
+          <p:cNvPr id="4" name="Datumsplatzhalter 3">
+            <a:extLst>
+              <a:ext uri="{FF2B5EF4-FFF2-40B4-BE49-F238E27FC236}">
+                <a16:creationId xmlns:a16="http://schemas.microsoft.com/office/drawing/2014/main" id="{C5C0CF94-8E0E-4767-B789-B0FE06643950}"/>
+              </a:ext>
+            </a:extLst>
+          </p:cNvPr>
+          <p:cNvSpPr>
+            <a:spLocks noGrp="1"/>
+          </p:cNvSpPr>
+          <p:nvPr>
+            <p:ph type="dt" sz="half" idx="10"/>
+          </p:nvPr>
+        </p:nvSpPr>
+        <p:spPr/>
+        <p:txBody>
+          <a:bodyPr/>
+          <a:lstStyle/>
+          <a:p>
+            <a:r>
+              <a:rPr lang="de-DE"/>
+              <a:t>fiskaltrust gmbh - </a:t>
+            </a:r>
+            <a:fld id="{F9CF9B13-D011-40B4-B116-4AFF51B22AA5}" type="datetime1">
+              <a:rPr lang="de-DE" smtClean="0"/>
+              <a:pPr/>
+              <a:t>25.05.21</a:t>
+            </a:fld>
+            <a:r>
+              <a:rPr lang="de-DE"/>
+              <a:t> - Folie </a:t>
+            </a:r>
+            <a:fld id="{4D3E4D3B-16BA-4843-8361-4E45D113E984}" type="slidenum">
+              <a:rPr lang="de-DE" smtClean="0"/>
+              <a:pPr/>
+              <a:t>2</a:t>
+            </a:fld>
+            <a:endParaRPr lang="de-DE"/>
+          </a:p>
+        </p:txBody>
+      </p:sp>
+    </p:spTree>
+    <p:extLst>
+      <p:ext uri="{BB962C8B-B14F-4D97-AF65-F5344CB8AC3E}">
+        <p14:creationId xmlns:p14="http://schemas.microsoft.com/office/powerpoint/2010/main" val="3297534490"/>
+      </p:ext>
+    </p:extLst>
+  </p:cSld>
+  <p:clrMapOvr>
+    <a:masterClrMapping/>
+  </p:clrMapOvr>
+</p:sld>
+</file>
+
 <file path=ppt/slides/slide3.xml><?xml version="1.0" encoding="utf-8"?>
 <p:sld xmlns:a="http://schemas.openxmlformats.org/drawingml/2006/main" xmlns:r="http://schemas.openxmlformats.org/officeDocument/2006/relationships" xmlns:p="http://schemas.openxmlformats.org/presentationml/2006/main">
   <p:cSld>
@@ -21056,12 +16809,12 @@
           <a:p>
             <a:r>
               <a:rPr lang="de-DE" dirty="0">
-                <a:latin typeface="Klavika" panose="02000803050000020004" pitchFamily="2" charset="0"/>
+                <a:latin typeface="Klavika Bd" panose="02000803050000020004" pitchFamily="2" charset="0"/>
               </a:rPr>
               <a:t>Portal als Rollout Management Tool</a:t>
             </a:r>
             <a:endParaRPr lang="de-AT" dirty="0">
-              <a:latin typeface="Klavika" panose="02000803050000020004" pitchFamily="2" charset="0"/>
+              <a:latin typeface="Klavika Bd" panose="02000803050000020004" pitchFamily="2" charset="0"/>
             </a:endParaRPr>
           </a:p>
         </p:txBody>
@@ -21164,7 +16917,7 @@
             <a:fld id="{F9CF9B13-D011-40B4-B116-4AFF51B22AA5}" type="datetime1">
               <a:rPr lang="de-DE" smtClean="0"/>
               <a:pPr/>
-              <a:t>09.02.2021</a:t>
+              <a:t>25.05.21</a:t>
             </a:fld>
             <a:r>
               <a:rPr lang="de-DE"/>
@@ -21237,12 +16990,12 @@
           <a:p>
             <a:r>
               <a:rPr lang="de-DE" dirty="0">
-                <a:latin typeface="Klavika" panose="02000803050000020004" pitchFamily="2" charset="0"/>
+                <a:latin typeface="Klavika Bd" panose="02000803050000020004" pitchFamily="2" charset="0"/>
               </a:rPr>
               <a:t>Einladung der Kassenbetreiber</a:t>
             </a:r>
             <a:endParaRPr lang="de-AT" dirty="0">
-              <a:latin typeface="Klavika" panose="02000803050000020004" pitchFamily="2" charset="0"/>
+              <a:latin typeface="Klavika Bd" panose="02000803050000020004" pitchFamily="2" charset="0"/>
             </a:endParaRPr>
           </a:p>
         </p:txBody>
@@ -21275,7 +17028,7 @@
             <a:fld id="{F9CF9B13-D011-40B4-B116-4AFF51B22AA5}" type="datetime1">
               <a:rPr lang="de-DE" smtClean="0"/>
               <a:pPr/>
-              <a:t>09.02.2021</a:t>
+              <a:t>25.05.21</a:t>
             </a:fld>
             <a:r>
               <a:rPr lang="de-DE"/>
@@ -21292,10 +17045,10 @@
       </p:sp>
       <p:graphicFrame>
         <p:nvGraphicFramePr>
-          <p:cNvPr id="7" name="Diagramm 8">
+          <p:cNvPr id="6" name="Diagramm 8">
             <a:extLst>
               <a:ext uri="{FF2B5EF4-FFF2-40B4-BE49-F238E27FC236}">
-                <a16:creationId xmlns:a16="http://schemas.microsoft.com/office/drawing/2014/main" id="{81406C4D-0D8B-B740-B39D-21FFA6B8C385}"/>
+                <a16:creationId xmlns:a16="http://schemas.microsoft.com/office/drawing/2014/main" id="{EFE47235-6116-9E45-85D1-21CABEE04B64}"/>
               </a:ext>
             </a:extLst>
           </p:cNvPr>
@@ -21305,7 +17058,7 @@
           <p:nvPr>
             <p:extLst>
               <p:ext uri="{D42A27DB-BD31-4B8C-83A1-F6EECF244321}">
-                <p14:modId xmlns:p14="http://schemas.microsoft.com/office/powerpoint/2010/main" val="2998114256"/>
+                <p14:modId xmlns:p14="http://schemas.microsoft.com/office/powerpoint/2010/main" val="194236305"/>
               </p:ext>
             </p:extLst>
           </p:nvPr>
@@ -21378,12 +17131,12 @@
           <a:p>
             <a:r>
               <a:rPr lang="de-DE" dirty="0">
-                <a:latin typeface="Klavika" panose="02000803050000020004" pitchFamily="2" charset="0"/>
+                <a:latin typeface="Klavika Bd" panose="02000803050000020004" pitchFamily="2" charset="0"/>
               </a:rPr>
               <a:t>fiskaltrust Middleware</a:t>
             </a:r>
             <a:endParaRPr lang="de-AT" dirty="0">
-              <a:latin typeface="Klavika" panose="02000803050000020004" pitchFamily="2" charset="0"/>
+              <a:latin typeface="Klavika Bd" panose="02000803050000020004" pitchFamily="2" charset="0"/>
             </a:endParaRPr>
           </a:p>
         </p:txBody>
@@ -21416,7 +17169,7 @@
             <a:fld id="{F9CF9B13-D011-40B4-B116-4AFF51B22AA5}" type="datetime1">
               <a:rPr lang="de-DE" smtClean="0"/>
               <a:pPr/>
-              <a:t>09.02.2021</a:t>
+              <a:t>25.05.21</a:t>
             </a:fld>
             <a:r>
               <a:rPr lang="de-DE"/>
@@ -21525,12 +17278,12 @@
           <a:p>
             <a:r>
               <a:rPr lang="de-DE" dirty="0">
-                <a:latin typeface="Klavika" panose="02000803050000020004" pitchFamily="2" charset="0"/>
+                <a:latin typeface="Klavika Bd" panose="02000803050000020004" pitchFamily="2" charset="0"/>
               </a:rPr>
               <a:t>Vorbereitung der Konfiguration (Cashbox)</a:t>
             </a:r>
             <a:endParaRPr lang="de-AT" dirty="0">
-              <a:latin typeface="Klavika" panose="02000803050000020004" pitchFamily="2" charset="0"/>
+              <a:latin typeface="Klavika Bd" panose="02000803050000020004" pitchFamily="2" charset="0"/>
             </a:endParaRPr>
           </a:p>
         </p:txBody>
@@ -21563,7 +17316,7 @@
             <a:fld id="{F9CF9B13-D011-40B4-B116-4AFF51B22AA5}" type="datetime1">
               <a:rPr lang="de-DE" smtClean="0"/>
               <a:pPr/>
-              <a:t>09.02.2021</a:t>
+              <a:t>25.05.21</a:t>
             </a:fld>
             <a:r>
               <a:rPr lang="de-DE"/>
@@ -21819,12 +17572,12 @@
           <a:p>
             <a:r>
               <a:rPr lang="de-DE" dirty="0">
-                <a:latin typeface="Klavika" panose="02000803050000020004" pitchFamily="2" charset="0"/>
+                <a:latin typeface="Klavika Bd" panose="02000803050000020004" pitchFamily="2" charset="0"/>
               </a:rPr>
               <a:t>Vorbereitung der Konfiguration (Cashbox)</a:t>
             </a:r>
             <a:endParaRPr lang="de-AT" dirty="0">
-              <a:latin typeface="Klavika" panose="02000803050000020004" pitchFamily="2" charset="0"/>
+              <a:latin typeface="Klavika Bd" panose="02000803050000020004" pitchFamily="2" charset="0"/>
             </a:endParaRPr>
           </a:p>
         </p:txBody>
@@ -21927,7 +17680,7 @@
             <a:fld id="{F9CF9B13-D011-40B4-B116-4AFF51B22AA5}" type="datetime1">
               <a:rPr lang="de-DE" smtClean="0"/>
               <a:pPr/>
-              <a:t>09.02.2021</a:t>
+              <a:t>25.05.21</a:t>
             </a:fld>
             <a:r>
               <a:rPr lang="de-DE"/>
@@ -22000,12 +17753,12 @@
           <a:p>
             <a:r>
               <a:rPr lang="de-DE" dirty="0">
-                <a:latin typeface="Klavika" panose="02000803050000020004" pitchFamily="2" charset="0"/>
+                <a:latin typeface="Klavika Bd" panose="02000803050000020004" pitchFamily="2" charset="0"/>
               </a:rPr>
               <a:t>Download der ft.Middleware (Launcher)</a:t>
             </a:r>
             <a:endParaRPr lang="de-AT" dirty="0">
-              <a:latin typeface="Klavika" panose="02000803050000020004" pitchFamily="2" charset="0"/>
+              <a:latin typeface="Klavika Bd" panose="02000803050000020004" pitchFamily="2" charset="0"/>
             </a:endParaRPr>
           </a:p>
         </p:txBody>
@@ -22051,7 +17804,7 @@
                 <a:latin typeface="Roboto" panose="02000000000000000000" pitchFamily="2" charset="0"/>
                 <a:ea typeface="Roboto" panose="02000000000000000000" pitchFamily="2" charset="0"/>
               </a:rPr>
-              <a:t>„Rebuild configuration“</a:t>
+              <a:t>Publizieren der Cashbox („Rebuild configuration“)</a:t>
             </a:r>
           </a:p>
           <a:p>
@@ -22102,7 +17855,7 @@
             <a:fld id="{F9CF9B13-D011-40B4-B116-4AFF51B22AA5}" type="datetime1">
               <a:rPr lang="de-DE" smtClean="0"/>
               <a:pPr/>
-              <a:t>09.02.2021</a:t>
+              <a:t>25.05.21</a:t>
             </a:fld>
             <a:r>
               <a:rPr lang="de-DE"/>
@@ -22175,12 +17928,12 @@
           <a:p>
             <a:r>
               <a:rPr lang="de-DE" dirty="0">
-                <a:latin typeface="Klavika" panose="02000803050000020004" pitchFamily="2" charset="0"/>
+                <a:latin typeface="Klavika Bd" panose="02000803050000020004" pitchFamily="2" charset="0"/>
               </a:rPr>
-              <a:t>Automatisierungsoptionen</a:t>
+              <a:t>Rollout Szenarien</a:t>
             </a:r>
             <a:endParaRPr lang="de-AT" dirty="0">
-              <a:latin typeface="Klavika" panose="02000803050000020004" pitchFamily="2" charset="0"/>
+              <a:latin typeface="Klavika Bd" panose="02000803050000020004" pitchFamily="2" charset="0"/>
             </a:endParaRPr>
           </a:p>
         </p:txBody>
@@ -22206,12 +17959,6 @@
           <a:bodyPr/>
           <a:lstStyle/>
           <a:p>
-            <a:endParaRPr lang="de-AT" dirty="0">
-              <a:latin typeface="Roboto" panose="02000000000000000000" pitchFamily="2" charset="0"/>
-              <a:ea typeface="Roboto" panose="02000000000000000000" pitchFamily="2" charset="0"/>
-            </a:endParaRPr>
-          </a:p>
-          <a:p>
             <a:pPr marL="0" indent="0">
               <a:buNone/>
             </a:pPr>
@@ -22222,48 +17969,17 @@
           </a:p>
           <a:p>
             <a:r>
-              <a:rPr lang="de-AT" dirty="0">
+              <a:rPr lang="de-DE" dirty="0">
                 <a:latin typeface="Roboto" panose="02000000000000000000" pitchFamily="2" charset="0"/>
                 <a:ea typeface="Roboto" panose="02000000000000000000" pitchFamily="2" charset="0"/>
+                <a:hlinkClick r:id="rId3"/>
               </a:rPr>
-              <a:t>Massenupdate der Cashboxen</a:t>
-            </a:r>
-          </a:p>
-          <a:p>
-            <a:r>
-              <a:rPr lang="de-AT" dirty="0">
-                <a:latin typeface="Roboto" panose="02000000000000000000" pitchFamily="2" charset="0"/>
-                <a:ea typeface="Roboto" panose="02000000000000000000" pitchFamily="2" charset="0"/>
-              </a:rPr>
-              <a:t>Templating zum Erstellen von Cashboxen</a:t>
-            </a:r>
-          </a:p>
-          <a:p>
-            <a:r>
-              <a:rPr lang="de-AT" dirty="0">
-                <a:latin typeface="Roboto" panose="02000000000000000000" pitchFamily="2" charset="0"/>
-                <a:ea typeface="Roboto" panose="02000000000000000000" pitchFamily="2" charset="0"/>
-              </a:rPr>
-              <a:t>Bulk-Import der Standorte</a:t>
-            </a:r>
-          </a:p>
-          <a:p>
-            <a:r>
-              <a:rPr lang="de-AT" dirty="0">
-                <a:latin typeface="Roboto" panose="02000000000000000000" pitchFamily="2" charset="0"/>
-                <a:ea typeface="Roboto" panose="02000000000000000000" pitchFamily="2" charset="0"/>
-              </a:rPr>
-              <a:t>Automatisierte Auslieferung der Middleware</a:t>
-            </a:r>
-          </a:p>
-          <a:p>
-            <a:r>
-              <a:rPr lang="de-AT" dirty="0">
-                <a:latin typeface="Roboto" panose="02000000000000000000" pitchFamily="2" charset="0"/>
-                <a:ea typeface="Roboto" panose="02000000000000000000" pitchFamily="2" charset="0"/>
-              </a:rPr>
-              <a:t>Hoher Automatisierungsgrad</a:t>
-            </a:r>
+              <a:t>Vorführung anhand der Dokumentation</a:t>
+            </a:r>
+            <a:endParaRPr lang="de-DE" dirty="0">
+              <a:latin typeface="Roboto" panose="02000000000000000000" pitchFamily="2" charset="0"/>
+              <a:ea typeface="Roboto" panose="02000000000000000000" pitchFamily="2" charset="0"/>
+            </a:endParaRPr>
           </a:p>
         </p:txBody>
       </p:sp>
@@ -22295,7 +18011,7 @@
             <a:fld id="{F9CF9B13-D011-40B4-B116-4AFF51B22AA5}" type="datetime1">
               <a:rPr lang="de-DE" smtClean="0"/>
               <a:pPr/>
-              <a:t>09.02.2021</a:t>
+              <a:t>25.05.21</a:t>
             </a:fld>
             <a:r>
               <a:rPr lang="de-DE"/>
@@ -22313,7 +18029,7 @@
     </p:spTree>
     <p:extLst>
       <p:ext uri="{BB962C8B-B14F-4D97-AF65-F5344CB8AC3E}">
-        <p14:creationId xmlns:p14="http://schemas.microsoft.com/office/powerpoint/2010/main" val="3152647481"/>
+        <p14:creationId xmlns:p14="http://schemas.microsoft.com/office/powerpoint/2010/main" val="2170437401"/>
       </p:ext>
     </p:extLst>
   </p:cSld>
@@ -22923,12 +18639,6 @@
 </file>
 
 <file path=customXml/item2.xml><?xml version="1.0" encoding="utf-8"?>
-<p:properties xmlns:p="http://schemas.microsoft.com/office/2006/metadata/properties" xmlns:xsi="http://www.w3.org/2001/XMLSchema-instance" xmlns:pc="http://schemas.microsoft.com/office/infopath/2007/PartnerControls">
-  <documentManagement/>
-</p:properties>
-</file>
-
-<file path=customXml/item3.xml><?xml version="1.0" encoding="utf-8"?>
 <ct:contentTypeSchema xmlns:ct="http://schemas.microsoft.com/office/2006/metadata/contentType" xmlns:ma="http://schemas.microsoft.com/office/2006/metadata/properties/metaAttributes" ct:_="" ma:_="" ma:contentTypeName="Dokument" ma:contentTypeID="0x01010003A087929988544A956B845A242A1874" ma:contentTypeVersion="9" ma:contentTypeDescription="Ein neues Dokument erstellen." ma:contentTypeScope="" ma:versionID="8fcee6ad74384aaf9bbc4d877337004d">
   <xsd:schema xmlns:xsd="http://www.w3.org/2001/XMLSchema" xmlns:xs="http://www.w3.org/2001/XMLSchema" xmlns:p="http://schemas.microsoft.com/office/2006/metadata/properties" xmlns:ns2="c3142773-ea53-476f-8961-6b85122cde25" targetNamespace="http://schemas.microsoft.com/office/2006/metadata/properties" ma:root="true" ma:fieldsID="a573346e6707e52bf95e9f5c0e472ecc" ns2:_="">
     <xsd:import namespace="c3142773-ea53-476f-8961-6b85122cde25"/>
@@ -23106,6 +18816,12 @@
 </ct:contentTypeSchema>
 </file>
 
+<file path=customXml/item3.xml><?xml version="1.0" encoding="utf-8"?>
+<p:properties xmlns:p="http://schemas.microsoft.com/office/2006/metadata/properties" xmlns:xsi="http://www.w3.org/2001/XMLSchema-instance" xmlns:pc="http://schemas.microsoft.com/office/infopath/2007/PartnerControls">
+  <documentManagement/>
+</p:properties>
+</file>
+
 <file path=customXml/itemProps1.xml><?xml version="1.0" encoding="utf-8"?>
 <ds:datastoreItem xmlns:ds="http://schemas.openxmlformats.org/officeDocument/2006/customXml" ds:itemID="{13D6CB1D-6628-4D5C-8ECC-C7DF45EC7E07}">
   <ds:schemaRefs>
@@ -23115,23 +18831,6 @@
 </file>
 
 <file path=customXml/itemProps2.xml><?xml version="1.0" encoding="utf-8"?>
-<ds:datastoreItem xmlns:ds="http://schemas.openxmlformats.org/officeDocument/2006/customXml" ds:itemID="{5AF2D8DD-AF33-4A08-A2E3-2004F6A6957D}">
-  <ds:schemaRefs>
-    <ds:schemaRef ds:uri="http://www.w3.org/XML/1998/namespace"/>
-    <ds:schemaRef ds:uri="7a854ad8-f1f0-4c18-862c-08aeb8a09477"/>
-    <ds:schemaRef ds:uri="http://schemas.microsoft.com/office/infopath/2007/PartnerControls"/>
-    <ds:schemaRef ds:uri="http://schemas.microsoft.com/office/2006/documentManagement/types"/>
-    <ds:schemaRef ds:uri="http://purl.org/dc/dcmitype/"/>
-    <ds:schemaRef ds:uri="http://purl.org/dc/elements/1.1/"/>
-    <ds:schemaRef ds:uri="080cf4f5-3f1f-46d1-9fad-6cab00fa05b7"/>
-    <ds:schemaRef ds:uri="http://schemas.microsoft.com/office/2006/metadata/properties"/>
-    <ds:schemaRef ds:uri="http://purl.org/dc/terms/"/>
-    <ds:schemaRef ds:uri="http://schemas.openxmlformats.org/package/2006/metadata/core-properties"/>
-  </ds:schemaRefs>
-</ds:datastoreItem>
-</file>
-
-<file path=customXml/itemProps3.xml><?xml version="1.0" encoding="utf-8"?>
 <ds:datastoreItem xmlns:ds="http://schemas.openxmlformats.org/officeDocument/2006/customXml" ds:itemID="{38606AD6-87A1-436A-AEFD-E99610E3D2EE}">
   <ds:schemaRefs>
     <ds:schemaRef ds:uri="http://schemas.microsoft.com/office/2006/metadata/contentType"/>
@@ -23147,4 +18846,21 @@
     <ds:schemaRef ds:uri="http://schemas.microsoft.com/internal/obd"/>
   </ds:schemaRefs>
 </ds:datastoreItem>
+</file>
+
+<file path=customXml/itemProps3.xml><?xml version="1.0" encoding="utf-8"?>
+<ds:datastoreItem xmlns:ds="http://schemas.openxmlformats.org/officeDocument/2006/customXml" ds:itemID="{5AF2D8DD-AF33-4A08-A2E3-2004F6A6957D}">
+  <ds:schemaRefs>
+    <ds:schemaRef ds:uri="http://www.w3.org/XML/1998/namespace"/>
+    <ds:schemaRef ds:uri="7a854ad8-f1f0-4c18-862c-08aeb8a09477"/>
+    <ds:schemaRef ds:uri="http://schemas.microsoft.com/office/infopath/2007/PartnerControls"/>
+    <ds:schemaRef ds:uri="http://schemas.microsoft.com/office/2006/documentManagement/types"/>
+    <ds:schemaRef ds:uri="http://purl.org/dc/dcmitype/"/>
+    <ds:schemaRef ds:uri="http://purl.org/dc/elements/1.1/"/>
+    <ds:schemaRef ds:uri="080cf4f5-3f1f-46d1-9fad-6cab00fa05b7"/>
+    <ds:schemaRef ds:uri="http://schemas.microsoft.com/office/2006/metadata/properties"/>
+    <ds:schemaRef ds:uri="http://purl.org/dc/terms/"/>
+    <ds:schemaRef ds:uri="http://schemas.openxmlformats.org/package/2006/metadata/core-properties"/>
+  </ds:schemaRefs>
+</ds:datastoreItem>
 </file>